--- a/How_to_Zotero.pptx
+++ b/How_to_Zotero.pptx
@@ -4,13 +4,27 @@
   <p:sldMasterIdLst>
     <p:sldMasterId id="2147483690" r:id="rId1"/>
   </p:sldMasterIdLst>
+  <p:notesMasterIdLst>
+    <p:notesMasterId r:id="rId19"/>
+  </p:notesMasterIdLst>
   <p:sldIdLst>
     <p:sldId id="256" r:id="rId2"/>
     <p:sldId id="259" r:id="rId3"/>
     <p:sldId id="257" r:id="rId4"/>
-    <p:sldId id="258" r:id="rId5"/>
-    <p:sldId id="260" r:id="rId6"/>
-    <p:sldId id="261" r:id="rId7"/>
+    <p:sldId id="262" r:id="rId5"/>
+    <p:sldId id="263" r:id="rId6"/>
+    <p:sldId id="264" r:id="rId7"/>
+    <p:sldId id="265" r:id="rId8"/>
+    <p:sldId id="268" r:id="rId9"/>
+    <p:sldId id="266" r:id="rId10"/>
+    <p:sldId id="269" r:id="rId11"/>
+    <p:sldId id="270" r:id="rId12"/>
+    <p:sldId id="258" r:id="rId13"/>
+    <p:sldId id="260" r:id="rId14"/>
+    <p:sldId id="271" r:id="rId15"/>
+    <p:sldId id="272" r:id="rId16"/>
+    <p:sldId id="273" r:id="rId17"/>
+    <p:sldId id="261" r:id="rId18"/>
   </p:sldIdLst>
   <p:sldSz cx="12192000" cy="6858000"/>
   <p:notesSz cx="6858000" cy="9144000"/>
@@ -117,6 +131,445 @@
 </p:presentation>
 </file>
 
+<file path=ppt/notesMasters/notesMaster1.xml><?xml version="1.0" encoding="utf-8"?>
+<p:notesMaster xmlns:a="http://schemas.openxmlformats.org/drawingml/2006/main" xmlns:r="http://schemas.openxmlformats.org/officeDocument/2006/relationships" xmlns:p="http://schemas.openxmlformats.org/presentationml/2006/main">
+  <p:cSld>
+    <p:bg>
+      <p:bgRef idx="1001">
+        <a:schemeClr val="bg1"/>
+      </p:bgRef>
+    </p:bg>
+    <p:spTree>
+      <p:nvGrpSpPr>
+        <p:cNvPr id="1" name=""/>
+        <p:cNvGrpSpPr/>
+        <p:nvPr/>
+      </p:nvGrpSpPr>
+      <p:grpSpPr>
+        <a:xfrm>
+          <a:off x="0" y="0"/>
+          <a:ext cx="0" cy="0"/>
+          <a:chOff x="0" y="0"/>
+          <a:chExt cx="0" cy="0"/>
+        </a:xfrm>
+      </p:grpSpPr>
+      <p:sp>
+        <p:nvSpPr>
+          <p:cNvPr id="2" name="Header Placeholder 1"/>
+          <p:cNvSpPr>
+            <a:spLocks noGrp="1"/>
+          </p:cNvSpPr>
+          <p:nvPr>
+            <p:ph type="hdr" sz="quarter"/>
+          </p:nvPr>
+        </p:nvSpPr>
+        <p:spPr>
+          <a:xfrm>
+            <a:off x="0" y="0"/>
+            <a:ext cx="2971800" cy="458788"/>
+          </a:xfrm>
+          <a:prstGeom prst="rect">
+            <a:avLst/>
+          </a:prstGeom>
+        </p:spPr>
+        <p:txBody>
+          <a:bodyPr vert="horz" lIns="91440" tIns="45720" rIns="91440" bIns="45720" rtlCol="0"/>
+          <a:lstStyle>
+            <a:lvl1pPr algn="l">
+              <a:defRPr sz="1200"/>
+            </a:lvl1pPr>
+          </a:lstStyle>
+          <a:p>
+            <a:endParaRPr lang="en-US"/>
+          </a:p>
+        </p:txBody>
+      </p:sp>
+      <p:sp>
+        <p:nvSpPr>
+          <p:cNvPr id="3" name="Date Placeholder 2"/>
+          <p:cNvSpPr>
+            <a:spLocks noGrp="1"/>
+          </p:cNvSpPr>
+          <p:nvPr>
+            <p:ph type="dt" idx="1"/>
+          </p:nvPr>
+        </p:nvSpPr>
+        <p:spPr>
+          <a:xfrm>
+            <a:off x="3884613" y="0"/>
+            <a:ext cx="2971800" cy="458788"/>
+          </a:xfrm>
+          <a:prstGeom prst="rect">
+            <a:avLst/>
+          </a:prstGeom>
+        </p:spPr>
+        <p:txBody>
+          <a:bodyPr vert="horz" lIns="91440" tIns="45720" rIns="91440" bIns="45720" rtlCol="0"/>
+          <a:lstStyle>
+            <a:lvl1pPr algn="r">
+              <a:defRPr sz="1200"/>
+            </a:lvl1pPr>
+          </a:lstStyle>
+          <a:p>
+            <a:fld id="{9448B3FD-0514-4D05-A8F8-C926D44D8755}" type="datetimeFigureOut">
+              <a:rPr lang="en-US" smtClean="0"/>
+              <a:t>3/4/2024</a:t>
+            </a:fld>
+            <a:endParaRPr lang="en-US"/>
+          </a:p>
+        </p:txBody>
+      </p:sp>
+      <p:sp>
+        <p:nvSpPr>
+          <p:cNvPr id="4" name="Slide Image Placeholder 3"/>
+          <p:cNvSpPr>
+            <a:spLocks noGrp="1" noRot="1" noChangeAspect="1"/>
+          </p:cNvSpPr>
+          <p:nvPr>
+            <p:ph type="sldImg" idx="2"/>
+          </p:nvPr>
+        </p:nvSpPr>
+        <p:spPr>
+          <a:xfrm>
+            <a:off x="685800" y="1143000"/>
+            <a:ext cx="5486400" cy="3086100"/>
+          </a:xfrm>
+          <a:prstGeom prst="rect">
+            <a:avLst/>
+          </a:prstGeom>
+          <a:noFill/>
+          <a:ln w="12700">
+            <a:solidFill>
+              <a:prstClr val="black"/>
+            </a:solidFill>
+          </a:ln>
+        </p:spPr>
+        <p:txBody>
+          <a:bodyPr vert="horz" lIns="91440" tIns="45720" rIns="91440" bIns="45720" rtlCol="0" anchor="ctr"/>
+          <a:lstStyle/>
+          <a:p>
+            <a:endParaRPr lang="en-US"/>
+          </a:p>
+        </p:txBody>
+      </p:sp>
+      <p:sp>
+        <p:nvSpPr>
+          <p:cNvPr id="5" name="Notes Placeholder 4"/>
+          <p:cNvSpPr>
+            <a:spLocks noGrp="1"/>
+          </p:cNvSpPr>
+          <p:nvPr>
+            <p:ph type="body" sz="quarter" idx="3"/>
+          </p:nvPr>
+        </p:nvSpPr>
+        <p:spPr>
+          <a:xfrm>
+            <a:off x="685800" y="4400550"/>
+            <a:ext cx="5486400" cy="3600450"/>
+          </a:xfrm>
+          <a:prstGeom prst="rect">
+            <a:avLst/>
+          </a:prstGeom>
+        </p:spPr>
+        <p:txBody>
+          <a:bodyPr vert="horz" lIns="91440" tIns="45720" rIns="91440" bIns="45720" rtlCol="0"/>
+          <a:lstStyle/>
+          <a:p>
+            <a:pPr lvl="0"/>
+            <a:r>
+              <a:rPr lang="en-US"/>
+              <a:t>Click to edit Master text styles</a:t>
+            </a:r>
+          </a:p>
+          <a:p>
+            <a:pPr lvl="1"/>
+            <a:r>
+              <a:rPr lang="en-US"/>
+              <a:t>Second level</a:t>
+            </a:r>
+          </a:p>
+          <a:p>
+            <a:pPr lvl="2"/>
+            <a:r>
+              <a:rPr lang="en-US"/>
+              <a:t>Third level</a:t>
+            </a:r>
+          </a:p>
+          <a:p>
+            <a:pPr lvl="3"/>
+            <a:r>
+              <a:rPr lang="en-US"/>
+              <a:t>Fourth level</a:t>
+            </a:r>
+          </a:p>
+          <a:p>
+            <a:pPr lvl="4"/>
+            <a:r>
+              <a:rPr lang="en-US"/>
+              <a:t>Fifth level</a:t>
+            </a:r>
+          </a:p>
+        </p:txBody>
+      </p:sp>
+      <p:sp>
+        <p:nvSpPr>
+          <p:cNvPr id="6" name="Footer Placeholder 5"/>
+          <p:cNvSpPr>
+            <a:spLocks noGrp="1"/>
+          </p:cNvSpPr>
+          <p:nvPr>
+            <p:ph type="ftr" sz="quarter" idx="4"/>
+          </p:nvPr>
+        </p:nvSpPr>
+        <p:spPr>
+          <a:xfrm>
+            <a:off x="0" y="8685213"/>
+            <a:ext cx="2971800" cy="458787"/>
+          </a:xfrm>
+          <a:prstGeom prst="rect">
+            <a:avLst/>
+          </a:prstGeom>
+        </p:spPr>
+        <p:txBody>
+          <a:bodyPr vert="horz" lIns="91440" tIns="45720" rIns="91440" bIns="45720" rtlCol="0" anchor="b"/>
+          <a:lstStyle>
+            <a:lvl1pPr algn="l">
+              <a:defRPr sz="1200"/>
+            </a:lvl1pPr>
+          </a:lstStyle>
+          <a:p>
+            <a:endParaRPr lang="en-US"/>
+          </a:p>
+        </p:txBody>
+      </p:sp>
+      <p:sp>
+        <p:nvSpPr>
+          <p:cNvPr id="7" name="Slide Number Placeholder 6"/>
+          <p:cNvSpPr>
+            <a:spLocks noGrp="1"/>
+          </p:cNvSpPr>
+          <p:nvPr>
+            <p:ph type="sldNum" sz="quarter" idx="5"/>
+          </p:nvPr>
+        </p:nvSpPr>
+        <p:spPr>
+          <a:xfrm>
+            <a:off x="3884613" y="8685213"/>
+            <a:ext cx="2971800" cy="458787"/>
+          </a:xfrm>
+          <a:prstGeom prst="rect">
+            <a:avLst/>
+          </a:prstGeom>
+        </p:spPr>
+        <p:txBody>
+          <a:bodyPr vert="horz" lIns="91440" tIns="45720" rIns="91440" bIns="45720" rtlCol="0" anchor="b"/>
+          <a:lstStyle>
+            <a:lvl1pPr algn="r">
+              <a:defRPr sz="1200"/>
+            </a:lvl1pPr>
+          </a:lstStyle>
+          <a:p>
+            <a:fld id="{8937D4F7-A663-4BD6-9F41-9AC65E2DF0C0}" type="slidenum">
+              <a:rPr lang="en-US" smtClean="0"/>
+              <a:t>‹#›</a:t>
+            </a:fld>
+            <a:endParaRPr lang="en-US"/>
+          </a:p>
+        </p:txBody>
+      </p:sp>
+    </p:spTree>
+    <p:extLst>
+      <p:ext uri="{BB962C8B-B14F-4D97-AF65-F5344CB8AC3E}">
+        <p14:creationId xmlns:p14="http://schemas.microsoft.com/office/powerpoint/2010/main" val="2235367962"/>
+      </p:ext>
+    </p:extLst>
+  </p:cSld>
+  <p:clrMap bg1="lt1" tx1="dk1" bg2="lt2" tx2="dk2" accent1="accent1" accent2="accent2" accent3="accent3" accent4="accent4" accent5="accent5" accent6="accent6" hlink="hlink" folHlink="folHlink"/>
+  <p:notesStyle>
+    <a:lvl1pPr marL="0" algn="l" defTabSz="914400" rtl="0" eaLnBrk="1" latinLnBrk="0" hangingPunct="1">
+      <a:defRPr sz="1200" kern="1200">
+        <a:solidFill>
+          <a:schemeClr val="tx1"/>
+        </a:solidFill>
+        <a:latin typeface="+mn-lt"/>
+        <a:ea typeface="+mn-ea"/>
+        <a:cs typeface="+mn-cs"/>
+      </a:defRPr>
+    </a:lvl1pPr>
+    <a:lvl2pPr marL="457200" algn="l" defTabSz="914400" rtl="0" eaLnBrk="1" latinLnBrk="0" hangingPunct="1">
+      <a:defRPr sz="1200" kern="1200">
+        <a:solidFill>
+          <a:schemeClr val="tx1"/>
+        </a:solidFill>
+        <a:latin typeface="+mn-lt"/>
+        <a:ea typeface="+mn-ea"/>
+        <a:cs typeface="+mn-cs"/>
+      </a:defRPr>
+    </a:lvl2pPr>
+    <a:lvl3pPr marL="914400" algn="l" defTabSz="914400" rtl="0" eaLnBrk="1" latinLnBrk="0" hangingPunct="1">
+      <a:defRPr sz="1200" kern="1200">
+        <a:solidFill>
+          <a:schemeClr val="tx1"/>
+        </a:solidFill>
+        <a:latin typeface="+mn-lt"/>
+        <a:ea typeface="+mn-ea"/>
+        <a:cs typeface="+mn-cs"/>
+      </a:defRPr>
+    </a:lvl3pPr>
+    <a:lvl4pPr marL="1371600" algn="l" defTabSz="914400" rtl="0" eaLnBrk="1" latinLnBrk="0" hangingPunct="1">
+      <a:defRPr sz="1200" kern="1200">
+        <a:solidFill>
+          <a:schemeClr val="tx1"/>
+        </a:solidFill>
+        <a:latin typeface="+mn-lt"/>
+        <a:ea typeface="+mn-ea"/>
+        <a:cs typeface="+mn-cs"/>
+      </a:defRPr>
+    </a:lvl4pPr>
+    <a:lvl5pPr marL="1828800" algn="l" defTabSz="914400" rtl="0" eaLnBrk="1" latinLnBrk="0" hangingPunct="1">
+      <a:defRPr sz="1200" kern="1200">
+        <a:solidFill>
+          <a:schemeClr val="tx1"/>
+        </a:solidFill>
+        <a:latin typeface="+mn-lt"/>
+        <a:ea typeface="+mn-ea"/>
+        <a:cs typeface="+mn-cs"/>
+      </a:defRPr>
+    </a:lvl5pPr>
+    <a:lvl6pPr marL="2286000" algn="l" defTabSz="914400" rtl="0" eaLnBrk="1" latinLnBrk="0" hangingPunct="1">
+      <a:defRPr sz="1200" kern="1200">
+        <a:solidFill>
+          <a:schemeClr val="tx1"/>
+        </a:solidFill>
+        <a:latin typeface="+mn-lt"/>
+        <a:ea typeface="+mn-ea"/>
+        <a:cs typeface="+mn-cs"/>
+      </a:defRPr>
+    </a:lvl6pPr>
+    <a:lvl7pPr marL="2743200" algn="l" defTabSz="914400" rtl="0" eaLnBrk="1" latinLnBrk="0" hangingPunct="1">
+      <a:defRPr sz="1200" kern="1200">
+        <a:solidFill>
+          <a:schemeClr val="tx1"/>
+        </a:solidFill>
+        <a:latin typeface="+mn-lt"/>
+        <a:ea typeface="+mn-ea"/>
+        <a:cs typeface="+mn-cs"/>
+      </a:defRPr>
+    </a:lvl7pPr>
+    <a:lvl8pPr marL="3200400" algn="l" defTabSz="914400" rtl="0" eaLnBrk="1" latinLnBrk="0" hangingPunct="1">
+      <a:defRPr sz="1200" kern="1200">
+        <a:solidFill>
+          <a:schemeClr val="tx1"/>
+        </a:solidFill>
+        <a:latin typeface="+mn-lt"/>
+        <a:ea typeface="+mn-ea"/>
+        <a:cs typeface="+mn-cs"/>
+      </a:defRPr>
+    </a:lvl8pPr>
+    <a:lvl9pPr marL="3657600" algn="l" defTabSz="914400" rtl="0" eaLnBrk="1" latinLnBrk="0" hangingPunct="1">
+      <a:defRPr sz="1200" kern="1200">
+        <a:solidFill>
+          <a:schemeClr val="tx1"/>
+        </a:solidFill>
+        <a:latin typeface="+mn-lt"/>
+        <a:ea typeface="+mn-ea"/>
+        <a:cs typeface="+mn-cs"/>
+      </a:defRPr>
+    </a:lvl9pPr>
+  </p:notesStyle>
+</p:notesMaster>
+</file>
+
+<file path=ppt/notesSlides/notesSlide1.xml><?xml version="1.0" encoding="utf-8"?>
+<p:notes xmlns:a="http://schemas.openxmlformats.org/drawingml/2006/main" xmlns:r="http://schemas.openxmlformats.org/officeDocument/2006/relationships" xmlns:p="http://schemas.openxmlformats.org/presentationml/2006/main">
+  <p:cSld>
+    <p:spTree>
+      <p:nvGrpSpPr>
+        <p:cNvPr id="1" name=""/>
+        <p:cNvGrpSpPr/>
+        <p:nvPr/>
+      </p:nvGrpSpPr>
+      <p:grpSpPr>
+        <a:xfrm>
+          <a:off x="0" y="0"/>
+          <a:ext cx="0" cy="0"/>
+          <a:chOff x="0" y="0"/>
+          <a:chExt cx="0" cy="0"/>
+        </a:xfrm>
+      </p:grpSpPr>
+      <p:sp>
+        <p:nvSpPr>
+          <p:cNvPr id="2" name="Slide Image Placeholder 1"/>
+          <p:cNvSpPr>
+            <a:spLocks noGrp="1" noRot="1" noChangeAspect="1"/>
+          </p:cNvSpPr>
+          <p:nvPr>
+            <p:ph type="sldImg"/>
+          </p:nvPr>
+        </p:nvSpPr>
+        <p:spPr/>
+      </p:sp>
+      <p:sp>
+        <p:nvSpPr>
+          <p:cNvPr id="3" name="Notes Placeholder 2"/>
+          <p:cNvSpPr>
+            <a:spLocks noGrp="1"/>
+          </p:cNvSpPr>
+          <p:nvPr>
+            <p:ph type="body" idx="1"/>
+          </p:nvPr>
+        </p:nvSpPr>
+        <p:spPr/>
+        <p:txBody>
+          <a:bodyPr/>
+          <a:lstStyle/>
+          <a:p>
+            <a:r>
+              <a:rPr lang="de-DE" dirty="0">
+                <a:sym typeface="Wingdings" panose="05000000000000000000" pitchFamily="2" charset="2"/>
+              </a:rPr>
+              <a:t> Dies sind Schlagworte, die so von den meisten Suchmaschinen verstanden werden</a:t>
+            </a:r>
+            <a:endParaRPr lang="en-US" dirty="0"/>
+          </a:p>
+        </p:txBody>
+      </p:sp>
+      <p:sp>
+        <p:nvSpPr>
+          <p:cNvPr id="4" name="Slide Number Placeholder 3"/>
+          <p:cNvSpPr>
+            <a:spLocks noGrp="1"/>
+          </p:cNvSpPr>
+          <p:nvPr>
+            <p:ph type="sldNum" sz="quarter" idx="5"/>
+          </p:nvPr>
+        </p:nvSpPr>
+        <p:spPr/>
+        <p:txBody>
+          <a:bodyPr/>
+          <a:lstStyle/>
+          <a:p>
+            <a:fld id="{8937D4F7-A663-4BD6-9F41-9AC65E2DF0C0}" type="slidenum">
+              <a:rPr lang="en-US" smtClean="0"/>
+              <a:t>15</a:t>
+            </a:fld>
+            <a:endParaRPr lang="en-US"/>
+          </a:p>
+        </p:txBody>
+      </p:sp>
+    </p:spTree>
+    <p:extLst>
+      <p:ext uri="{BB962C8B-B14F-4D97-AF65-F5344CB8AC3E}">
+        <p14:creationId xmlns:p14="http://schemas.microsoft.com/office/powerpoint/2010/main" val="330189725"/>
+      </p:ext>
+    </p:extLst>
+  </p:cSld>
+  <p:clrMapOvr>
+    <a:masterClrMapping/>
+  </p:clrMapOvr>
+</p:notes>
+</file>
+
 <file path=ppt/slideLayouts/slideLayout1.xml><?xml version="1.0" encoding="utf-8"?>
 <p:sldLayout xmlns:a="http://schemas.openxmlformats.org/drawingml/2006/main" xmlns:r="http://schemas.openxmlformats.org/officeDocument/2006/relationships" xmlns:p="http://schemas.openxmlformats.org/presentationml/2006/main" preserve="1">
   <p:cSld name="ST2-HFH">
@@ -276,7 +729,7 @@
             <a:fld id="{89C3057E-802B-4302-BB41-373B8BD48947}" type="datetimeFigureOut">
               <a:rPr lang="de-DE" smtClean="0"/>
               <a:pPr/>
-              <a:t>07.02.2024</a:t>
+              <a:t>04.03.2024</a:t>
             </a:fld>
             <a:endParaRPr lang="de-DE" dirty="0"/>
           </a:p>
@@ -618,7 +1071,7 @@
           <a:p>
             <a:fld id="{89C3057E-802B-4302-BB41-373B8BD48947}" type="datetimeFigureOut">
               <a:rPr lang="de-DE" smtClean="0"/>
-              <a:t>07.02.2024</a:t>
+              <a:t>04.03.2024</a:t>
             </a:fld>
             <a:endParaRPr lang="de-DE"/>
           </a:p>
@@ -923,7 +1376,7 @@
           <a:p>
             <a:fld id="{89C3057E-802B-4302-BB41-373B8BD48947}" type="datetimeFigureOut">
               <a:rPr lang="de-DE" smtClean="0"/>
-              <a:t>07.02.2024</a:t>
+              <a:t>04.03.2024</a:t>
             </a:fld>
             <a:endParaRPr lang="de-DE"/>
           </a:p>
@@ -1133,7 +1586,7 @@
           <a:p>
             <a:fld id="{89C3057E-802B-4302-BB41-373B8BD48947}" type="datetimeFigureOut">
               <a:rPr lang="de-DE" smtClean="0"/>
-              <a:t>07.02.2024</a:t>
+              <a:t>04.03.2024</a:t>
             </a:fld>
             <a:endParaRPr lang="de-DE"/>
           </a:p>
@@ -1354,7 +1807,7 @@
           <a:p>
             <a:fld id="{89C3057E-802B-4302-BB41-373B8BD48947}" type="datetimeFigureOut">
               <a:rPr lang="de-DE" smtClean="0"/>
-              <a:t>07.02.2024</a:t>
+              <a:t>04.03.2024</a:t>
             </a:fld>
             <a:endParaRPr lang="de-DE"/>
           </a:p>
@@ -1578,7 +2031,7 @@
           <a:p>
             <a:fld id="{89C3057E-802B-4302-BB41-373B8BD48947}" type="datetimeFigureOut">
               <a:rPr lang="de-DE" smtClean="0"/>
-              <a:t>07.02.2024</a:t>
+              <a:t>04.03.2024</a:t>
             </a:fld>
             <a:endParaRPr lang="de-DE"/>
           </a:p>
@@ -1805,7 +2258,7 @@
           <a:p>
             <a:fld id="{89C3057E-802B-4302-BB41-373B8BD48947}" type="datetimeFigureOut">
               <a:rPr lang="de-DE" smtClean="0"/>
-              <a:t>07.02.2024</a:t>
+              <a:t>04.03.2024</a:t>
             </a:fld>
             <a:endParaRPr lang="de-DE"/>
           </a:p>
@@ -1992,7 +2445,7 @@
           <a:p>
             <a:fld id="{89C3057E-802B-4302-BB41-373B8BD48947}" type="datetimeFigureOut">
               <a:rPr lang="de-DE" smtClean="0"/>
-              <a:t>07.02.2024</a:t>
+              <a:t>04.03.2024</a:t>
             </a:fld>
             <a:endParaRPr lang="de-DE"/>
           </a:p>
@@ -2413,7 +2866,7 @@
           <a:p>
             <a:fld id="{89C3057E-802B-4302-BB41-373B8BD48947}" type="datetimeFigureOut">
               <a:rPr lang="de-DE" smtClean="0"/>
-              <a:t>07.02.2024</a:t>
+              <a:t>04.03.2024</a:t>
             </a:fld>
             <a:endParaRPr lang="de-DE"/>
           </a:p>
@@ -2717,7 +3170,7 @@
           <a:p>
             <a:fld id="{89C3057E-802B-4302-BB41-373B8BD48947}" type="datetimeFigureOut">
               <a:rPr lang="de-DE" smtClean="0"/>
-              <a:t>07.02.2024</a:t>
+              <a:t>04.03.2024</a:t>
             </a:fld>
             <a:endParaRPr lang="de-DE"/>
           </a:p>
@@ -3045,7 +3498,7 @@
           <a:p>
             <a:fld id="{89C3057E-802B-4302-BB41-373B8BD48947}" type="datetimeFigureOut">
               <a:rPr lang="de-DE" smtClean="0"/>
-              <a:t>07.02.2024</a:t>
+              <a:t>04.03.2024</a:t>
             </a:fld>
             <a:endParaRPr lang="de-DE"/>
           </a:p>
@@ -3551,7 +4004,7 @@
           <a:p>
             <a:fld id="{89C3057E-802B-4302-BB41-373B8BD48947}" type="datetimeFigureOut">
               <a:rPr lang="de-DE" smtClean="0"/>
-              <a:t>07.02.2024</a:t>
+              <a:t>04.03.2024</a:t>
             </a:fld>
             <a:endParaRPr lang="de-DE"/>
           </a:p>
@@ -3709,7 +4162,7 @@
           <a:p>
             <a:fld id="{89C3057E-802B-4302-BB41-373B8BD48947}" type="datetimeFigureOut">
               <a:rPr lang="de-DE" smtClean="0"/>
-              <a:t>07.02.2024</a:t>
+              <a:t>04.03.2024</a:t>
             </a:fld>
             <a:endParaRPr lang="de-DE"/>
           </a:p>
@@ -3844,7 +4297,7 @@
           <a:p>
             <a:fld id="{89C3057E-802B-4302-BB41-373B8BD48947}" type="datetimeFigureOut">
               <a:rPr lang="de-DE" smtClean="0"/>
-              <a:t>07.02.2024</a:t>
+              <a:t>04.03.2024</a:t>
             </a:fld>
             <a:endParaRPr lang="de-DE"/>
           </a:p>
@@ -4100,7 +4553,7 @@
             <a:fld id="{89C3057E-802B-4302-BB41-373B8BD48947}" type="datetimeFigureOut">
               <a:rPr lang="de-DE" smtClean="0"/>
               <a:pPr/>
-              <a:t>07.02.2024</a:t>
+              <a:t>04.03.2024</a:t>
             </a:fld>
             <a:endParaRPr lang="de-DE" dirty="0"/>
           </a:p>
@@ -4786,6 +5239,2451 @@
 </p:sld>
 </file>
 
+<file path=ppt/slides/slide10.xml><?xml version="1.0" encoding="utf-8"?>
+<p:sld xmlns:a="http://schemas.openxmlformats.org/drawingml/2006/main" xmlns:r="http://schemas.openxmlformats.org/officeDocument/2006/relationships" xmlns:p="http://schemas.openxmlformats.org/presentationml/2006/main">
+  <p:cSld>
+    <p:spTree>
+      <p:nvGrpSpPr>
+        <p:cNvPr id="1" name=""/>
+        <p:cNvGrpSpPr/>
+        <p:nvPr/>
+      </p:nvGrpSpPr>
+      <p:grpSpPr>
+        <a:xfrm>
+          <a:off x="0" y="0"/>
+          <a:ext cx="0" cy="0"/>
+          <a:chOff x="0" y="0"/>
+          <a:chExt cx="0" cy="0"/>
+        </a:xfrm>
+      </p:grpSpPr>
+      <p:pic>
+        <p:nvPicPr>
+          <p:cNvPr id="6" name="Content Placeholder 5">
+            <a:extLst>
+              <a:ext uri="{FF2B5EF4-FFF2-40B4-BE49-F238E27FC236}">
+                <a16:creationId xmlns:a16="http://schemas.microsoft.com/office/drawing/2014/main" id="{B4B209BE-E808-415C-A494-61A3B7947095}"/>
+              </a:ext>
+            </a:extLst>
+          </p:cNvPr>
+          <p:cNvPicPr>
+            <a:picLocks noGrp="1" noChangeAspect="1"/>
+          </p:cNvPicPr>
+          <p:nvPr>
+            <p:ph idx="1"/>
+          </p:nvPr>
+        </p:nvPicPr>
+        <p:blipFill rotWithShape="1">
+          <a:blip r:embed="rId2"/>
+          <a:srcRect b="15426"/>
+          <a:stretch/>
+        </p:blipFill>
+        <p:spPr>
+          <a:xfrm>
+            <a:off x="1961603" y="2033204"/>
+            <a:ext cx="7498139" cy="4640371"/>
+          </a:xfrm>
+        </p:spPr>
+      </p:pic>
+      <p:sp>
+        <p:nvSpPr>
+          <p:cNvPr id="4" name="Text Placeholder 3">
+            <a:extLst>
+              <a:ext uri="{FF2B5EF4-FFF2-40B4-BE49-F238E27FC236}">
+                <a16:creationId xmlns:a16="http://schemas.microsoft.com/office/drawing/2014/main" id="{1DE7268B-5DF0-474A-B9BA-B3D8202F5ABE}"/>
+              </a:ext>
+            </a:extLst>
+          </p:cNvPr>
+          <p:cNvSpPr>
+            <a:spLocks noGrp="1"/>
+          </p:cNvSpPr>
+          <p:nvPr>
+            <p:ph type="body" sz="quarter" idx="13"/>
+          </p:nvPr>
+        </p:nvSpPr>
+        <p:spPr/>
+        <p:txBody>
+          <a:bodyPr/>
+          <a:lstStyle/>
+          <a:p>
+            <a:r>
+              <a:rPr lang="de-DE" dirty="0"/>
+              <a:t>Beispiel zum Mitmachen</a:t>
+            </a:r>
+            <a:endParaRPr lang="en-US" dirty="0"/>
+          </a:p>
+        </p:txBody>
+      </p:sp>
+      <p:sp>
+        <p:nvSpPr>
+          <p:cNvPr id="7" name="Oval 6">
+            <a:extLst>
+              <a:ext uri="{FF2B5EF4-FFF2-40B4-BE49-F238E27FC236}">
+                <a16:creationId xmlns:a16="http://schemas.microsoft.com/office/drawing/2014/main" id="{3F95971B-CE60-4BE1-BE9B-45F9FD9C763D}"/>
+              </a:ext>
+            </a:extLst>
+          </p:cNvPr>
+          <p:cNvSpPr/>
+          <p:nvPr/>
+        </p:nvSpPr>
+        <p:spPr>
+          <a:xfrm>
+            <a:off x="8006862" y="2277403"/>
+            <a:ext cx="274320" cy="274320"/>
+          </a:xfrm>
+          <a:prstGeom prst="ellipse">
+            <a:avLst/>
+          </a:prstGeom>
+          <a:noFill/>
+          <a:ln w="19050">
+            <a:solidFill>
+              <a:schemeClr val="accent5"/>
+            </a:solidFill>
+          </a:ln>
+        </p:spPr>
+        <p:style>
+          <a:lnRef idx="2">
+            <a:schemeClr val="accent1">
+              <a:shade val="50000"/>
+            </a:schemeClr>
+          </a:lnRef>
+          <a:fillRef idx="1">
+            <a:schemeClr val="accent1"/>
+          </a:fillRef>
+          <a:effectRef idx="0">
+            <a:schemeClr val="accent1"/>
+          </a:effectRef>
+          <a:fontRef idx="minor">
+            <a:schemeClr val="lt1"/>
+          </a:fontRef>
+        </p:style>
+        <p:txBody>
+          <a:bodyPr rtlCol="0" anchor="ctr"/>
+          <a:lstStyle/>
+          <a:p>
+            <a:pPr algn="ctr"/>
+            <a:endParaRPr lang="en-US"/>
+          </a:p>
+        </p:txBody>
+      </p:sp>
+      <p:pic>
+        <p:nvPicPr>
+          <p:cNvPr id="9" name="Picture 8">
+            <a:extLst>
+              <a:ext uri="{FF2B5EF4-FFF2-40B4-BE49-F238E27FC236}">
+                <a16:creationId xmlns:a16="http://schemas.microsoft.com/office/drawing/2014/main" id="{0F93C11C-27EF-4ED2-A399-6B76AC33FAAC}"/>
+              </a:ext>
+            </a:extLst>
+          </p:cNvPr>
+          <p:cNvPicPr>
+            <a:picLocks noChangeAspect="1"/>
+          </p:cNvPicPr>
+          <p:nvPr/>
+        </p:nvPicPr>
+        <p:blipFill rotWithShape="1">
+          <a:blip r:embed="rId3">
+            <a:duotone>
+              <a:schemeClr val="accent5">
+                <a:shade val="45000"/>
+                <a:satMod val="135000"/>
+              </a:schemeClr>
+              <a:prstClr val="white"/>
+            </a:duotone>
+          </a:blip>
+          <a:srcRect l="2720" b="13300"/>
+          <a:stretch/>
+        </p:blipFill>
+        <p:spPr>
+          <a:xfrm>
+            <a:off x="8144022" y="1908041"/>
+            <a:ext cx="1136657" cy="1013043"/>
+          </a:xfrm>
+          <a:prstGeom prst="rect">
+            <a:avLst/>
+          </a:prstGeom>
+        </p:spPr>
+      </p:pic>
+      <p:sp>
+        <p:nvSpPr>
+          <p:cNvPr id="10" name="Oval 9">
+            <a:extLst>
+              <a:ext uri="{FF2B5EF4-FFF2-40B4-BE49-F238E27FC236}">
+                <a16:creationId xmlns:a16="http://schemas.microsoft.com/office/drawing/2014/main" id="{16AA1065-E0AA-4A15-B6E1-0721A78F3B87}"/>
+              </a:ext>
+            </a:extLst>
+          </p:cNvPr>
+          <p:cNvSpPr/>
+          <p:nvPr/>
+        </p:nvSpPr>
+        <p:spPr>
+          <a:xfrm>
+            <a:off x="7202189" y="2676887"/>
+            <a:ext cx="2078489" cy="1047300"/>
+          </a:xfrm>
+          <a:prstGeom prst="ellipse">
+            <a:avLst/>
+          </a:prstGeom>
+          <a:noFill/>
+          <a:ln w="19050">
+            <a:solidFill>
+              <a:schemeClr val="accent5"/>
+            </a:solidFill>
+          </a:ln>
+        </p:spPr>
+        <p:style>
+          <a:lnRef idx="2">
+            <a:schemeClr val="accent1">
+              <a:shade val="50000"/>
+            </a:schemeClr>
+          </a:lnRef>
+          <a:fillRef idx="1">
+            <a:schemeClr val="accent1"/>
+          </a:fillRef>
+          <a:effectRef idx="0">
+            <a:schemeClr val="accent1"/>
+          </a:effectRef>
+          <a:fontRef idx="minor">
+            <a:schemeClr val="lt1"/>
+          </a:fontRef>
+        </p:style>
+        <p:txBody>
+          <a:bodyPr rtlCol="0" anchor="ctr"/>
+          <a:lstStyle/>
+          <a:p>
+            <a:pPr algn="ctr"/>
+            <a:endParaRPr lang="en-US"/>
+          </a:p>
+        </p:txBody>
+      </p:sp>
+      <p:sp>
+        <p:nvSpPr>
+          <p:cNvPr id="13" name="Title 2">
+            <a:extLst>
+              <a:ext uri="{FF2B5EF4-FFF2-40B4-BE49-F238E27FC236}">
+                <a16:creationId xmlns:a16="http://schemas.microsoft.com/office/drawing/2014/main" id="{51E5E21C-FFA1-450C-94D1-6EA4B02E63A9}"/>
+              </a:ext>
+            </a:extLst>
+          </p:cNvPr>
+          <p:cNvSpPr>
+            <a:spLocks noGrp="1"/>
+          </p:cNvSpPr>
+          <p:nvPr>
+            <p:ph type="title"/>
+          </p:nvPr>
+        </p:nvSpPr>
+        <p:spPr>
+          <a:xfrm>
+            <a:off x="1202919" y="284176"/>
+            <a:ext cx="9784080" cy="1508760"/>
+          </a:xfrm>
+        </p:spPr>
+        <p:txBody>
+          <a:bodyPr/>
+          <a:lstStyle/>
+          <a:p>
+            <a:r>
+              <a:rPr lang="de-DE" dirty="0"/>
+              <a:t>Zotero – </a:t>
+            </a:r>
+            <a:endParaRPr lang="en-US" dirty="0"/>
+          </a:p>
+        </p:txBody>
+      </p:sp>
+      <p:pic>
+        <p:nvPicPr>
+          <p:cNvPr id="14" name="Picture 13">
+            <a:extLst>
+              <a:ext uri="{FF2B5EF4-FFF2-40B4-BE49-F238E27FC236}">
+                <a16:creationId xmlns:a16="http://schemas.microsoft.com/office/drawing/2014/main" id="{477B00E0-4C70-4923-B50C-6E1DEA7794A1}"/>
+              </a:ext>
+            </a:extLst>
+          </p:cNvPr>
+          <p:cNvPicPr>
+            <a:picLocks noChangeAspect="1"/>
+          </p:cNvPicPr>
+          <p:nvPr/>
+        </p:nvPicPr>
+        <p:blipFill>
+          <a:blip r:embed="rId4"/>
+          <a:stretch>
+            <a:fillRect/>
+          </a:stretch>
+        </p:blipFill>
+        <p:spPr>
+          <a:xfrm>
+            <a:off x="3381458" y="706710"/>
+            <a:ext cx="2712955" cy="525826"/>
+          </a:xfrm>
+          <a:prstGeom prst="rect">
+            <a:avLst/>
+          </a:prstGeom>
+        </p:spPr>
+      </p:pic>
+      <p:pic>
+        <p:nvPicPr>
+          <p:cNvPr id="15" name="Picture 14">
+            <a:extLst>
+              <a:ext uri="{FF2B5EF4-FFF2-40B4-BE49-F238E27FC236}">
+                <a16:creationId xmlns:a16="http://schemas.microsoft.com/office/drawing/2014/main" id="{8FBC80D6-B753-4FC9-B607-07C53C4B4E8A}"/>
+              </a:ext>
+            </a:extLst>
+          </p:cNvPr>
+          <p:cNvPicPr>
+            <a:picLocks noChangeAspect="1"/>
+          </p:cNvPicPr>
+          <p:nvPr/>
+        </p:nvPicPr>
+        <p:blipFill rotWithShape="1">
+          <a:blip r:embed="rId5">
+            <a:duotone>
+              <a:schemeClr val="accent5">
+                <a:shade val="45000"/>
+                <a:satMod val="135000"/>
+              </a:schemeClr>
+              <a:prstClr val="white"/>
+            </a:duotone>
+          </a:blip>
+          <a:srcRect l="18806" r="20689" b="12958"/>
+          <a:stretch/>
+        </p:blipFill>
+        <p:spPr>
+          <a:xfrm>
+            <a:off x="0" y="2011680"/>
+            <a:ext cx="1146843" cy="1649861"/>
+          </a:xfrm>
+          <a:prstGeom prst="rect">
+            <a:avLst/>
+          </a:prstGeom>
+        </p:spPr>
+      </p:pic>
+    </p:spTree>
+    <p:extLst>
+      <p:ext uri="{BB962C8B-B14F-4D97-AF65-F5344CB8AC3E}">
+        <p14:creationId xmlns:p14="http://schemas.microsoft.com/office/powerpoint/2010/main" val="298020980"/>
+      </p:ext>
+    </p:extLst>
+  </p:cSld>
+  <p:clrMapOvr>
+    <a:masterClrMapping/>
+  </p:clrMapOvr>
+  <p:timing>
+    <p:tnLst>
+      <p:par>
+        <p:cTn id="1" dur="indefinite" restart="never" nodeType="tmRoot">
+          <p:childTnLst>
+            <p:seq concurrent="1" nextAc="seek">
+              <p:cTn id="2" dur="indefinite" nodeType="mainSeq">
+                <p:childTnLst>
+                  <p:par>
+                    <p:cTn id="3" fill="hold">
+                      <p:stCondLst>
+                        <p:cond delay="indefinite"/>
+                      </p:stCondLst>
+                      <p:childTnLst>
+                        <p:par>
+                          <p:cTn id="4" fill="hold">
+                            <p:stCondLst>
+                              <p:cond delay="0"/>
+                            </p:stCondLst>
+                            <p:childTnLst>
+                              <p:par>
+                                <p:cTn id="5" presetID="1" presetClass="entr" presetSubtype="0" fill="hold" grpId="0" nodeType="clickEffect">
+                                  <p:stCondLst>
+                                    <p:cond delay="0"/>
+                                  </p:stCondLst>
+                                  <p:childTnLst>
+                                    <p:set>
+                                      <p:cBhvr>
+                                        <p:cTn id="6" dur="1" fill="hold">
+                                          <p:stCondLst>
+                                            <p:cond delay="0"/>
+                                          </p:stCondLst>
+                                        </p:cTn>
+                                        <p:tgtEl>
+                                          <p:spTgt spid="7"/>
+                                        </p:tgtEl>
+                                        <p:attrNameLst>
+                                          <p:attrName>style.visibility</p:attrName>
+                                        </p:attrNameLst>
+                                      </p:cBhvr>
+                                      <p:to>
+                                        <p:strVal val="visible"/>
+                                      </p:to>
+                                    </p:set>
+                                  </p:childTnLst>
+                                </p:cTn>
+                              </p:par>
+                              <p:par>
+                                <p:cTn id="7" presetID="1" presetClass="entr" presetSubtype="0" fill="hold" nodeType="withEffect">
+                                  <p:stCondLst>
+                                    <p:cond delay="0"/>
+                                  </p:stCondLst>
+                                  <p:childTnLst>
+                                    <p:set>
+                                      <p:cBhvr>
+                                        <p:cTn id="8" dur="1" fill="hold">
+                                          <p:stCondLst>
+                                            <p:cond delay="0"/>
+                                          </p:stCondLst>
+                                        </p:cTn>
+                                        <p:tgtEl>
+                                          <p:spTgt spid="9"/>
+                                        </p:tgtEl>
+                                        <p:attrNameLst>
+                                          <p:attrName>style.visibility</p:attrName>
+                                        </p:attrNameLst>
+                                      </p:cBhvr>
+                                      <p:to>
+                                        <p:strVal val="visible"/>
+                                      </p:to>
+                                    </p:set>
+                                  </p:childTnLst>
+                                </p:cTn>
+                              </p:par>
+                            </p:childTnLst>
+                          </p:cTn>
+                        </p:par>
+                      </p:childTnLst>
+                    </p:cTn>
+                  </p:par>
+                  <p:par>
+                    <p:cTn id="9" fill="hold">
+                      <p:stCondLst>
+                        <p:cond delay="indefinite"/>
+                      </p:stCondLst>
+                      <p:childTnLst>
+                        <p:par>
+                          <p:cTn id="10" fill="hold">
+                            <p:stCondLst>
+                              <p:cond delay="0"/>
+                            </p:stCondLst>
+                            <p:childTnLst>
+                              <p:par>
+                                <p:cTn id="11" presetID="1" presetClass="entr" presetSubtype="0" fill="hold" grpId="0" nodeType="clickEffect">
+                                  <p:stCondLst>
+                                    <p:cond delay="0"/>
+                                  </p:stCondLst>
+                                  <p:childTnLst>
+                                    <p:set>
+                                      <p:cBhvr>
+                                        <p:cTn id="12" dur="1" fill="hold">
+                                          <p:stCondLst>
+                                            <p:cond delay="0"/>
+                                          </p:stCondLst>
+                                        </p:cTn>
+                                        <p:tgtEl>
+                                          <p:spTgt spid="10"/>
+                                        </p:tgtEl>
+                                        <p:attrNameLst>
+                                          <p:attrName>style.visibility</p:attrName>
+                                        </p:attrNameLst>
+                                      </p:cBhvr>
+                                      <p:to>
+                                        <p:strVal val="visible"/>
+                                      </p:to>
+                                    </p:set>
+                                  </p:childTnLst>
+                                </p:cTn>
+                              </p:par>
+                            </p:childTnLst>
+                          </p:cTn>
+                        </p:par>
+                      </p:childTnLst>
+                    </p:cTn>
+                  </p:par>
+                </p:childTnLst>
+              </p:cTn>
+              <p:prevCondLst>
+                <p:cond evt="onPrev" delay="0">
+                  <p:tgtEl>
+                    <p:sldTgt/>
+                  </p:tgtEl>
+                </p:cond>
+              </p:prevCondLst>
+              <p:nextCondLst>
+                <p:cond evt="onNext" delay="0">
+                  <p:tgtEl>
+                    <p:sldTgt/>
+                  </p:tgtEl>
+                </p:cond>
+              </p:nextCondLst>
+            </p:seq>
+          </p:childTnLst>
+        </p:cTn>
+      </p:par>
+    </p:tnLst>
+    <p:bldLst>
+      <p:bldP spid="7" grpId="0" animBg="1"/>
+      <p:bldP spid="10" grpId="0" animBg="1"/>
+    </p:bldLst>
+  </p:timing>
+</p:sld>
+</file>
+
+<file path=ppt/slides/slide11.xml><?xml version="1.0" encoding="utf-8"?>
+<p:sld xmlns:a="http://schemas.openxmlformats.org/drawingml/2006/main" xmlns:r="http://schemas.openxmlformats.org/officeDocument/2006/relationships" xmlns:p="http://schemas.openxmlformats.org/presentationml/2006/main">
+  <p:cSld>
+    <p:spTree>
+      <p:nvGrpSpPr>
+        <p:cNvPr id="1" name=""/>
+        <p:cNvGrpSpPr/>
+        <p:nvPr/>
+      </p:nvGrpSpPr>
+      <p:grpSpPr>
+        <a:xfrm>
+          <a:off x="0" y="0"/>
+          <a:ext cx="0" cy="0"/>
+          <a:chOff x="0" y="0"/>
+          <a:chExt cx="0" cy="0"/>
+        </a:xfrm>
+      </p:grpSpPr>
+      <p:sp>
+        <p:nvSpPr>
+          <p:cNvPr id="4" name="Text Placeholder 3">
+            <a:extLst>
+              <a:ext uri="{FF2B5EF4-FFF2-40B4-BE49-F238E27FC236}">
+                <a16:creationId xmlns:a16="http://schemas.microsoft.com/office/drawing/2014/main" id="{1DE7268B-5DF0-474A-B9BA-B3D8202F5ABE}"/>
+              </a:ext>
+            </a:extLst>
+          </p:cNvPr>
+          <p:cNvSpPr>
+            <a:spLocks noGrp="1"/>
+          </p:cNvSpPr>
+          <p:nvPr>
+            <p:ph type="body" sz="quarter" idx="13"/>
+          </p:nvPr>
+        </p:nvSpPr>
+        <p:spPr/>
+        <p:txBody>
+          <a:bodyPr/>
+          <a:lstStyle/>
+          <a:p>
+            <a:r>
+              <a:rPr lang="de-DE" dirty="0"/>
+              <a:t>Beispiel zum Mitmachen</a:t>
+            </a:r>
+            <a:endParaRPr lang="en-US" dirty="0"/>
+          </a:p>
+        </p:txBody>
+      </p:sp>
+      <p:sp>
+        <p:nvSpPr>
+          <p:cNvPr id="13" name="Title 2">
+            <a:extLst>
+              <a:ext uri="{FF2B5EF4-FFF2-40B4-BE49-F238E27FC236}">
+                <a16:creationId xmlns:a16="http://schemas.microsoft.com/office/drawing/2014/main" id="{51E5E21C-FFA1-450C-94D1-6EA4B02E63A9}"/>
+              </a:ext>
+            </a:extLst>
+          </p:cNvPr>
+          <p:cNvSpPr>
+            <a:spLocks noGrp="1"/>
+          </p:cNvSpPr>
+          <p:nvPr>
+            <p:ph type="title"/>
+          </p:nvPr>
+        </p:nvSpPr>
+        <p:spPr>
+          <a:xfrm>
+            <a:off x="1202919" y="284176"/>
+            <a:ext cx="9784080" cy="1508760"/>
+          </a:xfrm>
+        </p:spPr>
+        <p:txBody>
+          <a:bodyPr/>
+          <a:lstStyle/>
+          <a:p>
+            <a:r>
+              <a:rPr lang="de-DE" dirty="0"/>
+              <a:t>Zotero – </a:t>
+            </a:r>
+            <a:endParaRPr lang="en-US" dirty="0"/>
+          </a:p>
+        </p:txBody>
+      </p:sp>
+      <p:pic>
+        <p:nvPicPr>
+          <p:cNvPr id="14" name="Picture 13">
+            <a:extLst>
+              <a:ext uri="{FF2B5EF4-FFF2-40B4-BE49-F238E27FC236}">
+                <a16:creationId xmlns:a16="http://schemas.microsoft.com/office/drawing/2014/main" id="{477B00E0-4C70-4923-B50C-6E1DEA7794A1}"/>
+              </a:ext>
+            </a:extLst>
+          </p:cNvPr>
+          <p:cNvPicPr>
+            <a:picLocks noChangeAspect="1"/>
+          </p:cNvPicPr>
+          <p:nvPr/>
+        </p:nvPicPr>
+        <p:blipFill>
+          <a:blip r:embed="rId2"/>
+          <a:stretch>
+            <a:fillRect/>
+          </a:stretch>
+        </p:blipFill>
+        <p:spPr>
+          <a:xfrm>
+            <a:off x="3381458" y="706710"/>
+            <a:ext cx="2712955" cy="525826"/>
+          </a:xfrm>
+          <a:prstGeom prst="rect">
+            <a:avLst/>
+          </a:prstGeom>
+        </p:spPr>
+      </p:pic>
+      <p:pic>
+        <p:nvPicPr>
+          <p:cNvPr id="8" name="Picture 7">
+            <a:extLst>
+              <a:ext uri="{FF2B5EF4-FFF2-40B4-BE49-F238E27FC236}">
+                <a16:creationId xmlns:a16="http://schemas.microsoft.com/office/drawing/2014/main" id="{25DF5E73-3651-4E95-B845-92E5244BE133}"/>
+              </a:ext>
+            </a:extLst>
+          </p:cNvPr>
+          <p:cNvPicPr>
+            <a:picLocks noChangeAspect="1"/>
+          </p:cNvPicPr>
+          <p:nvPr/>
+        </p:nvPicPr>
+        <p:blipFill>
+          <a:blip r:embed="rId3"/>
+          <a:stretch>
+            <a:fillRect/>
+          </a:stretch>
+        </p:blipFill>
+        <p:spPr>
+          <a:xfrm>
+            <a:off x="1146843" y="1946746"/>
+            <a:ext cx="7453727" cy="4738624"/>
+          </a:xfrm>
+          <a:prstGeom prst="rect">
+            <a:avLst/>
+          </a:prstGeom>
+        </p:spPr>
+      </p:pic>
+      <p:sp>
+        <p:nvSpPr>
+          <p:cNvPr id="15" name="Content Placeholder 1">
+            <a:extLst>
+              <a:ext uri="{FF2B5EF4-FFF2-40B4-BE49-F238E27FC236}">
+                <a16:creationId xmlns:a16="http://schemas.microsoft.com/office/drawing/2014/main" id="{053EF351-87D5-464E-ABD3-0F4EB76EADE0}"/>
+              </a:ext>
+            </a:extLst>
+          </p:cNvPr>
+          <p:cNvSpPr>
+            <a:spLocks noGrp="1"/>
+          </p:cNvSpPr>
+          <p:nvPr>
+            <p:ph idx="1"/>
+          </p:nvPr>
+        </p:nvSpPr>
+        <p:spPr>
+          <a:xfrm>
+            <a:off x="8704729" y="2011680"/>
+            <a:ext cx="3272118" cy="4206240"/>
+          </a:xfrm>
+        </p:spPr>
+        <p:txBody>
+          <a:bodyPr>
+            <a:normAutofit/>
+          </a:bodyPr>
+          <a:lstStyle/>
+          <a:p>
+            <a:r>
+              <a:rPr lang="de-DE" dirty="0"/>
+              <a:t>Per Doppelklick mal Originalquelle anschauen</a:t>
+            </a:r>
+          </a:p>
+          <a:p>
+            <a:endParaRPr lang="de-DE" dirty="0"/>
+          </a:p>
+          <a:p>
+            <a:r>
+              <a:rPr lang="de-DE" dirty="0"/>
+              <a:t>Die wichtigen Infos aus dem PDF (</a:t>
+            </a:r>
+            <a:r>
+              <a:rPr lang="de-DE" i="1" dirty="0"/>
+              <a:t>mindestens</a:t>
+            </a:r>
+            <a:r>
+              <a:rPr lang="de-DE" dirty="0"/>
+              <a:t> Titel, Autor, Jahr) sollten unter Info auch zu finden sein</a:t>
+            </a:r>
+          </a:p>
+        </p:txBody>
+      </p:sp>
+      <p:pic>
+        <p:nvPicPr>
+          <p:cNvPr id="16" name="Picture 15">
+            <a:extLst>
+              <a:ext uri="{FF2B5EF4-FFF2-40B4-BE49-F238E27FC236}">
+                <a16:creationId xmlns:a16="http://schemas.microsoft.com/office/drawing/2014/main" id="{F713ED6B-6706-4CAC-9A6E-23A90154DAC8}"/>
+              </a:ext>
+            </a:extLst>
+          </p:cNvPr>
+          <p:cNvPicPr>
+            <a:picLocks noChangeAspect="1"/>
+          </p:cNvPicPr>
+          <p:nvPr/>
+        </p:nvPicPr>
+        <p:blipFill rotWithShape="1">
+          <a:blip r:embed="rId4">
+            <a:duotone>
+              <a:schemeClr val="accent5">
+                <a:shade val="45000"/>
+                <a:satMod val="135000"/>
+              </a:schemeClr>
+              <a:prstClr val="white"/>
+            </a:duotone>
+          </a:blip>
+          <a:srcRect l="2720" b="13300"/>
+          <a:stretch/>
+        </p:blipFill>
+        <p:spPr>
+          <a:xfrm>
+            <a:off x="4271269" y="5204877"/>
+            <a:ext cx="1136657" cy="1013043"/>
+          </a:xfrm>
+          <a:prstGeom prst="rect">
+            <a:avLst/>
+          </a:prstGeom>
+        </p:spPr>
+      </p:pic>
+      <p:pic>
+        <p:nvPicPr>
+          <p:cNvPr id="17" name="Picture 16">
+            <a:extLst>
+              <a:ext uri="{FF2B5EF4-FFF2-40B4-BE49-F238E27FC236}">
+                <a16:creationId xmlns:a16="http://schemas.microsoft.com/office/drawing/2014/main" id="{32628931-B0CE-4EDF-930D-EAF54A49C987}"/>
+              </a:ext>
+            </a:extLst>
+          </p:cNvPr>
+          <p:cNvPicPr>
+            <a:picLocks noChangeAspect="1"/>
+          </p:cNvPicPr>
+          <p:nvPr/>
+        </p:nvPicPr>
+        <p:blipFill rotWithShape="1">
+          <a:blip r:embed="rId5">
+            <a:duotone>
+              <a:schemeClr val="accent5">
+                <a:shade val="45000"/>
+                <a:satMod val="135000"/>
+              </a:schemeClr>
+              <a:prstClr val="white"/>
+            </a:duotone>
+          </a:blip>
+          <a:srcRect l="18806" r="20689" b="12958"/>
+          <a:stretch/>
+        </p:blipFill>
+        <p:spPr>
+          <a:xfrm>
+            <a:off x="0" y="2011680"/>
+            <a:ext cx="1146843" cy="1649861"/>
+          </a:xfrm>
+          <a:prstGeom prst="rect">
+            <a:avLst/>
+          </a:prstGeom>
+        </p:spPr>
+      </p:pic>
+    </p:spTree>
+    <p:extLst>
+      <p:ext uri="{BB962C8B-B14F-4D97-AF65-F5344CB8AC3E}">
+        <p14:creationId xmlns:p14="http://schemas.microsoft.com/office/powerpoint/2010/main" val="1898970857"/>
+      </p:ext>
+    </p:extLst>
+  </p:cSld>
+  <p:clrMapOvr>
+    <a:masterClrMapping/>
+  </p:clrMapOvr>
+  <p:timing>
+    <p:tnLst>
+      <p:par>
+        <p:cTn id="1" dur="indefinite" restart="never" nodeType="tmRoot">
+          <p:childTnLst>
+            <p:seq concurrent="1" nextAc="seek">
+              <p:cTn id="2" dur="indefinite" nodeType="mainSeq">
+                <p:childTnLst>
+                  <p:par>
+                    <p:cTn id="3" fill="hold">
+                      <p:stCondLst>
+                        <p:cond delay="indefinite"/>
+                      </p:stCondLst>
+                      <p:childTnLst>
+                        <p:par>
+                          <p:cTn id="4" fill="hold">
+                            <p:stCondLst>
+                              <p:cond delay="0"/>
+                            </p:stCondLst>
+                            <p:childTnLst>
+                              <p:par>
+                                <p:cTn id="5" presetID="1" presetClass="entr" presetSubtype="0" fill="hold" nodeType="clickEffect">
+                                  <p:stCondLst>
+                                    <p:cond delay="0"/>
+                                  </p:stCondLst>
+                                  <p:childTnLst>
+                                    <p:set>
+                                      <p:cBhvr>
+                                        <p:cTn id="6" dur="1" fill="hold">
+                                          <p:stCondLst>
+                                            <p:cond delay="0"/>
+                                          </p:stCondLst>
+                                        </p:cTn>
+                                        <p:tgtEl>
+                                          <p:spTgt spid="16"/>
+                                        </p:tgtEl>
+                                        <p:attrNameLst>
+                                          <p:attrName>style.visibility</p:attrName>
+                                        </p:attrNameLst>
+                                      </p:cBhvr>
+                                      <p:to>
+                                        <p:strVal val="visible"/>
+                                      </p:to>
+                                    </p:set>
+                                  </p:childTnLst>
+                                </p:cTn>
+                              </p:par>
+                              <p:par>
+                                <p:cTn id="7" presetID="1" presetClass="entr" presetSubtype="0" fill="hold" grpId="0" nodeType="withEffect">
+                                  <p:stCondLst>
+                                    <p:cond delay="0"/>
+                                  </p:stCondLst>
+                                  <p:childTnLst>
+                                    <p:set>
+                                      <p:cBhvr>
+                                        <p:cTn id="8" dur="1" fill="hold">
+                                          <p:stCondLst>
+                                            <p:cond delay="0"/>
+                                          </p:stCondLst>
+                                        </p:cTn>
+                                        <p:tgtEl>
+                                          <p:spTgt spid="15">
+                                            <p:txEl>
+                                              <p:pRg st="0" end="0"/>
+                                            </p:txEl>
+                                          </p:spTgt>
+                                        </p:tgtEl>
+                                        <p:attrNameLst>
+                                          <p:attrName>style.visibility</p:attrName>
+                                        </p:attrNameLst>
+                                      </p:cBhvr>
+                                      <p:to>
+                                        <p:strVal val="visible"/>
+                                      </p:to>
+                                    </p:set>
+                                  </p:childTnLst>
+                                </p:cTn>
+                              </p:par>
+                            </p:childTnLst>
+                          </p:cTn>
+                        </p:par>
+                      </p:childTnLst>
+                    </p:cTn>
+                  </p:par>
+                  <p:par>
+                    <p:cTn id="9" fill="hold">
+                      <p:stCondLst>
+                        <p:cond delay="indefinite"/>
+                      </p:stCondLst>
+                      <p:childTnLst>
+                        <p:par>
+                          <p:cTn id="10" fill="hold">
+                            <p:stCondLst>
+                              <p:cond delay="0"/>
+                            </p:stCondLst>
+                            <p:childTnLst>
+                              <p:par>
+                                <p:cTn id="11" presetID="1" presetClass="entr" presetSubtype="0" fill="hold" grpId="0" nodeType="clickEffect">
+                                  <p:stCondLst>
+                                    <p:cond delay="0"/>
+                                  </p:stCondLst>
+                                  <p:childTnLst>
+                                    <p:set>
+                                      <p:cBhvr>
+                                        <p:cTn id="12" dur="1" fill="hold">
+                                          <p:stCondLst>
+                                            <p:cond delay="0"/>
+                                          </p:stCondLst>
+                                        </p:cTn>
+                                        <p:tgtEl>
+                                          <p:spTgt spid="15">
+                                            <p:txEl>
+                                              <p:pRg st="2" end="2"/>
+                                            </p:txEl>
+                                          </p:spTgt>
+                                        </p:tgtEl>
+                                        <p:attrNameLst>
+                                          <p:attrName>style.visibility</p:attrName>
+                                        </p:attrNameLst>
+                                      </p:cBhvr>
+                                      <p:to>
+                                        <p:strVal val="visible"/>
+                                      </p:to>
+                                    </p:set>
+                                  </p:childTnLst>
+                                </p:cTn>
+                              </p:par>
+                            </p:childTnLst>
+                          </p:cTn>
+                        </p:par>
+                      </p:childTnLst>
+                    </p:cTn>
+                  </p:par>
+                </p:childTnLst>
+              </p:cTn>
+              <p:prevCondLst>
+                <p:cond evt="onPrev" delay="0">
+                  <p:tgtEl>
+                    <p:sldTgt/>
+                  </p:tgtEl>
+                </p:cond>
+              </p:prevCondLst>
+              <p:nextCondLst>
+                <p:cond evt="onNext" delay="0">
+                  <p:tgtEl>
+                    <p:sldTgt/>
+                  </p:tgtEl>
+                </p:cond>
+              </p:nextCondLst>
+            </p:seq>
+          </p:childTnLst>
+        </p:cTn>
+      </p:par>
+    </p:tnLst>
+    <p:bldLst>
+      <p:bldP spid="15" grpId="0" build="p"/>
+    </p:bldLst>
+  </p:timing>
+</p:sld>
+</file>
+
+<file path=ppt/slides/slide12.xml><?xml version="1.0" encoding="utf-8"?>
+<p:sld xmlns:a="http://schemas.openxmlformats.org/drawingml/2006/main" xmlns:r="http://schemas.openxmlformats.org/officeDocument/2006/relationships" xmlns:p="http://schemas.openxmlformats.org/presentationml/2006/main">
+  <p:cSld>
+    <p:spTree>
+      <p:nvGrpSpPr>
+        <p:cNvPr id="1" name=""/>
+        <p:cNvGrpSpPr/>
+        <p:nvPr/>
+      </p:nvGrpSpPr>
+      <p:grpSpPr>
+        <a:xfrm>
+          <a:off x="0" y="0"/>
+          <a:ext cx="0" cy="0"/>
+          <a:chOff x="0" y="0"/>
+          <a:chExt cx="0" cy="0"/>
+        </a:xfrm>
+      </p:grpSpPr>
+      <p:sp>
+        <p:nvSpPr>
+          <p:cNvPr id="4" name="Title 3">
+            <a:extLst>
+              <a:ext uri="{FF2B5EF4-FFF2-40B4-BE49-F238E27FC236}">
+                <a16:creationId xmlns:a16="http://schemas.microsoft.com/office/drawing/2014/main" id="{D8ED3221-FE2D-4A32-8627-0ADD8E80CB76}"/>
+              </a:ext>
+            </a:extLst>
+          </p:cNvPr>
+          <p:cNvSpPr>
+            <a:spLocks noGrp="1"/>
+          </p:cNvSpPr>
+          <p:nvPr>
+            <p:ph type="title"/>
+          </p:nvPr>
+        </p:nvSpPr>
+        <p:spPr/>
+        <p:txBody>
+          <a:bodyPr/>
+          <a:lstStyle/>
+          <a:p>
+            <a:r>
+              <a:rPr lang="de-DE" sz="5400" dirty="0"/>
+              <a:t>Part 2: </a:t>
+            </a:r>
+            <a:r>
+              <a:rPr lang="de-DE" sz="5400" dirty="0" err="1"/>
+              <a:t>Lit</a:t>
+            </a:r>
+            <a:r>
+              <a:rPr lang="de-DE" sz="5400" dirty="0"/>
+              <a:t>-Recherche</a:t>
+            </a:r>
+            <a:br>
+              <a:rPr lang="de-DE" dirty="0"/>
+            </a:br>
+            <a:r>
+              <a:rPr lang="de-DE" sz="5400" dirty="0">
+                <a:highlight>
+                  <a:srgbClr val="009AD1"/>
+                </a:highlight>
+              </a:rPr>
+              <a:t>Best Practice</a:t>
+            </a:r>
+            <a:endParaRPr lang="en-US" sz="5400" dirty="0">
+              <a:highlight>
+                <a:srgbClr val="009AD1"/>
+              </a:highlight>
+            </a:endParaRPr>
+          </a:p>
+        </p:txBody>
+      </p:sp>
+      <p:sp>
+        <p:nvSpPr>
+          <p:cNvPr id="5" name="Text Placeholder 4">
+            <a:extLst>
+              <a:ext uri="{FF2B5EF4-FFF2-40B4-BE49-F238E27FC236}">
+                <a16:creationId xmlns:a16="http://schemas.microsoft.com/office/drawing/2014/main" id="{39D67452-867D-4712-A7F7-324F362EC865}"/>
+              </a:ext>
+            </a:extLst>
+          </p:cNvPr>
+          <p:cNvSpPr>
+            <a:spLocks noGrp="1"/>
+          </p:cNvSpPr>
+          <p:nvPr>
+            <p:ph type="body" idx="1"/>
+          </p:nvPr>
+        </p:nvSpPr>
+        <p:spPr/>
+        <p:txBody>
+          <a:bodyPr/>
+          <a:lstStyle/>
+          <a:p>
+            <a:endParaRPr lang="en-US" dirty="0"/>
+          </a:p>
+        </p:txBody>
+      </p:sp>
+    </p:spTree>
+    <p:extLst>
+      <p:ext uri="{BB962C8B-B14F-4D97-AF65-F5344CB8AC3E}">
+        <p14:creationId xmlns:p14="http://schemas.microsoft.com/office/powerpoint/2010/main" val="3113190329"/>
+      </p:ext>
+    </p:extLst>
+  </p:cSld>
+  <p:clrMapOvr>
+    <a:masterClrMapping/>
+  </p:clrMapOvr>
+</p:sld>
+</file>
+
+<file path=ppt/slides/slide13.xml><?xml version="1.0" encoding="utf-8"?>
+<p:sld xmlns:a="http://schemas.openxmlformats.org/drawingml/2006/main" xmlns:r="http://schemas.openxmlformats.org/officeDocument/2006/relationships" xmlns:p="http://schemas.openxmlformats.org/presentationml/2006/main">
+  <p:cSld>
+    <p:spTree>
+      <p:nvGrpSpPr>
+        <p:cNvPr id="1" name=""/>
+        <p:cNvGrpSpPr/>
+        <p:nvPr/>
+      </p:nvGrpSpPr>
+      <p:grpSpPr>
+        <a:xfrm>
+          <a:off x="0" y="0"/>
+          <a:ext cx="0" cy="0"/>
+          <a:chOff x="0" y="0"/>
+          <a:chExt cx="0" cy="0"/>
+        </a:xfrm>
+      </p:grpSpPr>
+      <p:sp>
+        <p:nvSpPr>
+          <p:cNvPr id="7" name="Title 6">
+            <a:extLst>
+              <a:ext uri="{FF2B5EF4-FFF2-40B4-BE49-F238E27FC236}">
+                <a16:creationId xmlns:a16="http://schemas.microsoft.com/office/drawing/2014/main" id="{62BF656A-A100-4CAB-83FD-812D45890683}"/>
+              </a:ext>
+            </a:extLst>
+          </p:cNvPr>
+          <p:cNvSpPr>
+            <a:spLocks noGrp="1"/>
+          </p:cNvSpPr>
+          <p:nvPr>
+            <p:ph type="title"/>
+          </p:nvPr>
+        </p:nvSpPr>
+        <p:spPr/>
+        <p:txBody>
+          <a:bodyPr/>
+          <a:lstStyle/>
+          <a:p>
+            <a:r>
+              <a:rPr lang="de-DE" dirty="0"/>
+              <a:t>Gute Seiten für Literaturrecherche</a:t>
+            </a:r>
+            <a:endParaRPr lang="en-US" dirty="0"/>
+          </a:p>
+        </p:txBody>
+      </p:sp>
+      <p:sp>
+        <p:nvSpPr>
+          <p:cNvPr id="8" name="Content Placeholder 7">
+            <a:extLst>
+              <a:ext uri="{FF2B5EF4-FFF2-40B4-BE49-F238E27FC236}">
+                <a16:creationId xmlns:a16="http://schemas.microsoft.com/office/drawing/2014/main" id="{C35BA6D9-899B-4D65-B8AD-ADC6C46C6946}"/>
+              </a:ext>
+            </a:extLst>
+          </p:cNvPr>
+          <p:cNvSpPr>
+            <a:spLocks noGrp="1"/>
+          </p:cNvSpPr>
+          <p:nvPr>
+            <p:ph idx="1"/>
+          </p:nvPr>
+        </p:nvSpPr>
+        <p:spPr/>
+        <p:txBody>
+          <a:bodyPr/>
+          <a:lstStyle/>
+          <a:p>
+            <a:r>
+              <a:rPr lang="de-DE" dirty="0"/>
+              <a:t>Google Scholar </a:t>
+            </a:r>
+            <a:r>
+              <a:rPr lang="en-US" dirty="0">
+                <a:hlinkClick r:id="rId2"/>
+              </a:rPr>
+              <a:t>Google Scholar</a:t>
+            </a:r>
+            <a:r>
+              <a:rPr lang="en-US" dirty="0"/>
+              <a:t> </a:t>
+            </a:r>
+          </a:p>
+          <a:p>
+            <a:r>
+              <a:rPr lang="en-US" dirty="0" err="1"/>
+              <a:t>PubPsych</a:t>
+            </a:r>
+            <a:r>
+              <a:rPr lang="en-US" dirty="0"/>
+              <a:t> </a:t>
+            </a:r>
+            <a:r>
+              <a:rPr lang="en-US" dirty="0" err="1">
+                <a:hlinkClick r:id="rId3"/>
+              </a:rPr>
+              <a:t>PubPsych</a:t>
+            </a:r>
+            <a:endParaRPr lang="en-US" dirty="0"/>
+          </a:p>
+          <a:p>
+            <a:r>
+              <a:rPr lang="en-US" dirty="0"/>
+              <a:t>APA </a:t>
+            </a:r>
+            <a:r>
+              <a:rPr lang="en-US" dirty="0" err="1"/>
+              <a:t>PsycNet</a:t>
+            </a:r>
+            <a:r>
+              <a:rPr lang="en-US" dirty="0"/>
+              <a:t> </a:t>
+            </a:r>
+            <a:r>
+              <a:rPr lang="en-US" dirty="0">
+                <a:hlinkClick r:id="rId4"/>
+              </a:rPr>
+              <a:t>APA </a:t>
+            </a:r>
+            <a:r>
+              <a:rPr lang="en-US" dirty="0" err="1">
+                <a:hlinkClick r:id="rId4"/>
+              </a:rPr>
+              <a:t>PsycNet</a:t>
+            </a:r>
+            <a:r>
+              <a:rPr lang="en-US" dirty="0"/>
+              <a:t> (</a:t>
+            </a:r>
+            <a:r>
+              <a:rPr lang="en-US" dirty="0" err="1"/>
+              <a:t>braucht</a:t>
+            </a:r>
+            <a:r>
+              <a:rPr lang="en-US" dirty="0"/>
+              <a:t> Uni-</a:t>
+            </a:r>
+            <a:r>
+              <a:rPr lang="en-US" dirty="0" err="1"/>
+              <a:t>Netzwerk</a:t>
+            </a:r>
+            <a:r>
+              <a:rPr lang="en-US" dirty="0"/>
+              <a:t>)</a:t>
+            </a:r>
+          </a:p>
+          <a:p>
+            <a:r>
+              <a:rPr lang="en-US" dirty="0"/>
+              <a:t>ResearchGate </a:t>
+            </a:r>
+            <a:r>
+              <a:rPr lang="en-US" dirty="0" err="1">
+                <a:hlinkClick r:id="rId5"/>
+              </a:rPr>
+              <a:t>ResearchGate</a:t>
+            </a:r>
+            <a:r>
+              <a:rPr lang="en-US" dirty="0">
+                <a:hlinkClick r:id="rId5"/>
+              </a:rPr>
+              <a:t> </a:t>
+            </a:r>
+            <a:r>
+              <a:rPr lang="en-US" dirty="0"/>
+              <a:t>(</a:t>
+            </a:r>
+            <a:r>
+              <a:rPr lang="en-US" dirty="0" err="1"/>
+              <a:t>weniger</a:t>
+            </a:r>
+            <a:r>
+              <a:rPr lang="en-US" dirty="0"/>
+              <a:t> Recherche </a:t>
+            </a:r>
+            <a:r>
+              <a:rPr lang="en-US" dirty="0" err="1"/>
+              <a:t>sondern</a:t>
+            </a:r>
+            <a:r>
+              <a:rPr lang="en-US" dirty="0"/>
+              <a:t> </a:t>
+            </a:r>
+            <a:r>
+              <a:rPr lang="en-US" dirty="0" err="1"/>
+              <a:t>Volltexte</a:t>
+            </a:r>
+            <a:r>
+              <a:rPr lang="en-US" dirty="0"/>
+              <a:t> </a:t>
+            </a:r>
+            <a:r>
+              <a:rPr lang="en-US" dirty="0" err="1"/>
+              <a:t>finden</a:t>
+            </a:r>
+            <a:r>
+              <a:rPr lang="en-US" dirty="0"/>
+              <a:t>)</a:t>
+            </a:r>
+          </a:p>
+        </p:txBody>
+      </p:sp>
+    </p:spTree>
+    <p:extLst>
+      <p:ext uri="{BB962C8B-B14F-4D97-AF65-F5344CB8AC3E}">
+        <p14:creationId xmlns:p14="http://schemas.microsoft.com/office/powerpoint/2010/main" val="186224805"/>
+      </p:ext>
+    </p:extLst>
+  </p:cSld>
+  <p:clrMapOvr>
+    <a:masterClrMapping/>
+  </p:clrMapOvr>
+</p:sld>
+</file>
+
+<file path=ppt/slides/slide14.xml><?xml version="1.0" encoding="utf-8"?>
+<p:sld xmlns:a="http://schemas.openxmlformats.org/drawingml/2006/main" xmlns:r="http://schemas.openxmlformats.org/officeDocument/2006/relationships" xmlns:p="http://schemas.openxmlformats.org/presentationml/2006/main">
+  <p:cSld>
+    <p:spTree>
+      <p:nvGrpSpPr>
+        <p:cNvPr id="1" name=""/>
+        <p:cNvGrpSpPr/>
+        <p:nvPr/>
+      </p:nvGrpSpPr>
+      <p:grpSpPr>
+        <a:xfrm>
+          <a:off x="0" y="0"/>
+          <a:ext cx="0" cy="0"/>
+          <a:chOff x="0" y="0"/>
+          <a:chExt cx="0" cy="0"/>
+        </a:xfrm>
+      </p:grpSpPr>
+      <p:sp>
+        <p:nvSpPr>
+          <p:cNvPr id="2" name="Title 1">
+            <a:extLst>
+              <a:ext uri="{FF2B5EF4-FFF2-40B4-BE49-F238E27FC236}">
+                <a16:creationId xmlns:a16="http://schemas.microsoft.com/office/drawing/2014/main" id="{76F32E21-8205-4885-A069-052DF3F192EB}"/>
+              </a:ext>
+            </a:extLst>
+          </p:cNvPr>
+          <p:cNvSpPr>
+            <a:spLocks noGrp="1"/>
+          </p:cNvSpPr>
+          <p:nvPr>
+            <p:ph type="title"/>
+          </p:nvPr>
+        </p:nvSpPr>
+        <p:spPr/>
+        <p:txBody>
+          <a:bodyPr/>
+          <a:lstStyle/>
+          <a:p>
+            <a:r>
+              <a:rPr lang="de-DE" dirty="0"/>
+              <a:t>Umgang mit Keywords</a:t>
+            </a:r>
+            <a:endParaRPr lang="en-US" dirty="0"/>
+          </a:p>
+        </p:txBody>
+      </p:sp>
+      <p:sp>
+        <p:nvSpPr>
+          <p:cNvPr id="3" name="Content Placeholder 2">
+            <a:extLst>
+              <a:ext uri="{FF2B5EF4-FFF2-40B4-BE49-F238E27FC236}">
+                <a16:creationId xmlns:a16="http://schemas.microsoft.com/office/drawing/2014/main" id="{8EF4D4E5-1895-4BC3-B388-1F915752CDF8}"/>
+              </a:ext>
+            </a:extLst>
+          </p:cNvPr>
+          <p:cNvSpPr>
+            <a:spLocks noGrp="1"/>
+          </p:cNvSpPr>
+          <p:nvPr>
+            <p:ph idx="1"/>
+          </p:nvPr>
+        </p:nvSpPr>
+        <p:spPr/>
+        <p:txBody>
+          <a:bodyPr/>
+          <a:lstStyle/>
+          <a:p>
+            <a:r>
+              <a:rPr lang="de-DE" dirty="0"/>
+              <a:t>Manchmal wollen wir nach spezifischen Dingen suchen, z.B. nur neuere Veröffentlichungen seit 2015 oder von einer bestimmten Autorin</a:t>
+            </a:r>
+          </a:p>
+          <a:p>
+            <a:r>
+              <a:rPr lang="de-DE" dirty="0"/>
+              <a:t>Die meisten Seiten bieten eine Erweiterte Suche an</a:t>
+            </a:r>
+          </a:p>
+          <a:p>
+            <a:r>
+              <a:rPr lang="de-DE" dirty="0"/>
+              <a:t>Wenn wir z.B. auf PubPsych das Paper </a:t>
+            </a:r>
+            <a:br>
+              <a:rPr lang="de-DE" dirty="0"/>
+            </a:br>
+            <a:r>
+              <a:rPr lang="de-DE" dirty="0"/>
+              <a:t>von eben suchen möchten könnten wir </a:t>
+            </a:r>
+            <a:br>
+              <a:rPr lang="de-DE" dirty="0"/>
+            </a:br>
+            <a:r>
+              <a:rPr lang="de-DE" dirty="0"/>
+              <a:t>also genau angeben: </a:t>
+            </a:r>
+            <a:endParaRPr lang="en-US" dirty="0"/>
+          </a:p>
+        </p:txBody>
+      </p:sp>
+      <p:pic>
+        <p:nvPicPr>
+          <p:cNvPr id="5" name="Picture 4">
+            <a:extLst>
+              <a:ext uri="{FF2B5EF4-FFF2-40B4-BE49-F238E27FC236}">
+                <a16:creationId xmlns:a16="http://schemas.microsoft.com/office/drawing/2014/main" id="{EBAB4291-6D60-4BEF-9E99-7DB6A2907755}"/>
+              </a:ext>
+            </a:extLst>
+          </p:cNvPr>
+          <p:cNvPicPr>
+            <a:picLocks noChangeAspect="1"/>
+          </p:cNvPicPr>
+          <p:nvPr/>
+        </p:nvPicPr>
+        <p:blipFill>
+          <a:blip r:embed="rId2"/>
+          <a:stretch>
+            <a:fillRect/>
+          </a:stretch>
+        </p:blipFill>
+        <p:spPr>
+          <a:xfrm>
+            <a:off x="7458636" y="2671637"/>
+            <a:ext cx="3729317" cy="4074510"/>
+          </a:xfrm>
+          <a:prstGeom prst="rect">
+            <a:avLst/>
+          </a:prstGeom>
+        </p:spPr>
+      </p:pic>
+    </p:spTree>
+    <p:extLst>
+      <p:ext uri="{BB962C8B-B14F-4D97-AF65-F5344CB8AC3E}">
+        <p14:creationId xmlns:p14="http://schemas.microsoft.com/office/powerpoint/2010/main" val="222453918"/>
+      </p:ext>
+    </p:extLst>
+  </p:cSld>
+  <p:clrMapOvr>
+    <a:masterClrMapping/>
+  </p:clrMapOvr>
+</p:sld>
+</file>
+
+<file path=ppt/slides/slide15.xml><?xml version="1.0" encoding="utf-8"?>
+<p:sld xmlns:a="http://schemas.openxmlformats.org/drawingml/2006/main" xmlns:r="http://schemas.openxmlformats.org/officeDocument/2006/relationships" xmlns:p="http://schemas.openxmlformats.org/presentationml/2006/main">
+  <p:cSld>
+    <p:spTree>
+      <p:nvGrpSpPr>
+        <p:cNvPr id="1" name=""/>
+        <p:cNvGrpSpPr/>
+        <p:nvPr/>
+      </p:nvGrpSpPr>
+      <p:grpSpPr>
+        <a:xfrm>
+          <a:off x="0" y="0"/>
+          <a:ext cx="0" cy="0"/>
+          <a:chOff x="0" y="0"/>
+          <a:chExt cx="0" cy="0"/>
+        </a:xfrm>
+      </p:grpSpPr>
+      <p:sp>
+        <p:nvSpPr>
+          <p:cNvPr id="2" name="Title 1">
+            <a:extLst>
+              <a:ext uri="{FF2B5EF4-FFF2-40B4-BE49-F238E27FC236}">
+                <a16:creationId xmlns:a16="http://schemas.microsoft.com/office/drawing/2014/main" id="{694DCAB6-1D99-4045-A861-D6C0C461EBD7}"/>
+              </a:ext>
+            </a:extLst>
+          </p:cNvPr>
+          <p:cNvSpPr>
+            <a:spLocks noGrp="1"/>
+          </p:cNvSpPr>
+          <p:nvPr>
+            <p:ph type="title"/>
+          </p:nvPr>
+        </p:nvSpPr>
+        <p:spPr/>
+        <p:txBody>
+          <a:bodyPr/>
+          <a:lstStyle/>
+          <a:p>
+            <a:r>
+              <a:rPr lang="de-DE" dirty="0"/>
+              <a:t>Umgang mit Keywords</a:t>
+            </a:r>
+            <a:endParaRPr lang="en-US" dirty="0"/>
+          </a:p>
+        </p:txBody>
+      </p:sp>
+      <p:sp>
+        <p:nvSpPr>
+          <p:cNvPr id="3" name="Content Placeholder 2">
+            <a:extLst>
+              <a:ext uri="{FF2B5EF4-FFF2-40B4-BE49-F238E27FC236}">
+                <a16:creationId xmlns:a16="http://schemas.microsoft.com/office/drawing/2014/main" id="{4C0E8BE6-92EB-4F3C-9C4C-4B7B3CB9E037}"/>
+              </a:ext>
+            </a:extLst>
+          </p:cNvPr>
+          <p:cNvSpPr>
+            <a:spLocks noGrp="1"/>
+          </p:cNvSpPr>
+          <p:nvPr>
+            <p:ph idx="1"/>
+          </p:nvPr>
+        </p:nvSpPr>
+        <p:spPr>
+          <a:xfrm>
+            <a:off x="519953" y="3514164"/>
+            <a:ext cx="10467046" cy="2703755"/>
+          </a:xfrm>
+        </p:spPr>
+        <p:txBody>
+          <a:bodyPr>
+            <a:normAutofit fontScale="92500" lnSpcReduction="20000"/>
+          </a:bodyPr>
+          <a:lstStyle/>
+          <a:p>
+            <a:r>
+              <a:rPr lang="de-DE" dirty="0"/>
+              <a:t>Option 1: Erweiterte Suche nutzen</a:t>
+            </a:r>
+          </a:p>
+          <a:p>
+            <a:r>
+              <a:rPr lang="de-DE" dirty="0"/>
+              <a:t>Option 2: Syntax direkt in Suchleiste nutzen</a:t>
+            </a:r>
+          </a:p>
+          <a:p>
+            <a:pPr lvl="1"/>
+            <a:r>
+              <a:rPr lang="de-DE" dirty="0"/>
+              <a:t>„“ – genaue Textsuche, also nur Quellen, bei denen z.B. „unsuccessful self-treatment“ genau so und in der Reihenfolge vorkommt.</a:t>
+            </a:r>
+          </a:p>
+          <a:p>
+            <a:pPr lvl="1"/>
+            <a:r>
+              <a:rPr lang="de-DE" dirty="0"/>
+              <a:t>AND – mehrere Textteile, die BEIDE vorkommen müssen</a:t>
+            </a:r>
+          </a:p>
+          <a:p>
+            <a:pPr lvl="1"/>
+            <a:r>
+              <a:rPr lang="de-DE" dirty="0"/>
+              <a:t>OR – mehrere Textteile, von denen mindestens einer vorkommen muss</a:t>
+            </a:r>
+          </a:p>
+          <a:p>
+            <a:pPr lvl="1"/>
+            <a:r>
+              <a:rPr lang="de-DE" dirty="0"/>
+              <a:t>* - Definiert, dass ein Schlagwort noch weitergeht (z.B. Psych* wenn Psychologie, Psychometrie, Psychiatrie… gefunden werden soll)</a:t>
+            </a:r>
+          </a:p>
+          <a:p>
+            <a:pPr lvl="1"/>
+            <a:r>
+              <a:rPr lang="de-DE" dirty="0"/>
+              <a:t>…</a:t>
+            </a:r>
+            <a:endParaRPr lang="en-US" dirty="0"/>
+          </a:p>
+        </p:txBody>
+      </p:sp>
+      <p:pic>
+        <p:nvPicPr>
+          <p:cNvPr id="5" name="Picture 4">
+            <a:extLst>
+              <a:ext uri="{FF2B5EF4-FFF2-40B4-BE49-F238E27FC236}">
+                <a16:creationId xmlns:a16="http://schemas.microsoft.com/office/drawing/2014/main" id="{C7BCC3E8-9D55-4E9A-B370-6E37B8BA5BC3}"/>
+              </a:ext>
+            </a:extLst>
+          </p:cNvPr>
+          <p:cNvPicPr>
+            <a:picLocks noChangeAspect="1"/>
+          </p:cNvPicPr>
+          <p:nvPr/>
+        </p:nvPicPr>
+        <p:blipFill>
+          <a:blip r:embed="rId3"/>
+          <a:stretch>
+            <a:fillRect/>
+          </a:stretch>
+        </p:blipFill>
+        <p:spPr>
+          <a:xfrm>
+            <a:off x="388363" y="2011557"/>
+            <a:ext cx="5928874" cy="1417443"/>
+          </a:xfrm>
+          <a:prstGeom prst="rect">
+            <a:avLst/>
+          </a:prstGeom>
+        </p:spPr>
+      </p:pic>
+      <p:sp>
+        <p:nvSpPr>
+          <p:cNvPr id="6" name="Content Placeholder 2">
+            <a:extLst>
+              <a:ext uri="{FF2B5EF4-FFF2-40B4-BE49-F238E27FC236}">
+                <a16:creationId xmlns:a16="http://schemas.microsoft.com/office/drawing/2014/main" id="{DAC9E925-4FDA-4E1A-8697-3E64F0A9EE96}"/>
+              </a:ext>
+            </a:extLst>
+          </p:cNvPr>
+          <p:cNvSpPr txBox="1">
+            <a:spLocks/>
+          </p:cNvSpPr>
+          <p:nvPr/>
+        </p:nvSpPr>
+        <p:spPr>
+          <a:xfrm>
+            <a:off x="6185646" y="2011558"/>
+            <a:ext cx="5840269" cy="1502606"/>
+          </a:xfrm>
+          <a:prstGeom prst="rect">
+            <a:avLst/>
+          </a:prstGeom>
+        </p:spPr>
+        <p:txBody>
+          <a:bodyPr vert="horz" lIns="91440" tIns="45720" rIns="91440" bIns="45720" rtlCol="0">
+            <a:normAutofit/>
+          </a:bodyPr>
+          <a:lstStyle>
+            <a:lvl1pPr marL="182880" indent="-182880" algn="l" defTabSz="914400" rtl="0" eaLnBrk="1" latinLnBrk="0" hangingPunct="1">
+              <a:lnSpc>
+                <a:spcPct val="90000"/>
+              </a:lnSpc>
+              <a:spcBef>
+                <a:spcPts val="1200"/>
+              </a:spcBef>
+              <a:spcAft>
+                <a:spcPts val="200"/>
+              </a:spcAft>
+              <a:buClr>
+                <a:schemeClr val="bg1"/>
+              </a:buClr>
+              <a:buFont typeface="Arial" panose="020B0604020202020204" pitchFamily="34" charset="0"/>
+              <a:buChar char="•"/>
+              <a:defRPr sz="2200" kern="1200">
+                <a:solidFill>
+                  <a:schemeClr val="bg1"/>
+                </a:solidFill>
+                <a:latin typeface="+mn-lt"/>
+                <a:ea typeface="+mn-ea"/>
+                <a:cs typeface="+mn-cs"/>
+              </a:defRPr>
+            </a:lvl1pPr>
+            <a:lvl2pPr marL="411480" indent="-182880" algn="l" defTabSz="914400" rtl="0" eaLnBrk="1" latinLnBrk="0" hangingPunct="1">
+              <a:lnSpc>
+                <a:spcPct val="90000"/>
+              </a:lnSpc>
+              <a:spcBef>
+                <a:spcPts val="200"/>
+              </a:spcBef>
+              <a:spcAft>
+                <a:spcPts val="400"/>
+              </a:spcAft>
+              <a:buClr>
+                <a:schemeClr val="bg1"/>
+              </a:buClr>
+              <a:buFont typeface="Arial" panose="020B0604020202020204" pitchFamily="34" charset="0"/>
+              <a:buChar char="•"/>
+              <a:defRPr sz="2000" kern="1200">
+                <a:solidFill>
+                  <a:schemeClr val="bg1"/>
+                </a:solidFill>
+                <a:latin typeface="+mn-lt"/>
+                <a:ea typeface="+mn-ea"/>
+                <a:cs typeface="+mn-cs"/>
+              </a:defRPr>
+            </a:lvl2pPr>
+            <a:lvl3pPr marL="640080" indent="-182880" algn="l" defTabSz="914400" rtl="0" eaLnBrk="1" latinLnBrk="0" hangingPunct="1">
+              <a:lnSpc>
+                <a:spcPct val="90000"/>
+              </a:lnSpc>
+              <a:spcBef>
+                <a:spcPts val="200"/>
+              </a:spcBef>
+              <a:spcAft>
+                <a:spcPts val="400"/>
+              </a:spcAft>
+              <a:buClr>
+                <a:schemeClr val="bg1"/>
+              </a:buClr>
+              <a:buFont typeface="Arial" panose="020B0604020202020204" pitchFamily="34" charset="0"/>
+              <a:buChar char="•"/>
+              <a:defRPr sz="1800" kern="1200">
+                <a:solidFill>
+                  <a:schemeClr val="bg1"/>
+                </a:solidFill>
+                <a:latin typeface="+mn-lt"/>
+                <a:ea typeface="+mn-ea"/>
+                <a:cs typeface="+mn-cs"/>
+              </a:defRPr>
+            </a:lvl3pPr>
+            <a:lvl4pPr marL="868680" indent="-182880" algn="l" defTabSz="914400" rtl="0" eaLnBrk="1" latinLnBrk="0" hangingPunct="1">
+              <a:lnSpc>
+                <a:spcPct val="90000"/>
+              </a:lnSpc>
+              <a:spcBef>
+                <a:spcPts val="200"/>
+              </a:spcBef>
+              <a:spcAft>
+                <a:spcPts val="400"/>
+              </a:spcAft>
+              <a:buClr>
+                <a:schemeClr val="bg1"/>
+              </a:buClr>
+              <a:buFont typeface="Arial" panose="020B0604020202020204" pitchFamily="34" charset="0"/>
+              <a:buChar char="•"/>
+              <a:defRPr sz="1600" kern="1200">
+                <a:solidFill>
+                  <a:schemeClr val="bg1"/>
+                </a:solidFill>
+                <a:latin typeface="+mn-lt"/>
+                <a:ea typeface="+mn-ea"/>
+                <a:cs typeface="+mn-cs"/>
+              </a:defRPr>
+            </a:lvl4pPr>
+            <a:lvl5pPr marL="1097280" indent="-182880" algn="l" defTabSz="914400" rtl="0" eaLnBrk="1" latinLnBrk="0" hangingPunct="1">
+              <a:lnSpc>
+                <a:spcPct val="90000"/>
+              </a:lnSpc>
+              <a:spcBef>
+                <a:spcPts val="200"/>
+              </a:spcBef>
+              <a:spcAft>
+                <a:spcPts val="400"/>
+              </a:spcAft>
+              <a:buClr>
+                <a:schemeClr val="bg1"/>
+              </a:buClr>
+              <a:buFont typeface="Arial" panose="020B0604020202020204" pitchFamily="34" charset="0"/>
+              <a:buChar char="•"/>
+              <a:defRPr sz="1600" kern="1200">
+                <a:solidFill>
+                  <a:schemeClr val="bg1"/>
+                </a:solidFill>
+                <a:latin typeface="+mn-lt"/>
+                <a:ea typeface="+mn-ea"/>
+                <a:cs typeface="+mn-cs"/>
+              </a:defRPr>
+            </a:lvl5pPr>
+            <a:lvl6pPr marL="1284600" indent="-228600" algn="l" defTabSz="914400" rtl="0" eaLnBrk="1" latinLnBrk="0" hangingPunct="1">
+              <a:lnSpc>
+                <a:spcPct val="90000"/>
+              </a:lnSpc>
+              <a:spcBef>
+                <a:spcPts val="200"/>
+              </a:spcBef>
+              <a:spcAft>
+                <a:spcPts val="400"/>
+              </a:spcAft>
+              <a:buClr>
+                <a:schemeClr val="tx1"/>
+              </a:buClr>
+              <a:buFont typeface="Wingdings" pitchFamily="2" charset="2"/>
+              <a:buChar char=""/>
+              <a:defRPr sz="1600" kern="1200">
+                <a:solidFill>
+                  <a:schemeClr val="tx1"/>
+                </a:solidFill>
+                <a:latin typeface="+mn-lt"/>
+                <a:ea typeface="+mn-ea"/>
+                <a:cs typeface="+mn-cs"/>
+              </a:defRPr>
+            </a:lvl6pPr>
+            <a:lvl7pPr marL="1471800" indent="-228600" algn="l" defTabSz="914400" rtl="0" eaLnBrk="1" latinLnBrk="0" hangingPunct="1">
+              <a:lnSpc>
+                <a:spcPct val="90000"/>
+              </a:lnSpc>
+              <a:spcBef>
+                <a:spcPts val="200"/>
+              </a:spcBef>
+              <a:spcAft>
+                <a:spcPts val="400"/>
+              </a:spcAft>
+              <a:buClr>
+                <a:schemeClr val="tx1"/>
+              </a:buClr>
+              <a:buFont typeface="Wingdings" pitchFamily="2" charset="2"/>
+              <a:buChar char=""/>
+              <a:defRPr sz="1600" kern="1200">
+                <a:solidFill>
+                  <a:schemeClr val="tx1"/>
+                </a:solidFill>
+                <a:latin typeface="+mn-lt"/>
+                <a:ea typeface="+mn-ea"/>
+                <a:cs typeface="+mn-cs"/>
+              </a:defRPr>
+            </a:lvl7pPr>
+            <a:lvl8pPr marL="1629000" indent="-228600" algn="l" defTabSz="914400" rtl="0" eaLnBrk="1" latinLnBrk="0" hangingPunct="1">
+              <a:lnSpc>
+                <a:spcPct val="90000"/>
+              </a:lnSpc>
+              <a:spcBef>
+                <a:spcPts val="200"/>
+              </a:spcBef>
+              <a:spcAft>
+                <a:spcPts val="400"/>
+              </a:spcAft>
+              <a:buClr>
+                <a:schemeClr val="tx1"/>
+              </a:buClr>
+              <a:buFont typeface="Wingdings" pitchFamily="2" charset="2"/>
+              <a:buChar char=""/>
+              <a:defRPr sz="1600" kern="1200">
+                <a:solidFill>
+                  <a:schemeClr val="tx1"/>
+                </a:solidFill>
+                <a:latin typeface="+mn-lt"/>
+                <a:ea typeface="+mn-ea"/>
+                <a:cs typeface="+mn-cs"/>
+              </a:defRPr>
+            </a:lvl8pPr>
+            <a:lvl9pPr marL="1806200" indent="-228600" algn="l" defTabSz="914400" rtl="0" eaLnBrk="1" latinLnBrk="0" hangingPunct="1">
+              <a:lnSpc>
+                <a:spcPct val="90000"/>
+              </a:lnSpc>
+              <a:spcBef>
+                <a:spcPts val="200"/>
+              </a:spcBef>
+              <a:spcAft>
+                <a:spcPts val="400"/>
+              </a:spcAft>
+              <a:buClr>
+                <a:schemeClr val="tx1"/>
+              </a:buClr>
+              <a:buFont typeface="Wingdings" pitchFamily="2" charset="2"/>
+              <a:buChar char=""/>
+              <a:defRPr sz="1600" kern="1200">
+                <a:solidFill>
+                  <a:schemeClr val="tx1"/>
+                </a:solidFill>
+                <a:latin typeface="+mn-lt"/>
+                <a:ea typeface="+mn-ea"/>
+                <a:cs typeface="+mn-cs"/>
+              </a:defRPr>
+            </a:lvl9pPr>
+          </a:lstStyle>
+          <a:p>
+            <a:r>
+              <a:rPr lang="de-DE" dirty="0"/>
+              <a:t>Voila: Wir bekommen genau ein Ergebnis mit genau dem Paper, was wir auch gesucht haben!</a:t>
+            </a:r>
+          </a:p>
+          <a:p>
+            <a:pPr lvl="1"/>
+            <a:r>
+              <a:rPr lang="de-DE" dirty="0"/>
+              <a:t>Hätten wir nur die Keywords  gesucht, bekämen wir mehr und unpräzisere Ergebnisse</a:t>
+            </a:r>
+            <a:endParaRPr lang="en-US" dirty="0"/>
+          </a:p>
+        </p:txBody>
+      </p:sp>
+    </p:spTree>
+    <p:extLst>
+      <p:ext uri="{BB962C8B-B14F-4D97-AF65-F5344CB8AC3E}">
+        <p14:creationId xmlns:p14="http://schemas.microsoft.com/office/powerpoint/2010/main" val="3481466142"/>
+      </p:ext>
+    </p:extLst>
+  </p:cSld>
+  <p:clrMapOvr>
+    <a:masterClrMapping/>
+  </p:clrMapOvr>
+</p:sld>
+</file>
+
+<file path=ppt/slides/slide16.xml><?xml version="1.0" encoding="utf-8"?>
+<p:sld xmlns:a="http://schemas.openxmlformats.org/drawingml/2006/main" xmlns:r="http://schemas.openxmlformats.org/officeDocument/2006/relationships" xmlns:p="http://schemas.openxmlformats.org/presentationml/2006/main">
+  <p:cSld>
+    <p:spTree>
+      <p:nvGrpSpPr>
+        <p:cNvPr id="1" name=""/>
+        <p:cNvGrpSpPr/>
+        <p:nvPr/>
+      </p:nvGrpSpPr>
+      <p:grpSpPr>
+        <a:xfrm>
+          <a:off x="0" y="0"/>
+          <a:ext cx="0" cy="0"/>
+          <a:chOff x="0" y="0"/>
+          <a:chExt cx="0" cy="0"/>
+        </a:xfrm>
+      </p:grpSpPr>
+      <p:sp>
+        <p:nvSpPr>
+          <p:cNvPr id="2" name="Title 1">
+            <a:extLst>
+              <a:ext uri="{FF2B5EF4-FFF2-40B4-BE49-F238E27FC236}">
+                <a16:creationId xmlns:a16="http://schemas.microsoft.com/office/drawing/2014/main" id="{7A14ED4A-5303-474D-ACE3-C5F4E60E4125}"/>
+              </a:ext>
+            </a:extLst>
+          </p:cNvPr>
+          <p:cNvSpPr>
+            <a:spLocks noGrp="1"/>
+          </p:cNvSpPr>
+          <p:nvPr>
+            <p:ph type="title"/>
+          </p:nvPr>
+        </p:nvSpPr>
+        <p:spPr/>
+        <p:txBody>
+          <a:bodyPr/>
+          <a:lstStyle/>
+          <a:p>
+            <a:r>
+              <a:rPr lang="en-US" dirty="0"/>
+              <a:t>Anne: Next Steps</a:t>
+            </a:r>
+          </a:p>
+        </p:txBody>
+      </p:sp>
+      <p:sp>
+        <p:nvSpPr>
+          <p:cNvPr id="3" name="Content Placeholder 2">
+            <a:extLst>
+              <a:ext uri="{FF2B5EF4-FFF2-40B4-BE49-F238E27FC236}">
+                <a16:creationId xmlns:a16="http://schemas.microsoft.com/office/drawing/2014/main" id="{06DF03E4-EBEF-463A-A629-35D2FDC5179A}"/>
+              </a:ext>
+            </a:extLst>
+          </p:cNvPr>
+          <p:cNvSpPr>
+            <a:spLocks noGrp="1"/>
+          </p:cNvSpPr>
+          <p:nvPr>
+            <p:ph idx="1"/>
+          </p:nvPr>
+        </p:nvSpPr>
+        <p:spPr>
+          <a:xfrm>
+            <a:off x="1202920" y="2011680"/>
+            <a:ext cx="6157104" cy="4206240"/>
+          </a:xfrm>
+        </p:spPr>
+        <p:txBody>
+          <a:bodyPr/>
+          <a:lstStyle/>
+          <a:p>
+            <a:r>
+              <a:rPr lang="en-US" dirty="0" err="1"/>
+              <a:t>Zugang</a:t>
+            </a:r>
+            <a:r>
+              <a:rPr lang="en-US" dirty="0"/>
+              <a:t> </a:t>
+            </a:r>
+            <a:r>
+              <a:rPr lang="en-US" dirty="0" err="1"/>
+              <a:t>zu</a:t>
+            </a:r>
+            <a:r>
+              <a:rPr lang="en-US" dirty="0"/>
+              <a:t> </a:t>
+            </a:r>
+            <a:r>
+              <a:rPr lang="en-US" dirty="0" err="1"/>
+              <a:t>geteilter</a:t>
+            </a:r>
+            <a:r>
+              <a:rPr lang="en-US" dirty="0"/>
+              <a:t> Zotero Bib</a:t>
+            </a:r>
+          </a:p>
+          <a:p>
+            <a:pPr lvl="1"/>
+            <a:r>
+              <a:rPr lang="en-US" b="1" dirty="0" err="1"/>
+              <a:t>Literaturrecherche</a:t>
+            </a:r>
+            <a:r>
+              <a:rPr lang="en-US" b="1" dirty="0"/>
+              <a:t> </a:t>
+            </a:r>
+            <a:r>
+              <a:rPr lang="en-US" b="1" dirty="0" err="1"/>
+              <a:t>zur</a:t>
+            </a:r>
+            <a:r>
+              <a:rPr lang="en-US" b="1" dirty="0"/>
+              <a:t> </a:t>
+            </a:r>
+            <a:r>
+              <a:rPr lang="en-US" b="1" dirty="0" err="1"/>
+              <a:t>Nutzung</a:t>
+            </a:r>
+            <a:r>
+              <a:rPr lang="en-US" b="1" dirty="0"/>
+              <a:t> von den </a:t>
+            </a:r>
+            <a:r>
+              <a:rPr lang="en-US" b="1" dirty="0" err="1"/>
+              <a:t>gängigsten</a:t>
+            </a:r>
+            <a:r>
+              <a:rPr lang="en-US" b="1" dirty="0"/>
+              <a:t> </a:t>
+            </a:r>
+            <a:r>
+              <a:rPr lang="en-US" b="1" dirty="0" err="1"/>
+              <a:t>Statistiken</a:t>
+            </a:r>
+            <a:endParaRPr lang="en-US" b="1" dirty="0"/>
+          </a:p>
+          <a:p>
+            <a:r>
+              <a:rPr lang="en-US" dirty="0" err="1"/>
+              <a:t>Zugang</a:t>
+            </a:r>
+            <a:r>
+              <a:rPr lang="en-US" dirty="0"/>
+              <a:t> </a:t>
+            </a:r>
+            <a:r>
+              <a:rPr lang="en-US" dirty="0" err="1"/>
+              <a:t>zu</a:t>
+            </a:r>
+            <a:r>
+              <a:rPr lang="en-US" dirty="0"/>
+              <a:t> Statistics-Picker </a:t>
+            </a:r>
+            <a:r>
+              <a:rPr lang="en-US" dirty="0" err="1"/>
+              <a:t>Nextcloud</a:t>
+            </a:r>
+            <a:r>
+              <a:rPr lang="en-US" dirty="0"/>
+              <a:t> </a:t>
+            </a:r>
+          </a:p>
+          <a:p>
+            <a:pPr lvl="1"/>
+            <a:r>
+              <a:rPr lang="en-US" b="1" dirty="0" err="1"/>
+              <a:t>Befüllen</a:t>
+            </a:r>
+            <a:r>
+              <a:rPr lang="en-US" b="1" dirty="0"/>
+              <a:t> &amp; </a:t>
+            </a:r>
+            <a:r>
+              <a:rPr lang="en-US" b="1" dirty="0" err="1"/>
+              <a:t>Schreiben</a:t>
+            </a:r>
+            <a:r>
+              <a:rPr lang="en-US" b="1" dirty="0"/>
+              <a:t> des “Deep Dive” </a:t>
+            </a:r>
+            <a:r>
+              <a:rPr lang="en-US" b="1" dirty="0" err="1"/>
+              <a:t>zu</a:t>
+            </a:r>
+            <a:r>
+              <a:rPr lang="en-US" b="1" dirty="0"/>
+              <a:t> </a:t>
+            </a:r>
+            <a:r>
+              <a:rPr lang="en-US" b="1" dirty="0" err="1"/>
+              <a:t>Statistiken</a:t>
+            </a:r>
+            <a:r>
+              <a:rPr lang="en-US" b="1" dirty="0"/>
+              <a:t>:</a:t>
+            </a:r>
+          </a:p>
+          <a:p>
+            <a:pPr lvl="1"/>
+            <a:r>
+              <a:rPr lang="en-US" dirty="0"/>
+              <a:t>Mir </a:t>
+            </a:r>
+            <a:r>
+              <a:rPr lang="en-US" dirty="0" err="1"/>
+              <a:t>ist</a:t>
+            </a:r>
+            <a:r>
+              <a:rPr lang="en-US" dirty="0"/>
+              <a:t> </a:t>
+            </a:r>
+            <a:r>
+              <a:rPr lang="en-US" dirty="0" err="1"/>
+              <a:t>wichtig</a:t>
+            </a:r>
+            <a:r>
+              <a:rPr lang="en-US" dirty="0"/>
+              <a:t>, </a:t>
+            </a:r>
+            <a:r>
+              <a:rPr lang="en-US" dirty="0" err="1"/>
+              <a:t>dass</a:t>
+            </a:r>
+            <a:r>
+              <a:rPr lang="en-US" dirty="0"/>
+              <a:t> es </a:t>
+            </a:r>
+            <a:r>
+              <a:rPr lang="en-US" dirty="0" err="1"/>
+              <a:t>übersichtlich</a:t>
+            </a:r>
+            <a:r>
+              <a:rPr lang="en-US" dirty="0"/>
+              <a:t> und </a:t>
+            </a:r>
+            <a:r>
+              <a:rPr lang="en-US" dirty="0" err="1"/>
+              <a:t>klar</a:t>
+            </a:r>
+            <a:r>
+              <a:rPr lang="en-US" dirty="0"/>
+              <a:t> </a:t>
+            </a:r>
+            <a:r>
+              <a:rPr lang="en-US" dirty="0" err="1"/>
+              <a:t>verständlich</a:t>
+            </a:r>
+            <a:r>
+              <a:rPr lang="en-US" dirty="0"/>
+              <a:t> </a:t>
+            </a:r>
+            <a:r>
+              <a:rPr lang="en-US" dirty="0" err="1"/>
+              <a:t>ist</a:t>
+            </a:r>
+            <a:endParaRPr lang="en-US" dirty="0"/>
+          </a:p>
+          <a:p>
+            <a:r>
+              <a:rPr lang="en-US" dirty="0" err="1"/>
+              <a:t>Gern</a:t>
+            </a:r>
+            <a:r>
+              <a:rPr lang="en-US" dirty="0"/>
+              <a:t> Feedback </a:t>
+            </a:r>
+            <a:r>
+              <a:rPr lang="en-US" dirty="0" err="1"/>
+              <a:t>zur</a:t>
+            </a:r>
+            <a:r>
+              <a:rPr lang="en-US" dirty="0"/>
+              <a:t> </a:t>
+            </a:r>
+            <a:r>
+              <a:rPr lang="en-US" dirty="0" err="1"/>
+              <a:t>Entwicklung</a:t>
+            </a:r>
+            <a:r>
+              <a:rPr lang="en-US" dirty="0"/>
+              <a:t> der App </a:t>
+            </a:r>
+            <a:r>
+              <a:rPr lang="en-US" dirty="0">
+                <a:sym typeface="Wingdings" panose="05000000000000000000" pitchFamily="2" charset="2"/>
+              </a:rPr>
+              <a:t></a:t>
+            </a:r>
+          </a:p>
+          <a:p>
+            <a:r>
+              <a:rPr lang="en-US" dirty="0" err="1">
+                <a:sym typeface="Wingdings" panose="05000000000000000000" pitchFamily="2" charset="2"/>
+              </a:rPr>
+              <a:t>Neueste</a:t>
+            </a:r>
+            <a:r>
+              <a:rPr lang="en-US" dirty="0">
+                <a:sym typeface="Wingdings" panose="05000000000000000000" pitchFamily="2" charset="2"/>
+              </a:rPr>
+              <a:t> stabile Version </a:t>
+            </a:r>
+            <a:r>
+              <a:rPr lang="en-US" dirty="0" err="1">
+                <a:sym typeface="Wingdings" panose="05000000000000000000" pitchFamily="2" charset="2"/>
+              </a:rPr>
+              <a:t>ist</a:t>
+            </a:r>
+            <a:r>
+              <a:rPr lang="en-US" dirty="0">
+                <a:sym typeface="Wingdings" panose="05000000000000000000" pitchFamily="2" charset="2"/>
+              </a:rPr>
+              <a:t> </a:t>
+            </a:r>
+            <a:r>
+              <a:rPr lang="en-US" dirty="0" err="1">
+                <a:sym typeface="Wingdings" panose="05000000000000000000" pitchFamily="2" charset="2"/>
+              </a:rPr>
+              <a:t>zu</a:t>
+            </a:r>
+            <a:r>
+              <a:rPr lang="en-US" dirty="0">
+                <a:sym typeface="Wingdings" panose="05000000000000000000" pitchFamily="2" charset="2"/>
+              </a:rPr>
+              <a:t> </a:t>
+            </a:r>
+            <a:r>
+              <a:rPr lang="en-US" dirty="0" err="1">
+                <a:sym typeface="Wingdings" panose="05000000000000000000" pitchFamily="2" charset="2"/>
+              </a:rPr>
+              <a:t>finden</a:t>
+            </a:r>
+            <a:r>
+              <a:rPr lang="en-US" dirty="0">
+                <a:sym typeface="Wingdings" panose="05000000000000000000" pitchFamily="2" charset="2"/>
+              </a:rPr>
+              <a:t> </a:t>
+            </a:r>
+            <a:r>
+              <a:rPr lang="en-US" dirty="0" err="1">
+                <a:sym typeface="Wingdings" panose="05000000000000000000" pitchFamily="2" charset="2"/>
+              </a:rPr>
+              <a:t>unter</a:t>
+            </a:r>
+            <a:r>
+              <a:rPr lang="en-US" dirty="0">
+                <a:sym typeface="Wingdings" panose="05000000000000000000" pitchFamily="2" charset="2"/>
+              </a:rPr>
+              <a:t> </a:t>
+            </a:r>
+            <a:r>
+              <a:rPr lang="en-US" dirty="0">
+                <a:sym typeface="Wingdings" panose="05000000000000000000" pitchFamily="2" charset="2"/>
+                <a:hlinkClick r:id="rId2"/>
+              </a:rPr>
+              <a:t>https://the-tave.shinyapps.io/Statistics-Picker/</a:t>
+            </a:r>
+            <a:r>
+              <a:rPr lang="en-US" dirty="0">
+                <a:sym typeface="Wingdings" panose="05000000000000000000" pitchFamily="2" charset="2"/>
+              </a:rPr>
+              <a:t> </a:t>
+            </a:r>
+            <a:endParaRPr lang="en-US" dirty="0"/>
+          </a:p>
+        </p:txBody>
+      </p:sp>
+      <p:pic>
+        <p:nvPicPr>
+          <p:cNvPr id="5" name="Picture 4">
+            <a:extLst>
+              <a:ext uri="{FF2B5EF4-FFF2-40B4-BE49-F238E27FC236}">
+                <a16:creationId xmlns:a16="http://schemas.microsoft.com/office/drawing/2014/main" id="{5909140F-5BF7-477E-A38C-E3A38C4EC5E4}"/>
+              </a:ext>
+            </a:extLst>
+          </p:cNvPr>
+          <p:cNvPicPr>
+            <a:picLocks noChangeAspect="1"/>
+          </p:cNvPicPr>
+          <p:nvPr/>
+        </p:nvPicPr>
+        <p:blipFill>
+          <a:blip r:embed="rId3"/>
+          <a:stretch>
+            <a:fillRect/>
+          </a:stretch>
+        </p:blipFill>
+        <p:spPr>
+          <a:xfrm>
+            <a:off x="7897906" y="1975362"/>
+            <a:ext cx="3706223" cy="4598462"/>
+          </a:xfrm>
+          <a:prstGeom prst="rect">
+            <a:avLst/>
+          </a:prstGeom>
+        </p:spPr>
+      </p:pic>
+      <p:sp>
+        <p:nvSpPr>
+          <p:cNvPr id="6" name="Left Brace 5">
+            <a:extLst>
+              <a:ext uri="{FF2B5EF4-FFF2-40B4-BE49-F238E27FC236}">
+                <a16:creationId xmlns:a16="http://schemas.microsoft.com/office/drawing/2014/main" id="{12D9AE40-09E2-43E1-9122-31EABA6721FC}"/>
+              </a:ext>
+            </a:extLst>
+          </p:cNvPr>
+          <p:cNvSpPr/>
+          <p:nvPr/>
+        </p:nvSpPr>
+        <p:spPr>
+          <a:xfrm>
+            <a:off x="7252448" y="1975362"/>
+            <a:ext cx="582705" cy="4598462"/>
+          </a:xfrm>
+          <a:prstGeom prst="leftBrace">
+            <a:avLst>
+              <a:gd name="adj1" fmla="val 111111"/>
+              <a:gd name="adj2" fmla="val 37134"/>
+            </a:avLst>
+          </a:prstGeom>
+          <a:ln w="28575">
+            <a:solidFill>
+              <a:schemeClr val="accent6">
+                <a:lumMod val="60000"/>
+                <a:lumOff val="40000"/>
+              </a:schemeClr>
+            </a:solidFill>
+          </a:ln>
+        </p:spPr>
+        <p:style>
+          <a:lnRef idx="1">
+            <a:schemeClr val="accent1"/>
+          </a:lnRef>
+          <a:fillRef idx="0">
+            <a:schemeClr val="accent1"/>
+          </a:fillRef>
+          <a:effectRef idx="0">
+            <a:schemeClr val="accent1"/>
+          </a:effectRef>
+          <a:fontRef idx="minor">
+            <a:schemeClr val="tx1"/>
+          </a:fontRef>
+        </p:style>
+        <p:txBody>
+          <a:bodyPr rtlCol="0" anchor="ctr"/>
+          <a:lstStyle/>
+          <a:p>
+            <a:pPr algn="ctr"/>
+            <a:endParaRPr lang="en-US"/>
+          </a:p>
+        </p:txBody>
+      </p:sp>
+    </p:spTree>
+    <p:extLst>
+      <p:ext uri="{BB962C8B-B14F-4D97-AF65-F5344CB8AC3E}">
+        <p14:creationId xmlns:p14="http://schemas.microsoft.com/office/powerpoint/2010/main" val="2187708262"/>
+      </p:ext>
+    </p:extLst>
+  </p:cSld>
+  <p:clrMapOvr>
+    <a:masterClrMapping/>
+  </p:clrMapOvr>
+</p:sld>
+</file>
+
+<file path=ppt/slides/slide17.xml><?xml version="1.0" encoding="utf-8"?>
+<p:sld xmlns:a="http://schemas.openxmlformats.org/drawingml/2006/main" xmlns:r="http://schemas.openxmlformats.org/officeDocument/2006/relationships" xmlns:p="http://schemas.openxmlformats.org/presentationml/2006/main">
+  <p:cSld>
+    <p:spTree>
+      <p:nvGrpSpPr>
+        <p:cNvPr id="1" name=""/>
+        <p:cNvGrpSpPr/>
+        <p:nvPr/>
+      </p:nvGrpSpPr>
+      <p:grpSpPr>
+        <a:xfrm>
+          <a:off x="0" y="0"/>
+          <a:ext cx="0" cy="0"/>
+          <a:chOff x="0" y="0"/>
+          <a:chExt cx="0" cy="0"/>
+        </a:xfrm>
+      </p:grpSpPr>
+      <p:sp>
+        <p:nvSpPr>
+          <p:cNvPr id="8" name="Title 7">
+            <a:extLst>
+              <a:ext uri="{FF2B5EF4-FFF2-40B4-BE49-F238E27FC236}">
+                <a16:creationId xmlns:a16="http://schemas.microsoft.com/office/drawing/2014/main" id="{6EB77A88-9878-4B97-BE05-8FDB6396C31B}"/>
+              </a:ext>
+            </a:extLst>
+          </p:cNvPr>
+          <p:cNvSpPr>
+            <a:spLocks noGrp="1"/>
+          </p:cNvSpPr>
+          <p:nvPr>
+            <p:ph type="title"/>
+          </p:nvPr>
+        </p:nvSpPr>
+        <p:spPr/>
+        <p:txBody>
+          <a:bodyPr/>
+          <a:lstStyle/>
+          <a:p>
+            <a:r>
+              <a:rPr lang="de-DE" dirty="0"/>
+              <a:t>Happy Paper Hunting!</a:t>
+            </a:r>
+            <a:endParaRPr lang="en-US" dirty="0"/>
+          </a:p>
+        </p:txBody>
+      </p:sp>
+      <p:sp>
+        <p:nvSpPr>
+          <p:cNvPr id="9" name="Content Placeholder 8">
+            <a:extLst>
+              <a:ext uri="{FF2B5EF4-FFF2-40B4-BE49-F238E27FC236}">
+                <a16:creationId xmlns:a16="http://schemas.microsoft.com/office/drawing/2014/main" id="{E2092CAA-D4C2-430E-9A61-76E5790C643D}"/>
+              </a:ext>
+            </a:extLst>
+          </p:cNvPr>
+          <p:cNvSpPr>
+            <a:spLocks noGrp="1"/>
+          </p:cNvSpPr>
+          <p:nvPr>
+            <p:ph idx="1"/>
+          </p:nvPr>
+        </p:nvSpPr>
+        <p:spPr/>
+        <p:txBody>
+          <a:bodyPr/>
+          <a:lstStyle/>
+          <a:p>
+            <a:endParaRPr lang="en-US" dirty="0"/>
+          </a:p>
+        </p:txBody>
+      </p:sp>
+      <p:pic>
+        <p:nvPicPr>
+          <p:cNvPr id="10" name="Picture 9">
+            <a:extLst>
+              <a:ext uri="{FF2B5EF4-FFF2-40B4-BE49-F238E27FC236}">
+                <a16:creationId xmlns:a16="http://schemas.microsoft.com/office/drawing/2014/main" id="{6FEC43DE-DB71-41B2-AB03-1A55773779DB}"/>
+              </a:ext>
+            </a:extLst>
+          </p:cNvPr>
+          <p:cNvPicPr>
+            <a:picLocks noChangeAspect="1"/>
+          </p:cNvPicPr>
+          <p:nvPr/>
+        </p:nvPicPr>
+        <p:blipFill rotWithShape="1">
+          <a:blip r:embed="rId2"/>
+          <a:srcRect l="15012" b="13201"/>
+          <a:stretch/>
+        </p:blipFill>
+        <p:spPr>
+          <a:xfrm>
+            <a:off x="1444438" y="2949463"/>
+            <a:ext cx="3414433" cy="3487201"/>
+          </a:xfrm>
+          <a:prstGeom prst="rect">
+            <a:avLst/>
+          </a:prstGeom>
+        </p:spPr>
+      </p:pic>
+      <p:pic>
+        <p:nvPicPr>
+          <p:cNvPr id="11" name="Picture 10">
+            <a:extLst>
+              <a:ext uri="{FF2B5EF4-FFF2-40B4-BE49-F238E27FC236}">
+                <a16:creationId xmlns:a16="http://schemas.microsoft.com/office/drawing/2014/main" id="{8C81CBDE-A5DE-40BB-9691-C87433FDCE1B}"/>
+              </a:ext>
+            </a:extLst>
+          </p:cNvPr>
+          <p:cNvPicPr>
+            <a:picLocks noChangeAspect="1"/>
+          </p:cNvPicPr>
+          <p:nvPr/>
+        </p:nvPicPr>
+        <p:blipFill rotWithShape="1">
+          <a:blip r:embed="rId3"/>
+          <a:srcRect l="13445" b="20269"/>
+          <a:stretch/>
+        </p:blipFill>
+        <p:spPr>
+          <a:xfrm>
+            <a:off x="5890373" y="1313328"/>
+            <a:ext cx="3119081" cy="2873189"/>
+          </a:xfrm>
+          <a:prstGeom prst="rect">
+            <a:avLst/>
+          </a:prstGeom>
+        </p:spPr>
+      </p:pic>
+      <p:pic>
+        <p:nvPicPr>
+          <p:cNvPr id="12" name="Picture 11">
+            <a:extLst>
+              <a:ext uri="{FF2B5EF4-FFF2-40B4-BE49-F238E27FC236}">
+                <a16:creationId xmlns:a16="http://schemas.microsoft.com/office/drawing/2014/main" id="{512F6FF4-DE10-45B5-ABFB-23D53376CDDF}"/>
+              </a:ext>
+            </a:extLst>
+          </p:cNvPr>
+          <p:cNvPicPr>
+            <a:picLocks noChangeAspect="1"/>
+          </p:cNvPicPr>
+          <p:nvPr/>
+        </p:nvPicPr>
+        <p:blipFill rotWithShape="1">
+          <a:blip r:embed="rId4"/>
+          <a:srcRect r="17572"/>
+          <a:stretch/>
+        </p:blipFill>
+        <p:spPr>
+          <a:xfrm>
+            <a:off x="4948516" y="4693063"/>
+            <a:ext cx="6391837" cy="1938618"/>
+          </a:xfrm>
+          <a:prstGeom prst="rect">
+            <a:avLst/>
+          </a:prstGeom>
+        </p:spPr>
+      </p:pic>
+    </p:spTree>
+    <p:extLst>
+      <p:ext uri="{BB962C8B-B14F-4D97-AF65-F5344CB8AC3E}">
+        <p14:creationId xmlns:p14="http://schemas.microsoft.com/office/powerpoint/2010/main" val="3741013524"/>
+      </p:ext>
+    </p:extLst>
+  </p:cSld>
+  <p:clrMapOvr>
+    <a:masterClrMapping/>
+  </p:clrMapOvr>
+</p:sld>
+</file>
+
 <file path=ppt/slides/slide2.xml><?xml version="1.0" encoding="utf-8"?>
 <p:sld xmlns:a="http://schemas.openxmlformats.org/drawingml/2006/main" xmlns:r="http://schemas.openxmlformats.org/officeDocument/2006/relationships" xmlns:p="http://schemas.openxmlformats.org/presentationml/2006/main">
   <p:cSld>
@@ -5082,10 +7980,10 @@
       </p:grpSpPr>
       <p:sp>
         <p:nvSpPr>
-          <p:cNvPr id="4" name="Title 3">
-            <a:extLst>
-              <a:ext uri="{FF2B5EF4-FFF2-40B4-BE49-F238E27FC236}">
-                <a16:creationId xmlns:a16="http://schemas.microsoft.com/office/drawing/2014/main" id="{D8ED3221-FE2D-4A32-8627-0ADD8E80CB76}"/>
+          <p:cNvPr id="2" name="Title 1">
+            <a:extLst>
+              <a:ext uri="{FF2B5EF4-FFF2-40B4-BE49-F238E27FC236}">
+                <a16:creationId xmlns:a16="http://schemas.microsoft.com/office/drawing/2014/main" id="{6006CE3D-AE77-4625-8091-47069D403167}"/>
               </a:ext>
             </a:extLst>
           </p:cNvPr>
@@ -5102,71 +8000,1446 @@
           <a:lstStyle/>
           <a:p>
             <a:r>
-              <a:rPr lang="de-DE" sz="5400" dirty="0"/>
-              <a:t>Part 2: </a:t>
-            </a:r>
-            <a:r>
-              <a:rPr lang="de-DE" sz="5400" dirty="0" err="1"/>
-              <a:t>Lit</a:t>
-            </a:r>
-            <a:r>
-              <a:rPr lang="de-DE" sz="5400" dirty="0"/>
-              <a:t>-Recherche</a:t>
-            </a:r>
-            <a:br>
               <a:rPr lang="de-DE" dirty="0"/>
-            </a:br>
-            <a:r>
-              <a:rPr lang="de-DE" sz="5400" dirty="0">
-                <a:highlight>
-                  <a:srgbClr val="009AD1"/>
-                </a:highlight>
+              <a:t>Zotero</a:t>
+            </a:r>
+            <a:endParaRPr lang="en-US" dirty="0"/>
+          </a:p>
+        </p:txBody>
+      </p:sp>
+      <p:pic>
+        <p:nvPicPr>
+          <p:cNvPr id="5" name="Picture 4">
+            <a:extLst>
+              <a:ext uri="{FF2B5EF4-FFF2-40B4-BE49-F238E27FC236}">
+                <a16:creationId xmlns:a16="http://schemas.microsoft.com/office/drawing/2014/main" id="{7F3189F0-B5EE-45AF-A2A0-C3D57DF85ED9}"/>
+              </a:ext>
+            </a:extLst>
+          </p:cNvPr>
+          <p:cNvPicPr>
+            <a:picLocks noChangeAspect="1"/>
+          </p:cNvPicPr>
+          <p:nvPr/>
+        </p:nvPicPr>
+        <p:blipFill rotWithShape="1">
+          <a:blip r:embed="rId2"/>
+          <a:srcRect r="24080" b="47032"/>
+          <a:stretch/>
+        </p:blipFill>
+        <p:spPr>
+          <a:xfrm>
+            <a:off x="1926816" y="2785182"/>
+            <a:ext cx="9395226" cy="3482340"/>
+          </a:xfrm>
+          <a:prstGeom prst="rect">
+            <a:avLst/>
+          </a:prstGeom>
+        </p:spPr>
+      </p:pic>
+      <p:sp>
+        <p:nvSpPr>
+          <p:cNvPr id="6" name="TextBox 5">
+            <a:extLst>
+              <a:ext uri="{FF2B5EF4-FFF2-40B4-BE49-F238E27FC236}">
+                <a16:creationId xmlns:a16="http://schemas.microsoft.com/office/drawing/2014/main" id="{8C8A5AF3-C1B0-4439-9330-A629B024AF89}"/>
+              </a:ext>
+            </a:extLst>
+          </p:cNvPr>
+          <p:cNvSpPr txBox="1"/>
+          <p:nvPr/>
+        </p:nvSpPr>
+        <p:spPr>
+          <a:xfrm>
+            <a:off x="167205" y="3438269"/>
+            <a:ext cx="1296509" cy="461665"/>
+          </a:xfrm>
+          <a:prstGeom prst="rect">
+            <a:avLst/>
+          </a:prstGeom>
+          <a:noFill/>
+        </p:spPr>
+        <p:txBody>
+          <a:bodyPr wrap="none" rtlCol="0">
+            <a:spAutoFit/>
+          </a:bodyPr>
+          <a:lstStyle/>
+          <a:p>
+            <a:r>
+              <a:rPr lang="de-DE" sz="1200" dirty="0">
+                <a:solidFill>
+                  <a:schemeClr val="bg1"/>
+                </a:solidFill>
               </a:rPr>
-              <a:t>Best Practice</a:t>
-            </a:r>
-            <a:endParaRPr lang="en-US" sz="5400" dirty="0">
-              <a:highlight>
-                <a:srgbClr val="009AD1"/>
-              </a:highlight>
+              <a:t>Gesamte </a:t>
+            </a:r>
+          </a:p>
+          <a:p>
+            <a:r>
+              <a:rPr lang="de-DE" sz="1200" dirty="0">
+                <a:solidFill>
+                  <a:schemeClr val="bg1"/>
+                </a:solidFill>
+              </a:rPr>
+              <a:t>Literaturübersicht</a:t>
+            </a:r>
+            <a:endParaRPr lang="en-US" sz="1200" dirty="0">
+              <a:solidFill>
+                <a:schemeClr val="bg1"/>
+              </a:solidFill>
             </a:endParaRPr>
           </a:p>
         </p:txBody>
       </p:sp>
-      <p:sp>
-        <p:nvSpPr>
-          <p:cNvPr id="5" name="Text Placeholder 4">
-            <a:extLst>
-              <a:ext uri="{FF2B5EF4-FFF2-40B4-BE49-F238E27FC236}">
-                <a16:creationId xmlns:a16="http://schemas.microsoft.com/office/drawing/2014/main" id="{39D67452-867D-4712-A7F7-324F362EC865}"/>
-              </a:ext>
-            </a:extLst>
-          </p:cNvPr>
-          <p:cNvSpPr>
-            <a:spLocks noGrp="1"/>
-          </p:cNvSpPr>
-          <p:nvPr>
-            <p:ph type="body" idx="1"/>
-          </p:nvPr>
-        </p:nvSpPr>
-        <p:spPr/>
-        <p:txBody>
-          <a:bodyPr/>
+      <p:cxnSp>
+        <p:nvCxnSpPr>
+          <p:cNvPr id="8" name="Straight Arrow Connector 7">
+            <a:extLst>
+              <a:ext uri="{FF2B5EF4-FFF2-40B4-BE49-F238E27FC236}">
+                <a16:creationId xmlns:a16="http://schemas.microsoft.com/office/drawing/2014/main" id="{BA1DDA95-443E-4226-A403-3B5CA9D00EE1}"/>
+              </a:ext>
+            </a:extLst>
+          </p:cNvPr>
+          <p:cNvCxnSpPr>
+            <a:cxnSpLocks/>
+            <a:stCxn id="6" idx="3"/>
+          </p:cNvCxnSpPr>
+          <p:nvPr/>
+        </p:nvCxnSpPr>
+        <p:spPr>
+          <a:xfrm>
+            <a:off x="1463714" y="3669102"/>
+            <a:ext cx="463102" cy="0"/>
+          </a:xfrm>
+          <a:prstGeom prst="straightConnector1">
+            <a:avLst/>
+          </a:prstGeom>
+          <a:ln>
+            <a:solidFill>
+              <a:schemeClr val="accent1">
+                <a:lumMod val="50000"/>
+              </a:schemeClr>
+            </a:solidFill>
+            <a:tailEnd type="triangle"/>
+          </a:ln>
+        </p:spPr>
+        <p:style>
+          <a:lnRef idx="1">
+            <a:schemeClr val="accent1"/>
+          </a:lnRef>
+          <a:fillRef idx="0">
+            <a:schemeClr val="accent1"/>
+          </a:fillRef>
+          <a:effectRef idx="0">
+            <a:schemeClr val="accent1"/>
+          </a:effectRef>
+          <a:fontRef idx="minor">
+            <a:schemeClr val="tx1"/>
+          </a:fontRef>
+        </p:style>
+      </p:cxnSp>
+      <p:sp>
+        <p:nvSpPr>
+          <p:cNvPr id="11" name="TextBox 10">
+            <a:extLst>
+              <a:ext uri="{FF2B5EF4-FFF2-40B4-BE49-F238E27FC236}">
+                <a16:creationId xmlns:a16="http://schemas.microsoft.com/office/drawing/2014/main" id="{E00FDCF6-C18D-47CA-954B-8D366D97ED5E}"/>
+              </a:ext>
+            </a:extLst>
+          </p:cNvPr>
+          <p:cNvSpPr txBox="1"/>
+          <p:nvPr/>
+        </p:nvSpPr>
+        <p:spPr>
+          <a:xfrm>
+            <a:off x="181404" y="3971669"/>
+            <a:ext cx="1316322" cy="461665"/>
+          </a:xfrm>
+          <a:prstGeom prst="rect">
+            <a:avLst/>
+          </a:prstGeom>
+          <a:noFill/>
+        </p:spPr>
+        <p:txBody>
+          <a:bodyPr wrap="none" rtlCol="0">
+            <a:spAutoFit/>
+          </a:bodyPr>
           <a:lstStyle/>
           <a:p>
-            <a:endParaRPr lang="en-US" dirty="0"/>
-          </a:p>
-        </p:txBody>
-      </p:sp>
+            <a:r>
+              <a:rPr lang="de-DE" sz="1200" dirty="0">
+                <a:solidFill>
+                  <a:schemeClr val="bg1"/>
+                </a:solidFill>
+              </a:rPr>
+              <a:t>Einzelne Literatur-</a:t>
+            </a:r>
+          </a:p>
+          <a:p>
+            <a:r>
+              <a:rPr lang="de-DE" sz="1200" dirty="0">
+                <a:solidFill>
+                  <a:schemeClr val="bg1"/>
+                </a:solidFill>
+              </a:rPr>
+              <a:t>„Sammlungen“</a:t>
+            </a:r>
+            <a:endParaRPr lang="en-US" sz="1200" dirty="0">
+              <a:solidFill>
+                <a:schemeClr val="bg1"/>
+              </a:solidFill>
+            </a:endParaRPr>
+          </a:p>
+        </p:txBody>
+      </p:sp>
+      <p:cxnSp>
+        <p:nvCxnSpPr>
+          <p:cNvPr id="12" name="Straight Arrow Connector 11">
+            <a:extLst>
+              <a:ext uri="{FF2B5EF4-FFF2-40B4-BE49-F238E27FC236}">
+                <a16:creationId xmlns:a16="http://schemas.microsoft.com/office/drawing/2014/main" id="{FE41B8CB-F4EB-49B4-807A-78C62DF3E724}"/>
+              </a:ext>
+            </a:extLst>
+          </p:cNvPr>
+          <p:cNvCxnSpPr>
+            <a:cxnSpLocks/>
+            <a:stCxn id="11" idx="3"/>
+            <a:endCxn id="38" idx="1"/>
+          </p:cNvCxnSpPr>
+          <p:nvPr/>
+        </p:nvCxnSpPr>
+        <p:spPr>
+          <a:xfrm flipV="1">
+            <a:off x="1497726" y="4034860"/>
+            <a:ext cx="549898" cy="167642"/>
+          </a:xfrm>
+          <a:prstGeom prst="straightConnector1">
+            <a:avLst/>
+          </a:prstGeom>
+          <a:ln>
+            <a:solidFill>
+              <a:schemeClr val="accent1">
+                <a:lumMod val="50000"/>
+              </a:schemeClr>
+            </a:solidFill>
+            <a:tailEnd type="triangle"/>
+          </a:ln>
+        </p:spPr>
+        <p:style>
+          <a:lnRef idx="1">
+            <a:schemeClr val="accent1"/>
+          </a:lnRef>
+          <a:fillRef idx="0">
+            <a:schemeClr val="accent1"/>
+          </a:fillRef>
+          <a:effectRef idx="0">
+            <a:schemeClr val="accent1"/>
+          </a:effectRef>
+          <a:fontRef idx="minor">
+            <a:schemeClr val="tx1"/>
+          </a:fontRef>
+        </p:style>
+      </p:cxnSp>
+      <p:sp>
+        <p:nvSpPr>
+          <p:cNvPr id="14" name="TextBox 13">
+            <a:extLst>
+              <a:ext uri="{FF2B5EF4-FFF2-40B4-BE49-F238E27FC236}">
+                <a16:creationId xmlns:a16="http://schemas.microsoft.com/office/drawing/2014/main" id="{907A51ED-9735-4CC6-BF51-EC2F76CE58D7}"/>
+              </a:ext>
+            </a:extLst>
+          </p:cNvPr>
+          <p:cNvSpPr txBox="1"/>
+          <p:nvPr/>
+        </p:nvSpPr>
+        <p:spPr>
+          <a:xfrm>
+            <a:off x="167204" y="4849893"/>
+            <a:ext cx="1524906" cy="646331"/>
+          </a:xfrm>
+          <a:prstGeom prst="rect">
+            <a:avLst/>
+          </a:prstGeom>
+          <a:noFill/>
+        </p:spPr>
+        <p:txBody>
+          <a:bodyPr wrap="square" rtlCol="0">
+            <a:spAutoFit/>
+          </a:bodyPr>
+          <a:lstStyle/>
+          <a:p>
+            <a:r>
+              <a:rPr lang="de-DE" sz="1200" dirty="0">
+                <a:solidFill>
+                  <a:schemeClr val="bg1"/>
+                </a:solidFill>
+              </a:rPr>
+              <a:t>Gleiche Aufteilung,</a:t>
+            </a:r>
+          </a:p>
+          <a:p>
+            <a:r>
+              <a:rPr lang="de-DE" sz="1200" dirty="0">
+                <a:solidFill>
+                  <a:schemeClr val="bg1"/>
+                </a:solidFill>
+              </a:rPr>
+              <a:t>Aber online (braucht Zotero Account)</a:t>
+            </a:r>
+            <a:endParaRPr lang="en-US" sz="1200" dirty="0">
+              <a:solidFill>
+                <a:schemeClr val="bg1"/>
+              </a:solidFill>
+            </a:endParaRPr>
+          </a:p>
+        </p:txBody>
+      </p:sp>
+      <p:cxnSp>
+        <p:nvCxnSpPr>
+          <p:cNvPr id="15" name="Straight Arrow Connector 14">
+            <a:extLst>
+              <a:ext uri="{FF2B5EF4-FFF2-40B4-BE49-F238E27FC236}">
+                <a16:creationId xmlns:a16="http://schemas.microsoft.com/office/drawing/2014/main" id="{60D402FA-35E8-435E-82F0-5572C8ADC034}"/>
+              </a:ext>
+            </a:extLst>
+          </p:cNvPr>
+          <p:cNvCxnSpPr>
+            <a:cxnSpLocks/>
+            <a:stCxn id="14" idx="3"/>
+          </p:cNvCxnSpPr>
+          <p:nvPr/>
+        </p:nvCxnSpPr>
+        <p:spPr>
+          <a:xfrm>
+            <a:off x="1692110" y="5173059"/>
+            <a:ext cx="355601" cy="0"/>
+          </a:xfrm>
+          <a:prstGeom prst="straightConnector1">
+            <a:avLst/>
+          </a:prstGeom>
+          <a:ln>
+            <a:solidFill>
+              <a:schemeClr val="accent1">
+                <a:lumMod val="50000"/>
+              </a:schemeClr>
+            </a:solidFill>
+            <a:tailEnd type="triangle"/>
+          </a:ln>
+        </p:spPr>
+        <p:style>
+          <a:lnRef idx="1">
+            <a:schemeClr val="accent1"/>
+          </a:lnRef>
+          <a:fillRef idx="0">
+            <a:schemeClr val="accent1"/>
+          </a:fillRef>
+          <a:effectRef idx="0">
+            <a:schemeClr val="accent1"/>
+          </a:effectRef>
+          <a:fontRef idx="minor">
+            <a:schemeClr val="tx1"/>
+          </a:fontRef>
+        </p:style>
+      </p:cxnSp>
+      <p:sp>
+        <p:nvSpPr>
+          <p:cNvPr id="18" name="TextBox 17">
+            <a:extLst>
+              <a:ext uri="{FF2B5EF4-FFF2-40B4-BE49-F238E27FC236}">
+                <a16:creationId xmlns:a16="http://schemas.microsoft.com/office/drawing/2014/main" id="{7133258D-7895-4F26-8A8A-DB4D55B10984}"/>
+              </a:ext>
+            </a:extLst>
+          </p:cNvPr>
+          <p:cNvSpPr txBox="1"/>
+          <p:nvPr/>
+        </p:nvSpPr>
+        <p:spPr>
+          <a:xfrm>
+            <a:off x="4611189" y="4690459"/>
+            <a:ext cx="3604192" cy="461665"/>
+          </a:xfrm>
+          <a:prstGeom prst="rect">
+            <a:avLst/>
+          </a:prstGeom>
+          <a:noFill/>
+        </p:spPr>
+        <p:txBody>
+          <a:bodyPr wrap="none" rtlCol="0">
+            <a:spAutoFit/>
+          </a:bodyPr>
+          <a:lstStyle/>
+          <a:p>
+            <a:r>
+              <a:rPr lang="de-DE" sz="1200" dirty="0">
+                <a:solidFill>
+                  <a:schemeClr val="bg1"/>
+                </a:solidFill>
+              </a:rPr>
+              <a:t>Übersicht der Literatur in der Ausgewählten Sammlung</a:t>
+            </a:r>
+          </a:p>
+          <a:p>
+            <a:r>
+              <a:rPr lang="de-DE" sz="1200" dirty="0">
+                <a:solidFill>
+                  <a:schemeClr val="bg1"/>
+                </a:solidFill>
+              </a:rPr>
+              <a:t>(hier Statistik Picker, aus Online Library)</a:t>
+            </a:r>
+            <a:endParaRPr lang="en-US" sz="1200" dirty="0">
+              <a:solidFill>
+                <a:schemeClr val="bg1"/>
+              </a:solidFill>
+            </a:endParaRPr>
+          </a:p>
+        </p:txBody>
+      </p:sp>
+      <p:cxnSp>
+        <p:nvCxnSpPr>
+          <p:cNvPr id="19" name="Straight Arrow Connector 18">
+            <a:extLst>
+              <a:ext uri="{FF2B5EF4-FFF2-40B4-BE49-F238E27FC236}">
+                <a16:creationId xmlns:a16="http://schemas.microsoft.com/office/drawing/2014/main" id="{D6DE32DF-9BEF-4CA9-907B-22050A2D0328}"/>
+              </a:ext>
+            </a:extLst>
+          </p:cNvPr>
+          <p:cNvCxnSpPr>
+            <a:cxnSpLocks/>
+            <a:stCxn id="18" idx="0"/>
+          </p:cNvCxnSpPr>
+          <p:nvPr/>
+        </p:nvCxnSpPr>
+        <p:spPr>
+          <a:xfrm flipV="1">
+            <a:off x="6413285" y="4202502"/>
+            <a:ext cx="0" cy="487957"/>
+          </a:xfrm>
+          <a:prstGeom prst="straightConnector1">
+            <a:avLst/>
+          </a:prstGeom>
+          <a:ln>
+            <a:solidFill>
+              <a:schemeClr val="accent1">
+                <a:lumMod val="50000"/>
+              </a:schemeClr>
+            </a:solidFill>
+            <a:tailEnd type="triangle"/>
+          </a:ln>
+        </p:spPr>
+        <p:style>
+          <a:lnRef idx="1">
+            <a:schemeClr val="accent1"/>
+          </a:lnRef>
+          <a:fillRef idx="0">
+            <a:schemeClr val="accent1"/>
+          </a:fillRef>
+          <a:effectRef idx="0">
+            <a:schemeClr val="accent1"/>
+          </a:effectRef>
+          <a:fontRef idx="minor">
+            <a:schemeClr val="tx1"/>
+          </a:fontRef>
+        </p:style>
+      </p:cxnSp>
+      <p:sp>
+        <p:nvSpPr>
+          <p:cNvPr id="22" name="TextBox 21">
+            <a:extLst>
+              <a:ext uri="{FF2B5EF4-FFF2-40B4-BE49-F238E27FC236}">
+                <a16:creationId xmlns:a16="http://schemas.microsoft.com/office/drawing/2014/main" id="{BF0199A6-74A6-4ACD-9DB4-4D8C94D8D39D}"/>
+              </a:ext>
+            </a:extLst>
+          </p:cNvPr>
+          <p:cNvSpPr txBox="1"/>
+          <p:nvPr/>
+        </p:nvSpPr>
+        <p:spPr>
+          <a:xfrm>
+            <a:off x="9875981" y="4711394"/>
+            <a:ext cx="2316019" cy="461665"/>
+          </a:xfrm>
+          <a:prstGeom prst="rect">
+            <a:avLst/>
+          </a:prstGeom>
+          <a:noFill/>
+        </p:spPr>
+        <p:txBody>
+          <a:bodyPr wrap="none" rtlCol="0">
+            <a:spAutoFit/>
+          </a:bodyPr>
+          <a:lstStyle/>
+          <a:p>
+            <a:r>
+              <a:rPr lang="de-DE" sz="1200" dirty="0">
+                <a:solidFill>
+                  <a:schemeClr val="bg1"/>
+                </a:solidFill>
+              </a:rPr>
+              <a:t>Hier sieht man die Übersicht einer</a:t>
+            </a:r>
+          </a:p>
+          <a:p>
+            <a:r>
+              <a:rPr lang="de-DE" sz="1200" dirty="0">
+                <a:solidFill>
+                  <a:schemeClr val="bg1"/>
+                </a:solidFill>
+              </a:rPr>
+              <a:t>Quelle, wenn man sie auswählt</a:t>
+            </a:r>
+            <a:endParaRPr lang="en-US" sz="1200" dirty="0">
+              <a:solidFill>
+                <a:schemeClr val="bg1"/>
+              </a:solidFill>
+            </a:endParaRPr>
+          </a:p>
+        </p:txBody>
+      </p:sp>
+      <p:cxnSp>
+        <p:nvCxnSpPr>
+          <p:cNvPr id="23" name="Straight Arrow Connector 22">
+            <a:extLst>
+              <a:ext uri="{FF2B5EF4-FFF2-40B4-BE49-F238E27FC236}">
+                <a16:creationId xmlns:a16="http://schemas.microsoft.com/office/drawing/2014/main" id="{450AA96F-936B-4D9B-A858-BD6B0C7CA24C}"/>
+              </a:ext>
+            </a:extLst>
+          </p:cNvPr>
+          <p:cNvCxnSpPr>
+            <a:cxnSpLocks/>
+            <a:stCxn id="22" idx="0"/>
+          </p:cNvCxnSpPr>
+          <p:nvPr/>
+        </p:nvCxnSpPr>
+        <p:spPr>
+          <a:xfrm flipV="1">
+            <a:off x="11033991" y="4266510"/>
+            <a:ext cx="100824" cy="444884"/>
+          </a:xfrm>
+          <a:prstGeom prst="straightConnector1">
+            <a:avLst/>
+          </a:prstGeom>
+          <a:ln>
+            <a:solidFill>
+              <a:schemeClr val="accent1">
+                <a:lumMod val="50000"/>
+              </a:schemeClr>
+            </a:solidFill>
+            <a:tailEnd type="triangle"/>
+          </a:ln>
+        </p:spPr>
+        <p:style>
+          <a:lnRef idx="1">
+            <a:schemeClr val="accent1"/>
+          </a:lnRef>
+          <a:fillRef idx="0">
+            <a:schemeClr val="accent1"/>
+          </a:fillRef>
+          <a:effectRef idx="0">
+            <a:schemeClr val="accent1"/>
+          </a:effectRef>
+          <a:fontRef idx="minor">
+            <a:schemeClr val="tx1"/>
+          </a:fontRef>
+        </p:style>
+      </p:cxnSp>
+      <p:sp>
+        <p:nvSpPr>
+          <p:cNvPr id="26" name="TextBox 25">
+            <a:extLst>
+              <a:ext uri="{FF2B5EF4-FFF2-40B4-BE49-F238E27FC236}">
+                <a16:creationId xmlns:a16="http://schemas.microsoft.com/office/drawing/2014/main" id="{960B3750-A413-4474-9775-17CF4FBD57D1}"/>
+              </a:ext>
+            </a:extLst>
+          </p:cNvPr>
+          <p:cNvSpPr txBox="1"/>
+          <p:nvPr/>
+        </p:nvSpPr>
+        <p:spPr>
+          <a:xfrm>
+            <a:off x="2793864" y="2137482"/>
+            <a:ext cx="4797339" cy="461665"/>
+          </a:xfrm>
+          <a:prstGeom prst="rect">
+            <a:avLst/>
+          </a:prstGeom>
+          <a:noFill/>
+        </p:spPr>
+        <p:txBody>
+          <a:bodyPr wrap="none" rtlCol="0">
+            <a:spAutoFit/>
+          </a:bodyPr>
+          <a:lstStyle/>
+          <a:p>
+            <a:r>
+              <a:rPr lang="de-DE" sz="1200" dirty="0">
+                <a:solidFill>
+                  <a:schemeClr val="bg1"/>
+                </a:solidFill>
+              </a:rPr>
+              <a:t>Man kann Paper direkt in Zotero lesen und z.B. wichtige Zitate markieren. </a:t>
+            </a:r>
+          </a:p>
+          <a:p>
+            <a:r>
+              <a:rPr lang="de-DE" sz="1200" dirty="0">
+                <a:solidFill>
+                  <a:schemeClr val="bg1"/>
+                </a:solidFill>
+              </a:rPr>
+              <a:t>Sie gehen dann in einem neuen Tab hier auf.</a:t>
+            </a:r>
+            <a:endParaRPr lang="en-US" sz="1200" dirty="0">
+              <a:solidFill>
+                <a:schemeClr val="bg1"/>
+              </a:solidFill>
+            </a:endParaRPr>
+          </a:p>
+        </p:txBody>
+      </p:sp>
+      <p:cxnSp>
+        <p:nvCxnSpPr>
+          <p:cNvPr id="27" name="Straight Arrow Connector 26">
+            <a:extLst>
+              <a:ext uri="{FF2B5EF4-FFF2-40B4-BE49-F238E27FC236}">
+                <a16:creationId xmlns:a16="http://schemas.microsoft.com/office/drawing/2014/main" id="{A281DE09-2595-49D9-B353-4154226858AD}"/>
+              </a:ext>
+            </a:extLst>
+          </p:cNvPr>
+          <p:cNvCxnSpPr>
+            <a:cxnSpLocks/>
+          </p:cNvCxnSpPr>
+          <p:nvPr/>
+        </p:nvCxnSpPr>
+        <p:spPr>
+          <a:xfrm>
+            <a:off x="4501650" y="2566438"/>
+            <a:ext cx="0" cy="520666"/>
+          </a:xfrm>
+          <a:prstGeom prst="straightConnector1">
+            <a:avLst/>
+          </a:prstGeom>
+          <a:ln>
+            <a:solidFill>
+              <a:schemeClr val="accent1">
+                <a:lumMod val="50000"/>
+              </a:schemeClr>
+            </a:solidFill>
+            <a:tailEnd type="triangle"/>
+          </a:ln>
+        </p:spPr>
+        <p:style>
+          <a:lnRef idx="1">
+            <a:schemeClr val="accent1"/>
+          </a:lnRef>
+          <a:fillRef idx="0">
+            <a:schemeClr val="accent1"/>
+          </a:fillRef>
+          <a:effectRef idx="0">
+            <a:schemeClr val="accent1"/>
+          </a:effectRef>
+          <a:fontRef idx="minor">
+            <a:schemeClr val="tx1"/>
+          </a:fontRef>
+        </p:style>
+      </p:cxnSp>
+      <p:sp>
+        <p:nvSpPr>
+          <p:cNvPr id="31" name="TextBox 30">
+            <a:extLst>
+              <a:ext uri="{FF2B5EF4-FFF2-40B4-BE49-F238E27FC236}">
+                <a16:creationId xmlns:a16="http://schemas.microsoft.com/office/drawing/2014/main" id="{A5C62DB2-2F9D-48AD-AE6F-856E7F95BC11}"/>
+              </a:ext>
+            </a:extLst>
+          </p:cNvPr>
+          <p:cNvSpPr txBox="1"/>
+          <p:nvPr/>
+        </p:nvSpPr>
+        <p:spPr>
+          <a:xfrm>
+            <a:off x="117823" y="2683077"/>
+            <a:ext cx="1691640" cy="461665"/>
+          </a:xfrm>
+          <a:prstGeom prst="rect">
+            <a:avLst/>
+          </a:prstGeom>
+          <a:noFill/>
+        </p:spPr>
+        <p:txBody>
+          <a:bodyPr wrap="square" rtlCol="0">
+            <a:spAutoFit/>
+          </a:bodyPr>
+          <a:lstStyle/>
+          <a:p>
+            <a:r>
+              <a:rPr lang="de-DE" sz="1200" dirty="0">
+                <a:solidFill>
+                  <a:schemeClr val="bg1"/>
+                </a:solidFill>
+              </a:rPr>
+              <a:t>Info, in welcher Samm- lung wir gerade sind</a:t>
+            </a:r>
+            <a:endParaRPr lang="en-US" sz="1200" dirty="0">
+              <a:solidFill>
+                <a:schemeClr val="bg1"/>
+              </a:solidFill>
+            </a:endParaRPr>
+          </a:p>
+        </p:txBody>
+      </p:sp>
+      <p:cxnSp>
+        <p:nvCxnSpPr>
+          <p:cNvPr id="32" name="Straight Arrow Connector 31">
+            <a:extLst>
+              <a:ext uri="{FF2B5EF4-FFF2-40B4-BE49-F238E27FC236}">
+                <a16:creationId xmlns:a16="http://schemas.microsoft.com/office/drawing/2014/main" id="{246A12A6-3354-4A21-A26C-24E58ACB7E8D}"/>
+              </a:ext>
+            </a:extLst>
+          </p:cNvPr>
+          <p:cNvCxnSpPr>
+            <a:cxnSpLocks/>
+          </p:cNvCxnSpPr>
+          <p:nvPr/>
+        </p:nvCxnSpPr>
+        <p:spPr>
+          <a:xfrm>
+            <a:off x="1692110" y="2874319"/>
+            <a:ext cx="391161" cy="0"/>
+          </a:xfrm>
+          <a:prstGeom prst="straightConnector1">
+            <a:avLst/>
+          </a:prstGeom>
+          <a:ln>
+            <a:solidFill>
+              <a:schemeClr val="accent1">
+                <a:lumMod val="50000"/>
+              </a:schemeClr>
+            </a:solidFill>
+            <a:tailEnd type="triangle"/>
+          </a:ln>
+        </p:spPr>
+        <p:style>
+          <a:lnRef idx="1">
+            <a:schemeClr val="accent1"/>
+          </a:lnRef>
+          <a:fillRef idx="0">
+            <a:schemeClr val="accent1"/>
+          </a:fillRef>
+          <a:effectRef idx="0">
+            <a:schemeClr val="accent1"/>
+          </a:effectRef>
+          <a:fontRef idx="minor">
+            <a:schemeClr val="tx1"/>
+          </a:fontRef>
+        </p:style>
+      </p:cxnSp>
+      <p:sp>
+        <p:nvSpPr>
+          <p:cNvPr id="38" name="Left Brace 37">
+            <a:extLst>
+              <a:ext uri="{FF2B5EF4-FFF2-40B4-BE49-F238E27FC236}">
+                <a16:creationId xmlns:a16="http://schemas.microsoft.com/office/drawing/2014/main" id="{1915D67A-3F32-443B-BA76-2280E3F3F0BA}"/>
+              </a:ext>
+            </a:extLst>
+          </p:cNvPr>
+          <p:cNvSpPr/>
+          <p:nvPr/>
+        </p:nvSpPr>
+        <p:spPr>
+          <a:xfrm>
+            <a:off x="2047624" y="3789116"/>
+            <a:ext cx="154303" cy="453385"/>
+          </a:xfrm>
+          <a:prstGeom prst="leftBrace">
+            <a:avLst>
+              <a:gd name="adj1" fmla="val 8333"/>
+              <a:gd name="adj2" fmla="val 54202"/>
+            </a:avLst>
+          </a:prstGeom>
+          <a:ln>
+            <a:solidFill>
+              <a:schemeClr val="accent1">
+                <a:lumMod val="50000"/>
+              </a:schemeClr>
+            </a:solidFill>
+          </a:ln>
+        </p:spPr>
+        <p:style>
+          <a:lnRef idx="1">
+            <a:schemeClr val="accent1"/>
+          </a:lnRef>
+          <a:fillRef idx="0">
+            <a:schemeClr val="accent1"/>
+          </a:fillRef>
+          <a:effectRef idx="0">
+            <a:schemeClr val="accent1"/>
+          </a:effectRef>
+          <a:fontRef idx="minor">
+            <a:schemeClr val="tx1"/>
+          </a:fontRef>
+        </p:style>
+        <p:txBody>
+          <a:bodyPr rtlCol="0" anchor="ctr"/>
+          <a:lstStyle/>
+          <a:p>
+            <a:pPr algn="ctr"/>
+            <a:endParaRPr lang="en-US"/>
+          </a:p>
+        </p:txBody>
+      </p:sp>
+      <p:cxnSp>
+        <p:nvCxnSpPr>
+          <p:cNvPr id="41" name="Straight Arrow Connector 40">
+            <a:extLst>
+              <a:ext uri="{FF2B5EF4-FFF2-40B4-BE49-F238E27FC236}">
+                <a16:creationId xmlns:a16="http://schemas.microsoft.com/office/drawing/2014/main" id="{36ADBBBE-6C3C-4A1E-82DD-A2A7B8ECF856}"/>
+              </a:ext>
+            </a:extLst>
+          </p:cNvPr>
+          <p:cNvCxnSpPr>
+            <a:cxnSpLocks/>
+          </p:cNvCxnSpPr>
+          <p:nvPr/>
+        </p:nvCxnSpPr>
+        <p:spPr>
+          <a:xfrm flipH="1">
+            <a:off x="3973031" y="5086422"/>
+            <a:ext cx="1574800" cy="365760"/>
+          </a:xfrm>
+          <a:prstGeom prst="straightConnector1">
+            <a:avLst/>
+          </a:prstGeom>
+          <a:ln>
+            <a:solidFill>
+              <a:schemeClr val="accent1">
+                <a:lumMod val="50000"/>
+              </a:schemeClr>
+            </a:solidFill>
+            <a:tailEnd type="triangle"/>
+          </a:ln>
+        </p:spPr>
+        <p:style>
+          <a:lnRef idx="1">
+            <a:schemeClr val="accent1"/>
+          </a:lnRef>
+          <a:fillRef idx="0">
+            <a:schemeClr val="accent1"/>
+          </a:fillRef>
+          <a:effectRef idx="0">
+            <a:schemeClr val="accent1"/>
+          </a:effectRef>
+          <a:fontRef idx="minor">
+            <a:schemeClr val="tx1"/>
+          </a:fontRef>
+        </p:style>
+      </p:cxnSp>
     </p:spTree>
     <p:extLst>
       <p:ext uri="{BB962C8B-B14F-4D97-AF65-F5344CB8AC3E}">
-        <p14:creationId xmlns:p14="http://schemas.microsoft.com/office/powerpoint/2010/main" val="3113190329"/>
+        <p14:creationId xmlns:p14="http://schemas.microsoft.com/office/powerpoint/2010/main" val="935891507"/>
       </p:ext>
     </p:extLst>
   </p:cSld>
   <p:clrMapOvr>
     <a:masterClrMapping/>
   </p:clrMapOvr>
+  <p:timing>
+    <p:tnLst>
+      <p:par>
+        <p:cTn id="1" dur="indefinite" restart="never" nodeType="tmRoot">
+          <p:childTnLst>
+            <p:seq concurrent="1" nextAc="seek">
+              <p:cTn id="2" dur="indefinite" nodeType="mainSeq">
+                <p:childTnLst>
+                  <p:par>
+                    <p:cTn id="3" fill="hold">
+                      <p:stCondLst>
+                        <p:cond delay="indefinite"/>
+                      </p:stCondLst>
+                      <p:childTnLst>
+                        <p:par>
+                          <p:cTn id="4" fill="hold">
+                            <p:stCondLst>
+                              <p:cond delay="0"/>
+                            </p:stCondLst>
+                            <p:childTnLst>
+                              <p:par>
+                                <p:cTn id="5" presetID="1" presetClass="entr" presetSubtype="0" fill="hold" grpId="0" nodeType="clickEffect">
+                                  <p:stCondLst>
+                                    <p:cond delay="0"/>
+                                  </p:stCondLst>
+                                  <p:childTnLst>
+                                    <p:set>
+                                      <p:cBhvr>
+                                        <p:cTn id="6" dur="1" fill="hold">
+                                          <p:stCondLst>
+                                            <p:cond delay="0"/>
+                                          </p:stCondLst>
+                                        </p:cTn>
+                                        <p:tgtEl>
+                                          <p:spTgt spid="6"/>
+                                        </p:tgtEl>
+                                        <p:attrNameLst>
+                                          <p:attrName>style.visibility</p:attrName>
+                                        </p:attrNameLst>
+                                      </p:cBhvr>
+                                      <p:to>
+                                        <p:strVal val="visible"/>
+                                      </p:to>
+                                    </p:set>
+                                  </p:childTnLst>
+                                </p:cTn>
+                              </p:par>
+                              <p:par>
+                                <p:cTn id="7" presetID="1" presetClass="entr" presetSubtype="0" fill="hold" nodeType="withEffect">
+                                  <p:stCondLst>
+                                    <p:cond delay="0"/>
+                                  </p:stCondLst>
+                                  <p:childTnLst>
+                                    <p:set>
+                                      <p:cBhvr>
+                                        <p:cTn id="8" dur="1" fill="hold">
+                                          <p:stCondLst>
+                                            <p:cond delay="0"/>
+                                          </p:stCondLst>
+                                        </p:cTn>
+                                        <p:tgtEl>
+                                          <p:spTgt spid="8"/>
+                                        </p:tgtEl>
+                                        <p:attrNameLst>
+                                          <p:attrName>style.visibility</p:attrName>
+                                        </p:attrNameLst>
+                                      </p:cBhvr>
+                                      <p:to>
+                                        <p:strVal val="visible"/>
+                                      </p:to>
+                                    </p:set>
+                                  </p:childTnLst>
+                                </p:cTn>
+                              </p:par>
+                            </p:childTnLst>
+                          </p:cTn>
+                        </p:par>
+                      </p:childTnLst>
+                    </p:cTn>
+                  </p:par>
+                  <p:par>
+                    <p:cTn id="9" fill="hold">
+                      <p:stCondLst>
+                        <p:cond delay="indefinite"/>
+                      </p:stCondLst>
+                      <p:childTnLst>
+                        <p:par>
+                          <p:cTn id="10" fill="hold">
+                            <p:stCondLst>
+                              <p:cond delay="0"/>
+                            </p:stCondLst>
+                            <p:childTnLst>
+                              <p:par>
+                                <p:cTn id="11" presetID="1" presetClass="entr" presetSubtype="0" fill="hold" grpId="0" nodeType="clickEffect">
+                                  <p:stCondLst>
+                                    <p:cond delay="0"/>
+                                  </p:stCondLst>
+                                  <p:childTnLst>
+                                    <p:set>
+                                      <p:cBhvr>
+                                        <p:cTn id="12" dur="1" fill="hold">
+                                          <p:stCondLst>
+                                            <p:cond delay="0"/>
+                                          </p:stCondLst>
+                                        </p:cTn>
+                                        <p:tgtEl>
+                                          <p:spTgt spid="38"/>
+                                        </p:tgtEl>
+                                        <p:attrNameLst>
+                                          <p:attrName>style.visibility</p:attrName>
+                                        </p:attrNameLst>
+                                      </p:cBhvr>
+                                      <p:to>
+                                        <p:strVal val="visible"/>
+                                      </p:to>
+                                    </p:set>
+                                  </p:childTnLst>
+                                </p:cTn>
+                              </p:par>
+                              <p:par>
+                                <p:cTn id="13" presetID="1" presetClass="entr" presetSubtype="0" fill="hold" nodeType="withEffect">
+                                  <p:stCondLst>
+                                    <p:cond delay="0"/>
+                                  </p:stCondLst>
+                                  <p:childTnLst>
+                                    <p:set>
+                                      <p:cBhvr>
+                                        <p:cTn id="14" dur="1" fill="hold">
+                                          <p:stCondLst>
+                                            <p:cond delay="0"/>
+                                          </p:stCondLst>
+                                        </p:cTn>
+                                        <p:tgtEl>
+                                          <p:spTgt spid="12"/>
+                                        </p:tgtEl>
+                                        <p:attrNameLst>
+                                          <p:attrName>style.visibility</p:attrName>
+                                        </p:attrNameLst>
+                                      </p:cBhvr>
+                                      <p:to>
+                                        <p:strVal val="visible"/>
+                                      </p:to>
+                                    </p:set>
+                                  </p:childTnLst>
+                                </p:cTn>
+                              </p:par>
+                              <p:par>
+                                <p:cTn id="15" presetID="1" presetClass="entr" presetSubtype="0" fill="hold" grpId="0" nodeType="withEffect">
+                                  <p:stCondLst>
+                                    <p:cond delay="0"/>
+                                  </p:stCondLst>
+                                  <p:childTnLst>
+                                    <p:set>
+                                      <p:cBhvr>
+                                        <p:cTn id="16" dur="1" fill="hold">
+                                          <p:stCondLst>
+                                            <p:cond delay="0"/>
+                                          </p:stCondLst>
+                                        </p:cTn>
+                                        <p:tgtEl>
+                                          <p:spTgt spid="11"/>
+                                        </p:tgtEl>
+                                        <p:attrNameLst>
+                                          <p:attrName>style.visibility</p:attrName>
+                                        </p:attrNameLst>
+                                      </p:cBhvr>
+                                      <p:to>
+                                        <p:strVal val="visible"/>
+                                      </p:to>
+                                    </p:set>
+                                  </p:childTnLst>
+                                </p:cTn>
+                              </p:par>
+                            </p:childTnLst>
+                          </p:cTn>
+                        </p:par>
+                      </p:childTnLst>
+                    </p:cTn>
+                  </p:par>
+                  <p:par>
+                    <p:cTn id="17" fill="hold">
+                      <p:stCondLst>
+                        <p:cond delay="indefinite"/>
+                      </p:stCondLst>
+                      <p:childTnLst>
+                        <p:par>
+                          <p:cTn id="18" fill="hold">
+                            <p:stCondLst>
+                              <p:cond delay="0"/>
+                            </p:stCondLst>
+                            <p:childTnLst>
+                              <p:par>
+                                <p:cTn id="19" presetID="1" presetClass="entr" presetSubtype="0" fill="hold" grpId="0" nodeType="clickEffect">
+                                  <p:stCondLst>
+                                    <p:cond delay="0"/>
+                                  </p:stCondLst>
+                                  <p:childTnLst>
+                                    <p:set>
+                                      <p:cBhvr>
+                                        <p:cTn id="20" dur="1" fill="hold">
+                                          <p:stCondLst>
+                                            <p:cond delay="0"/>
+                                          </p:stCondLst>
+                                        </p:cTn>
+                                        <p:tgtEl>
+                                          <p:spTgt spid="14"/>
+                                        </p:tgtEl>
+                                        <p:attrNameLst>
+                                          <p:attrName>style.visibility</p:attrName>
+                                        </p:attrNameLst>
+                                      </p:cBhvr>
+                                      <p:to>
+                                        <p:strVal val="visible"/>
+                                      </p:to>
+                                    </p:set>
+                                  </p:childTnLst>
+                                </p:cTn>
+                              </p:par>
+                              <p:par>
+                                <p:cTn id="21" presetID="1" presetClass="entr" presetSubtype="0" fill="hold" nodeType="withEffect">
+                                  <p:stCondLst>
+                                    <p:cond delay="0"/>
+                                  </p:stCondLst>
+                                  <p:childTnLst>
+                                    <p:set>
+                                      <p:cBhvr>
+                                        <p:cTn id="22" dur="1" fill="hold">
+                                          <p:stCondLst>
+                                            <p:cond delay="0"/>
+                                          </p:stCondLst>
+                                        </p:cTn>
+                                        <p:tgtEl>
+                                          <p:spTgt spid="15"/>
+                                        </p:tgtEl>
+                                        <p:attrNameLst>
+                                          <p:attrName>style.visibility</p:attrName>
+                                        </p:attrNameLst>
+                                      </p:cBhvr>
+                                      <p:to>
+                                        <p:strVal val="visible"/>
+                                      </p:to>
+                                    </p:set>
+                                  </p:childTnLst>
+                                </p:cTn>
+                              </p:par>
+                            </p:childTnLst>
+                          </p:cTn>
+                        </p:par>
+                      </p:childTnLst>
+                    </p:cTn>
+                  </p:par>
+                  <p:par>
+                    <p:cTn id="23" fill="hold">
+                      <p:stCondLst>
+                        <p:cond delay="indefinite"/>
+                      </p:stCondLst>
+                      <p:childTnLst>
+                        <p:par>
+                          <p:cTn id="24" fill="hold">
+                            <p:stCondLst>
+                              <p:cond delay="0"/>
+                            </p:stCondLst>
+                            <p:childTnLst>
+                              <p:par>
+                                <p:cTn id="25" presetID="1" presetClass="entr" presetSubtype="0" fill="hold" nodeType="clickEffect">
+                                  <p:stCondLst>
+                                    <p:cond delay="0"/>
+                                  </p:stCondLst>
+                                  <p:childTnLst>
+                                    <p:set>
+                                      <p:cBhvr>
+                                        <p:cTn id="26" dur="1" fill="hold">
+                                          <p:stCondLst>
+                                            <p:cond delay="0"/>
+                                          </p:stCondLst>
+                                        </p:cTn>
+                                        <p:tgtEl>
+                                          <p:spTgt spid="19"/>
+                                        </p:tgtEl>
+                                        <p:attrNameLst>
+                                          <p:attrName>style.visibility</p:attrName>
+                                        </p:attrNameLst>
+                                      </p:cBhvr>
+                                      <p:to>
+                                        <p:strVal val="visible"/>
+                                      </p:to>
+                                    </p:set>
+                                  </p:childTnLst>
+                                </p:cTn>
+                              </p:par>
+                              <p:par>
+                                <p:cTn id="27" presetID="1" presetClass="entr" presetSubtype="0" fill="hold" grpId="0" nodeType="withEffect">
+                                  <p:stCondLst>
+                                    <p:cond delay="0"/>
+                                  </p:stCondLst>
+                                  <p:childTnLst>
+                                    <p:set>
+                                      <p:cBhvr>
+                                        <p:cTn id="28" dur="1" fill="hold">
+                                          <p:stCondLst>
+                                            <p:cond delay="0"/>
+                                          </p:stCondLst>
+                                        </p:cTn>
+                                        <p:tgtEl>
+                                          <p:spTgt spid="18"/>
+                                        </p:tgtEl>
+                                        <p:attrNameLst>
+                                          <p:attrName>style.visibility</p:attrName>
+                                        </p:attrNameLst>
+                                      </p:cBhvr>
+                                      <p:to>
+                                        <p:strVal val="visible"/>
+                                      </p:to>
+                                    </p:set>
+                                  </p:childTnLst>
+                                </p:cTn>
+                              </p:par>
+                            </p:childTnLst>
+                          </p:cTn>
+                        </p:par>
+                      </p:childTnLst>
+                    </p:cTn>
+                  </p:par>
+                  <p:par>
+                    <p:cTn id="29" fill="hold">
+                      <p:stCondLst>
+                        <p:cond delay="indefinite"/>
+                      </p:stCondLst>
+                      <p:childTnLst>
+                        <p:par>
+                          <p:cTn id="30" fill="hold">
+                            <p:stCondLst>
+                              <p:cond delay="0"/>
+                            </p:stCondLst>
+                            <p:childTnLst>
+                              <p:par>
+                                <p:cTn id="31" presetID="1" presetClass="entr" presetSubtype="0" fill="hold" nodeType="clickEffect">
+                                  <p:stCondLst>
+                                    <p:cond delay="0"/>
+                                  </p:stCondLst>
+                                  <p:childTnLst>
+                                    <p:set>
+                                      <p:cBhvr>
+                                        <p:cTn id="32" dur="1" fill="hold">
+                                          <p:stCondLst>
+                                            <p:cond delay="0"/>
+                                          </p:stCondLst>
+                                        </p:cTn>
+                                        <p:tgtEl>
+                                          <p:spTgt spid="41"/>
+                                        </p:tgtEl>
+                                        <p:attrNameLst>
+                                          <p:attrName>style.visibility</p:attrName>
+                                        </p:attrNameLst>
+                                      </p:cBhvr>
+                                      <p:to>
+                                        <p:strVal val="visible"/>
+                                      </p:to>
+                                    </p:set>
+                                  </p:childTnLst>
+                                </p:cTn>
+                              </p:par>
+                              <p:par>
+                                <p:cTn id="33" presetID="1" presetClass="entr" presetSubtype="0" fill="hold" grpId="0" nodeType="withEffect">
+                                  <p:stCondLst>
+                                    <p:cond delay="0"/>
+                                  </p:stCondLst>
+                                  <p:childTnLst>
+                                    <p:set>
+                                      <p:cBhvr>
+                                        <p:cTn id="34" dur="1" fill="hold">
+                                          <p:stCondLst>
+                                            <p:cond delay="0"/>
+                                          </p:stCondLst>
+                                        </p:cTn>
+                                        <p:tgtEl>
+                                          <p:spTgt spid="31"/>
+                                        </p:tgtEl>
+                                        <p:attrNameLst>
+                                          <p:attrName>style.visibility</p:attrName>
+                                        </p:attrNameLst>
+                                      </p:cBhvr>
+                                      <p:to>
+                                        <p:strVal val="visible"/>
+                                      </p:to>
+                                    </p:set>
+                                  </p:childTnLst>
+                                </p:cTn>
+                              </p:par>
+                              <p:par>
+                                <p:cTn id="35" presetID="1" presetClass="entr" presetSubtype="0" fill="hold" nodeType="withEffect">
+                                  <p:stCondLst>
+                                    <p:cond delay="0"/>
+                                  </p:stCondLst>
+                                  <p:childTnLst>
+                                    <p:set>
+                                      <p:cBhvr>
+                                        <p:cTn id="36" dur="1" fill="hold">
+                                          <p:stCondLst>
+                                            <p:cond delay="0"/>
+                                          </p:stCondLst>
+                                        </p:cTn>
+                                        <p:tgtEl>
+                                          <p:spTgt spid="32"/>
+                                        </p:tgtEl>
+                                        <p:attrNameLst>
+                                          <p:attrName>style.visibility</p:attrName>
+                                        </p:attrNameLst>
+                                      </p:cBhvr>
+                                      <p:to>
+                                        <p:strVal val="visible"/>
+                                      </p:to>
+                                    </p:set>
+                                  </p:childTnLst>
+                                </p:cTn>
+                              </p:par>
+                            </p:childTnLst>
+                          </p:cTn>
+                        </p:par>
+                      </p:childTnLst>
+                    </p:cTn>
+                  </p:par>
+                  <p:par>
+                    <p:cTn id="37" fill="hold">
+                      <p:stCondLst>
+                        <p:cond delay="indefinite"/>
+                      </p:stCondLst>
+                      <p:childTnLst>
+                        <p:par>
+                          <p:cTn id="38" fill="hold">
+                            <p:stCondLst>
+                              <p:cond delay="0"/>
+                            </p:stCondLst>
+                            <p:childTnLst>
+                              <p:par>
+                                <p:cTn id="39" presetID="1" presetClass="entr" presetSubtype="0" fill="hold" nodeType="clickEffect">
+                                  <p:stCondLst>
+                                    <p:cond delay="0"/>
+                                  </p:stCondLst>
+                                  <p:childTnLst>
+                                    <p:set>
+                                      <p:cBhvr>
+                                        <p:cTn id="40" dur="1" fill="hold">
+                                          <p:stCondLst>
+                                            <p:cond delay="0"/>
+                                          </p:stCondLst>
+                                        </p:cTn>
+                                        <p:tgtEl>
+                                          <p:spTgt spid="23"/>
+                                        </p:tgtEl>
+                                        <p:attrNameLst>
+                                          <p:attrName>style.visibility</p:attrName>
+                                        </p:attrNameLst>
+                                      </p:cBhvr>
+                                      <p:to>
+                                        <p:strVal val="visible"/>
+                                      </p:to>
+                                    </p:set>
+                                  </p:childTnLst>
+                                </p:cTn>
+                              </p:par>
+                              <p:par>
+                                <p:cTn id="41" presetID="1" presetClass="entr" presetSubtype="0" fill="hold" grpId="0" nodeType="withEffect">
+                                  <p:stCondLst>
+                                    <p:cond delay="0"/>
+                                  </p:stCondLst>
+                                  <p:childTnLst>
+                                    <p:set>
+                                      <p:cBhvr>
+                                        <p:cTn id="42" dur="1" fill="hold">
+                                          <p:stCondLst>
+                                            <p:cond delay="0"/>
+                                          </p:stCondLst>
+                                        </p:cTn>
+                                        <p:tgtEl>
+                                          <p:spTgt spid="22"/>
+                                        </p:tgtEl>
+                                        <p:attrNameLst>
+                                          <p:attrName>style.visibility</p:attrName>
+                                        </p:attrNameLst>
+                                      </p:cBhvr>
+                                      <p:to>
+                                        <p:strVal val="visible"/>
+                                      </p:to>
+                                    </p:set>
+                                  </p:childTnLst>
+                                </p:cTn>
+                              </p:par>
+                            </p:childTnLst>
+                          </p:cTn>
+                        </p:par>
+                      </p:childTnLst>
+                    </p:cTn>
+                  </p:par>
+                  <p:par>
+                    <p:cTn id="43" fill="hold">
+                      <p:stCondLst>
+                        <p:cond delay="indefinite"/>
+                      </p:stCondLst>
+                      <p:childTnLst>
+                        <p:par>
+                          <p:cTn id="44" fill="hold">
+                            <p:stCondLst>
+                              <p:cond delay="0"/>
+                            </p:stCondLst>
+                            <p:childTnLst>
+                              <p:par>
+                                <p:cTn id="45" presetID="1" presetClass="entr" presetSubtype="0" fill="hold" grpId="0" nodeType="clickEffect">
+                                  <p:stCondLst>
+                                    <p:cond delay="0"/>
+                                  </p:stCondLst>
+                                  <p:childTnLst>
+                                    <p:set>
+                                      <p:cBhvr>
+                                        <p:cTn id="46" dur="1" fill="hold">
+                                          <p:stCondLst>
+                                            <p:cond delay="0"/>
+                                          </p:stCondLst>
+                                        </p:cTn>
+                                        <p:tgtEl>
+                                          <p:spTgt spid="26"/>
+                                        </p:tgtEl>
+                                        <p:attrNameLst>
+                                          <p:attrName>style.visibility</p:attrName>
+                                        </p:attrNameLst>
+                                      </p:cBhvr>
+                                      <p:to>
+                                        <p:strVal val="visible"/>
+                                      </p:to>
+                                    </p:set>
+                                  </p:childTnLst>
+                                </p:cTn>
+                              </p:par>
+                              <p:par>
+                                <p:cTn id="47" presetID="1" presetClass="entr" presetSubtype="0" fill="hold" nodeType="withEffect">
+                                  <p:stCondLst>
+                                    <p:cond delay="0"/>
+                                  </p:stCondLst>
+                                  <p:childTnLst>
+                                    <p:set>
+                                      <p:cBhvr>
+                                        <p:cTn id="48" dur="1" fill="hold">
+                                          <p:stCondLst>
+                                            <p:cond delay="0"/>
+                                          </p:stCondLst>
+                                        </p:cTn>
+                                        <p:tgtEl>
+                                          <p:spTgt spid="27"/>
+                                        </p:tgtEl>
+                                        <p:attrNameLst>
+                                          <p:attrName>style.visibility</p:attrName>
+                                        </p:attrNameLst>
+                                      </p:cBhvr>
+                                      <p:to>
+                                        <p:strVal val="visible"/>
+                                      </p:to>
+                                    </p:set>
+                                  </p:childTnLst>
+                                </p:cTn>
+                              </p:par>
+                            </p:childTnLst>
+                          </p:cTn>
+                        </p:par>
+                      </p:childTnLst>
+                    </p:cTn>
+                  </p:par>
+                </p:childTnLst>
+              </p:cTn>
+              <p:prevCondLst>
+                <p:cond evt="onPrev" delay="0">
+                  <p:tgtEl>
+                    <p:sldTgt/>
+                  </p:tgtEl>
+                </p:cond>
+              </p:prevCondLst>
+              <p:nextCondLst>
+                <p:cond evt="onNext" delay="0">
+                  <p:tgtEl>
+                    <p:sldTgt/>
+                  </p:tgtEl>
+                </p:cond>
+              </p:nextCondLst>
+            </p:seq>
+          </p:childTnLst>
+        </p:cTn>
+      </p:par>
+    </p:tnLst>
+    <p:bldLst>
+      <p:bldP spid="6" grpId="0"/>
+      <p:bldP spid="11" grpId="0"/>
+      <p:bldP spid="14" grpId="0"/>
+      <p:bldP spid="18" grpId="0"/>
+      <p:bldP spid="22" grpId="0"/>
+      <p:bldP spid="26" grpId="0"/>
+      <p:bldP spid="31" grpId="0"/>
+      <p:bldP spid="38" grpId="0" animBg="1"/>
+    </p:bldLst>
+  </p:timing>
 </p:sld>
 </file>
 
@@ -5189,10 +9462,127 @@
       </p:grpSpPr>
       <p:sp>
         <p:nvSpPr>
-          <p:cNvPr id="7" name="Title 6">
-            <a:extLst>
-              <a:ext uri="{FF2B5EF4-FFF2-40B4-BE49-F238E27FC236}">
-                <a16:creationId xmlns:a16="http://schemas.microsoft.com/office/drawing/2014/main" id="{62BF656A-A100-4CAB-83FD-812D45890683}"/>
+          <p:cNvPr id="6" name="Content Placeholder 5">
+            <a:extLst>
+              <a:ext uri="{FF2B5EF4-FFF2-40B4-BE49-F238E27FC236}">
+                <a16:creationId xmlns:a16="http://schemas.microsoft.com/office/drawing/2014/main" id="{DBAC5981-C088-47F0-84D4-11D860442F28}"/>
+              </a:ext>
+            </a:extLst>
+          </p:cNvPr>
+          <p:cNvSpPr>
+            <a:spLocks noGrp="1"/>
+          </p:cNvSpPr>
+          <p:nvPr>
+            <p:ph idx="1"/>
+          </p:nvPr>
+        </p:nvSpPr>
+        <p:spPr>
+          <a:xfrm>
+            <a:off x="6911789" y="2011680"/>
+            <a:ext cx="4885765" cy="848061"/>
+          </a:xfrm>
+          <a:prstGeom prst="roundRect">
+            <a:avLst/>
+          </a:prstGeom>
+          <a:ln w="28575">
+            <a:solidFill>
+              <a:schemeClr val="accent6">
+                <a:lumMod val="60000"/>
+                <a:lumOff val="40000"/>
+              </a:schemeClr>
+            </a:solidFill>
+          </a:ln>
+        </p:spPr>
+        <p:txBody>
+          <a:bodyPr>
+            <a:normAutofit lnSpcReduction="10000"/>
+          </a:bodyPr>
+          <a:lstStyle/>
+          <a:p>
+            <a:pPr marL="0" indent="0">
+              <a:buNone/>
+            </a:pPr>
+            <a:r>
+              <a:rPr lang="de-DE" sz="1800" dirty="0"/>
+              <a:t>Bitte immer kontrollieren!</a:t>
+            </a:r>
+            <a:br>
+              <a:rPr lang="en-US" sz="1800" dirty="0"/>
+            </a:br>
+            <a:r>
+              <a:rPr lang="en-US" sz="1800" dirty="0" err="1"/>
+              <a:t>Meist</a:t>
+            </a:r>
+            <a:r>
+              <a:rPr lang="en-US" sz="1800" dirty="0"/>
+              <a:t> </a:t>
+            </a:r>
+            <a:r>
+              <a:rPr lang="en-US" sz="1800" dirty="0" err="1"/>
+              <a:t>lassen</a:t>
+            </a:r>
+            <a:r>
+              <a:rPr lang="en-US" sz="1800" dirty="0"/>
+              <a:t> </a:t>
+            </a:r>
+            <a:r>
+              <a:rPr lang="en-US" sz="1800" dirty="0" err="1"/>
+              <a:t>wir</a:t>
+            </a:r>
+            <a:r>
+              <a:rPr lang="en-US" sz="1800" dirty="0"/>
+              <a:t> Zotero die Quelle </a:t>
+            </a:r>
+            <a:r>
+              <a:rPr lang="en-US" sz="1800" dirty="0" err="1"/>
+              <a:t>automatisch</a:t>
+            </a:r>
+            <a:r>
+              <a:rPr lang="en-US" sz="1800" dirty="0"/>
+              <a:t> </a:t>
+            </a:r>
+            <a:r>
+              <a:rPr lang="en-US" sz="1800" dirty="0" err="1"/>
+              <a:t>erstellen</a:t>
+            </a:r>
+            <a:r>
+              <a:rPr lang="en-US" sz="1800" dirty="0"/>
+              <a:t>, </a:t>
+            </a:r>
+            <a:r>
+              <a:rPr lang="en-US" sz="1800" dirty="0" err="1"/>
+              <a:t>aber</a:t>
+            </a:r>
+            <a:r>
+              <a:rPr lang="en-US" sz="1800" dirty="0"/>
+              <a:t> </a:t>
+            </a:r>
+            <a:r>
+              <a:rPr lang="en-US" sz="1800" dirty="0" err="1"/>
+              <a:t>pobody’s</a:t>
+            </a:r>
+            <a:r>
+              <a:rPr lang="en-US" sz="1800" dirty="0"/>
+              <a:t> </a:t>
+            </a:r>
+            <a:r>
+              <a:rPr lang="en-US" sz="1800" dirty="0" err="1"/>
+              <a:t>nerfect</a:t>
+            </a:r>
+            <a:r>
+              <a:rPr lang="en-US" sz="1800" dirty="0"/>
+              <a:t>!!!</a:t>
+            </a:r>
+            <a:endParaRPr lang="de-DE" sz="1800" dirty="0"/>
+          </a:p>
+        </p:txBody>
+      </p:sp>
+      <p:sp>
+        <p:nvSpPr>
+          <p:cNvPr id="2" name="Title 1">
+            <a:extLst>
+              <a:ext uri="{FF2B5EF4-FFF2-40B4-BE49-F238E27FC236}">
+                <a16:creationId xmlns:a16="http://schemas.microsoft.com/office/drawing/2014/main" id="{0E9C0141-3BAD-4686-83C9-FC3E09064B6C}"/>
               </a:ext>
             </a:extLst>
           </p:cNvPr>
@@ -5210,7 +9600,7 @@
           <a:p>
             <a:r>
               <a:rPr lang="de-DE" dirty="0"/>
-              <a:t>Fragen</a:t>
+              <a:t>Zotero</a:t>
             </a:r>
             <a:endParaRPr lang="en-US" dirty="0"/>
           </a:p>
@@ -5218,10 +9608,10 @@
       </p:sp>
       <p:sp>
         <p:nvSpPr>
-          <p:cNvPr id="8" name="Content Placeholder 7">
-            <a:extLst>
-              <a:ext uri="{FF2B5EF4-FFF2-40B4-BE49-F238E27FC236}">
-                <a16:creationId xmlns:a16="http://schemas.microsoft.com/office/drawing/2014/main" id="{C35BA6D9-899B-4D65-B8AD-ADC6C46C6946}"/>
+          <p:cNvPr id="7" name="Text Placeholder 6">
+            <a:extLst>
+              <a:ext uri="{FF2B5EF4-FFF2-40B4-BE49-F238E27FC236}">
+                <a16:creationId xmlns:a16="http://schemas.microsoft.com/office/drawing/2014/main" id="{F0B23C0B-5DBF-44A0-AFB1-9C1B42C320AD}"/>
               </a:ext>
             </a:extLst>
           </p:cNvPr>
@@ -5229,7 +9619,7 @@
             <a:spLocks noGrp="1"/>
           </p:cNvSpPr>
           <p:nvPr>
-            <p:ph idx="1"/>
+            <p:ph type="body" sz="quarter" idx="13"/>
           </p:nvPr>
         </p:nvSpPr>
         <p:spPr/>
@@ -5239,43 +9629,1201 @@
           <a:p>
             <a:r>
               <a:rPr lang="de-DE" dirty="0"/>
-              <a:t>Wo suchen?</a:t>
-            </a:r>
-          </a:p>
-          <a:p>
-            <a:r>
-              <a:rPr lang="de-DE" dirty="0"/>
-              <a:t>Was suchen?</a:t>
-            </a:r>
-          </a:p>
-          <a:p>
-            <a:r>
-              <a:rPr lang="de-DE" dirty="0"/>
-              <a:t>Wie suchen?</a:t>
-            </a:r>
-          </a:p>
-          <a:p>
-            <a:endParaRPr lang="de-DE" dirty="0"/>
-          </a:p>
-          <a:p>
-            <a:r>
-              <a:rPr lang="de-DE" dirty="0"/>
-              <a:t>Wie &amp; was davon dokumentieren?</a:t>
+              <a:t>Einzelne Quelle</a:t>
             </a:r>
             <a:endParaRPr lang="en-US" dirty="0"/>
+          </a:p>
+        </p:txBody>
+      </p:sp>
+      <p:pic>
+        <p:nvPicPr>
+          <p:cNvPr id="5" name="Picture 4">
+            <a:extLst>
+              <a:ext uri="{FF2B5EF4-FFF2-40B4-BE49-F238E27FC236}">
+                <a16:creationId xmlns:a16="http://schemas.microsoft.com/office/drawing/2014/main" id="{11D3CD83-89D4-4541-9611-C66C0C615895}"/>
+              </a:ext>
+            </a:extLst>
+          </p:cNvPr>
+          <p:cNvPicPr>
+            <a:picLocks noChangeAspect="1"/>
+          </p:cNvPicPr>
+          <p:nvPr/>
+        </p:nvPicPr>
+        <p:blipFill>
+          <a:blip r:embed="rId2"/>
+          <a:stretch>
+            <a:fillRect/>
+          </a:stretch>
+        </p:blipFill>
+        <p:spPr>
+          <a:xfrm>
+            <a:off x="270476" y="2011680"/>
+            <a:ext cx="6273798" cy="4704079"/>
+          </a:xfrm>
+          <a:prstGeom prst="rect">
+            <a:avLst/>
+          </a:prstGeom>
+        </p:spPr>
+      </p:pic>
+      <p:sp>
+        <p:nvSpPr>
+          <p:cNvPr id="8" name="TextBox 7">
+            <a:extLst>
+              <a:ext uri="{FF2B5EF4-FFF2-40B4-BE49-F238E27FC236}">
+                <a16:creationId xmlns:a16="http://schemas.microsoft.com/office/drawing/2014/main" id="{EFBBCACA-0FCF-4E55-A6D7-4F146E89B35A}"/>
+              </a:ext>
+            </a:extLst>
+          </p:cNvPr>
+          <p:cNvSpPr txBox="1"/>
+          <p:nvPr/>
+        </p:nvSpPr>
+        <p:spPr>
+          <a:xfrm>
+            <a:off x="7320280" y="2939985"/>
+            <a:ext cx="3793667" cy="276999"/>
+          </a:xfrm>
+          <a:prstGeom prst="rect">
+            <a:avLst/>
+          </a:prstGeom>
+          <a:noFill/>
+        </p:spPr>
+        <p:txBody>
+          <a:bodyPr wrap="none" rtlCol="0">
+            <a:spAutoFit/>
+          </a:bodyPr>
+          <a:lstStyle/>
+          <a:p>
+            <a:r>
+              <a:rPr lang="de-DE" sz="1200" dirty="0">
+                <a:solidFill>
+                  <a:schemeClr val="bg1"/>
+                </a:solidFill>
+              </a:rPr>
+              <a:t>z.B. Journal Article (Paper), Buch oder auch Internetquelle</a:t>
+            </a:r>
+            <a:endParaRPr lang="en-US" sz="1200" dirty="0">
+              <a:solidFill>
+                <a:schemeClr val="bg1"/>
+              </a:solidFill>
+            </a:endParaRPr>
+          </a:p>
+        </p:txBody>
+      </p:sp>
+      <p:cxnSp>
+        <p:nvCxnSpPr>
+          <p:cNvPr id="9" name="Straight Arrow Connector 8">
+            <a:extLst>
+              <a:ext uri="{FF2B5EF4-FFF2-40B4-BE49-F238E27FC236}">
+                <a16:creationId xmlns:a16="http://schemas.microsoft.com/office/drawing/2014/main" id="{7D8C4FEB-51E2-46F1-AD91-B75646BB04E2}"/>
+              </a:ext>
+            </a:extLst>
+          </p:cNvPr>
+          <p:cNvCxnSpPr>
+            <a:cxnSpLocks/>
+            <a:stCxn id="8" idx="1"/>
+          </p:cNvCxnSpPr>
+          <p:nvPr/>
+        </p:nvCxnSpPr>
+        <p:spPr>
+          <a:xfrm flipH="1" flipV="1">
+            <a:off x="5212082" y="3064847"/>
+            <a:ext cx="2108198" cy="13638"/>
+          </a:xfrm>
+          <a:prstGeom prst="straightConnector1">
+            <a:avLst/>
+          </a:prstGeom>
+          <a:ln>
+            <a:solidFill>
+              <a:schemeClr val="accent1">
+                <a:lumMod val="50000"/>
+              </a:schemeClr>
+            </a:solidFill>
+            <a:tailEnd type="triangle"/>
+          </a:ln>
+        </p:spPr>
+        <p:style>
+          <a:lnRef idx="1">
+            <a:schemeClr val="accent1"/>
+          </a:lnRef>
+          <a:fillRef idx="0">
+            <a:schemeClr val="accent1"/>
+          </a:fillRef>
+          <a:effectRef idx="0">
+            <a:schemeClr val="accent1"/>
+          </a:effectRef>
+          <a:fontRef idx="minor">
+            <a:schemeClr val="tx1"/>
+          </a:fontRef>
+        </p:style>
+      </p:cxnSp>
+      <p:sp>
+        <p:nvSpPr>
+          <p:cNvPr id="12" name="TextBox 11">
+            <a:extLst>
+              <a:ext uri="{FF2B5EF4-FFF2-40B4-BE49-F238E27FC236}">
+                <a16:creationId xmlns:a16="http://schemas.microsoft.com/office/drawing/2014/main" id="{A9977528-4698-4468-919F-84F93B5D605A}"/>
+              </a:ext>
+            </a:extLst>
+          </p:cNvPr>
+          <p:cNvSpPr txBox="1"/>
+          <p:nvPr/>
+        </p:nvSpPr>
+        <p:spPr>
+          <a:xfrm>
+            <a:off x="6911789" y="3384338"/>
+            <a:ext cx="2981585" cy="276999"/>
+          </a:xfrm>
+          <a:prstGeom prst="rect">
+            <a:avLst/>
+          </a:prstGeom>
+          <a:noFill/>
+        </p:spPr>
+        <p:txBody>
+          <a:bodyPr wrap="none" rtlCol="0">
+            <a:spAutoFit/>
+          </a:bodyPr>
+          <a:lstStyle/>
+          <a:p>
+            <a:r>
+              <a:rPr lang="de-DE" sz="1200" dirty="0">
+                <a:solidFill>
+                  <a:schemeClr val="bg1"/>
+                </a:solidFill>
+              </a:rPr>
+              <a:t>Hierüber lassen sich Autor*innen hinzufügen</a:t>
+            </a:r>
+            <a:endParaRPr lang="en-US" sz="1200" dirty="0">
+              <a:solidFill>
+                <a:schemeClr val="bg1"/>
+              </a:solidFill>
+            </a:endParaRPr>
+          </a:p>
+        </p:txBody>
+      </p:sp>
+      <p:cxnSp>
+        <p:nvCxnSpPr>
+          <p:cNvPr id="13" name="Straight Arrow Connector 12">
+            <a:extLst>
+              <a:ext uri="{FF2B5EF4-FFF2-40B4-BE49-F238E27FC236}">
+                <a16:creationId xmlns:a16="http://schemas.microsoft.com/office/drawing/2014/main" id="{31BFB6D7-455D-453A-BDD9-1D3C658703F8}"/>
+              </a:ext>
+            </a:extLst>
+          </p:cNvPr>
+          <p:cNvCxnSpPr>
+            <a:cxnSpLocks/>
+            <a:stCxn id="12" idx="1"/>
+          </p:cNvCxnSpPr>
+          <p:nvPr/>
+        </p:nvCxnSpPr>
+        <p:spPr>
+          <a:xfrm flipH="1">
+            <a:off x="6421123" y="3522838"/>
+            <a:ext cx="490666" cy="2998"/>
+          </a:xfrm>
+          <a:prstGeom prst="straightConnector1">
+            <a:avLst/>
+          </a:prstGeom>
+          <a:ln>
+            <a:solidFill>
+              <a:schemeClr val="accent1">
+                <a:lumMod val="50000"/>
+              </a:schemeClr>
+            </a:solidFill>
+            <a:tailEnd type="triangle"/>
+          </a:ln>
+        </p:spPr>
+        <p:style>
+          <a:lnRef idx="1">
+            <a:schemeClr val="accent1"/>
+          </a:lnRef>
+          <a:fillRef idx="0">
+            <a:schemeClr val="accent1"/>
+          </a:fillRef>
+          <a:effectRef idx="0">
+            <a:schemeClr val="accent1"/>
+          </a:effectRef>
+          <a:fontRef idx="minor">
+            <a:schemeClr val="tx1"/>
+          </a:fontRef>
+        </p:style>
+      </p:cxnSp>
+      <p:sp>
+        <p:nvSpPr>
+          <p:cNvPr id="17" name="Right Brace 16">
+            <a:extLst>
+              <a:ext uri="{FF2B5EF4-FFF2-40B4-BE49-F238E27FC236}">
+                <a16:creationId xmlns:a16="http://schemas.microsoft.com/office/drawing/2014/main" id="{B4B42749-92F0-4157-BE70-6195C31B11CF}"/>
+              </a:ext>
+            </a:extLst>
+          </p:cNvPr>
+          <p:cNvSpPr/>
+          <p:nvPr/>
+        </p:nvSpPr>
+        <p:spPr>
+          <a:xfrm>
+            <a:off x="4770120" y="4429760"/>
+            <a:ext cx="162560" cy="330200"/>
+          </a:xfrm>
+          <a:prstGeom prst="rightBrace">
+            <a:avLst/>
+          </a:prstGeom>
+          <a:ln>
+            <a:solidFill>
+              <a:schemeClr val="accent1">
+                <a:lumMod val="50000"/>
+              </a:schemeClr>
+            </a:solidFill>
+          </a:ln>
+        </p:spPr>
+        <p:style>
+          <a:lnRef idx="1">
+            <a:schemeClr val="accent1"/>
+          </a:lnRef>
+          <a:fillRef idx="0">
+            <a:schemeClr val="accent1"/>
+          </a:fillRef>
+          <a:effectRef idx="0">
+            <a:schemeClr val="accent1"/>
+          </a:effectRef>
+          <a:fontRef idx="minor">
+            <a:schemeClr val="tx1"/>
+          </a:fontRef>
+        </p:style>
+        <p:txBody>
+          <a:bodyPr rtlCol="0" anchor="ctr"/>
+          <a:lstStyle/>
+          <a:p>
+            <a:pPr algn="ctr"/>
+            <a:endParaRPr lang="en-US"/>
+          </a:p>
+        </p:txBody>
+      </p:sp>
+      <p:cxnSp>
+        <p:nvCxnSpPr>
+          <p:cNvPr id="18" name="Straight Arrow Connector 17">
+            <a:extLst>
+              <a:ext uri="{FF2B5EF4-FFF2-40B4-BE49-F238E27FC236}">
+                <a16:creationId xmlns:a16="http://schemas.microsoft.com/office/drawing/2014/main" id="{61E20E8A-02DB-4D51-A875-1C5E11AD63EE}"/>
+              </a:ext>
+            </a:extLst>
+          </p:cNvPr>
+          <p:cNvCxnSpPr>
+            <a:cxnSpLocks/>
+            <a:endCxn id="28" idx="1"/>
+          </p:cNvCxnSpPr>
+          <p:nvPr/>
+        </p:nvCxnSpPr>
+        <p:spPr>
+          <a:xfrm>
+            <a:off x="4658360" y="4973320"/>
+            <a:ext cx="2971800" cy="51157"/>
+          </a:xfrm>
+          <a:prstGeom prst="straightConnector1">
+            <a:avLst/>
+          </a:prstGeom>
+          <a:ln>
+            <a:solidFill>
+              <a:schemeClr val="accent1">
+                <a:lumMod val="50000"/>
+              </a:schemeClr>
+            </a:solidFill>
+            <a:tailEnd type="triangle"/>
+          </a:ln>
+        </p:spPr>
+        <p:style>
+          <a:lnRef idx="1">
+            <a:schemeClr val="accent1"/>
+          </a:lnRef>
+          <a:fillRef idx="0">
+            <a:schemeClr val="accent1"/>
+          </a:fillRef>
+          <a:effectRef idx="0">
+            <a:schemeClr val="accent1"/>
+          </a:effectRef>
+          <a:fontRef idx="minor">
+            <a:schemeClr val="tx1"/>
+          </a:fontRef>
+        </p:style>
+      </p:cxnSp>
+      <p:cxnSp>
+        <p:nvCxnSpPr>
+          <p:cNvPr id="21" name="Straight Arrow Connector 20">
+            <a:extLst>
+              <a:ext uri="{FF2B5EF4-FFF2-40B4-BE49-F238E27FC236}">
+                <a16:creationId xmlns:a16="http://schemas.microsoft.com/office/drawing/2014/main" id="{085BBADA-A991-45DF-8351-F688E3804B88}"/>
+              </a:ext>
+            </a:extLst>
+          </p:cNvPr>
+          <p:cNvCxnSpPr>
+            <a:cxnSpLocks/>
+            <a:endCxn id="28" idx="1"/>
+          </p:cNvCxnSpPr>
+          <p:nvPr/>
+        </p:nvCxnSpPr>
+        <p:spPr>
+          <a:xfrm flipV="1">
+            <a:off x="4658360" y="5024477"/>
+            <a:ext cx="2971800" cy="343604"/>
+          </a:xfrm>
+          <a:prstGeom prst="straightConnector1">
+            <a:avLst/>
+          </a:prstGeom>
+          <a:ln>
+            <a:solidFill>
+              <a:schemeClr val="accent1">
+                <a:lumMod val="50000"/>
+              </a:schemeClr>
+            </a:solidFill>
+            <a:tailEnd type="triangle"/>
+          </a:ln>
+        </p:spPr>
+        <p:style>
+          <a:lnRef idx="1">
+            <a:schemeClr val="accent1"/>
+          </a:lnRef>
+          <a:fillRef idx="0">
+            <a:schemeClr val="accent1"/>
+          </a:fillRef>
+          <a:effectRef idx="0">
+            <a:schemeClr val="accent1"/>
+          </a:effectRef>
+          <a:fontRef idx="minor">
+            <a:schemeClr val="tx1"/>
+          </a:fontRef>
+        </p:style>
+      </p:cxnSp>
+      <p:sp>
+        <p:nvSpPr>
+          <p:cNvPr id="22" name="Right Brace 21">
+            <a:extLst>
+              <a:ext uri="{FF2B5EF4-FFF2-40B4-BE49-F238E27FC236}">
+                <a16:creationId xmlns:a16="http://schemas.microsoft.com/office/drawing/2014/main" id="{4EA57CA8-D9AF-4084-AD2B-C93ADEF8440F}"/>
+              </a:ext>
+            </a:extLst>
+          </p:cNvPr>
+          <p:cNvSpPr/>
+          <p:nvPr/>
+        </p:nvSpPr>
+        <p:spPr>
+          <a:xfrm>
+            <a:off x="4693920" y="5683404"/>
+            <a:ext cx="162560" cy="862171"/>
+          </a:xfrm>
+          <a:prstGeom prst="rightBrace">
+            <a:avLst/>
+          </a:prstGeom>
+          <a:ln>
+            <a:solidFill>
+              <a:schemeClr val="accent1">
+                <a:lumMod val="50000"/>
+              </a:schemeClr>
+            </a:solidFill>
+          </a:ln>
+        </p:spPr>
+        <p:style>
+          <a:lnRef idx="1">
+            <a:schemeClr val="accent1"/>
+          </a:lnRef>
+          <a:fillRef idx="0">
+            <a:schemeClr val="accent1"/>
+          </a:fillRef>
+          <a:effectRef idx="0">
+            <a:schemeClr val="accent1"/>
+          </a:effectRef>
+          <a:fontRef idx="minor">
+            <a:schemeClr val="tx1"/>
+          </a:fontRef>
+        </p:style>
+        <p:txBody>
+          <a:bodyPr rtlCol="0" anchor="ctr"/>
+          <a:lstStyle/>
+          <a:p>
+            <a:pPr algn="ctr"/>
+            <a:endParaRPr lang="en-US"/>
+          </a:p>
+        </p:txBody>
+      </p:sp>
+      <p:cxnSp>
+        <p:nvCxnSpPr>
+          <p:cNvPr id="23" name="Straight Arrow Connector 22">
+            <a:extLst>
+              <a:ext uri="{FF2B5EF4-FFF2-40B4-BE49-F238E27FC236}">
+                <a16:creationId xmlns:a16="http://schemas.microsoft.com/office/drawing/2014/main" id="{34365B4E-DE90-43F0-939B-0A5F96960FBD}"/>
+              </a:ext>
+            </a:extLst>
+          </p:cNvPr>
+          <p:cNvCxnSpPr>
+            <a:cxnSpLocks/>
+            <a:stCxn id="17" idx="1"/>
+            <a:endCxn id="28" idx="1"/>
+          </p:cNvCxnSpPr>
+          <p:nvPr/>
+        </p:nvCxnSpPr>
+        <p:spPr>
+          <a:xfrm>
+            <a:off x="4932680" y="4594860"/>
+            <a:ext cx="2697480" cy="429617"/>
+          </a:xfrm>
+          <a:prstGeom prst="straightConnector1">
+            <a:avLst/>
+          </a:prstGeom>
+          <a:ln>
+            <a:solidFill>
+              <a:schemeClr val="accent1">
+                <a:lumMod val="50000"/>
+              </a:schemeClr>
+            </a:solidFill>
+            <a:tailEnd type="triangle"/>
+          </a:ln>
+        </p:spPr>
+        <p:style>
+          <a:lnRef idx="1">
+            <a:schemeClr val="accent1"/>
+          </a:lnRef>
+          <a:fillRef idx="0">
+            <a:schemeClr val="accent1"/>
+          </a:fillRef>
+          <a:effectRef idx="0">
+            <a:schemeClr val="accent1"/>
+          </a:effectRef>
+          <a:fontRef idx="minor">
+            <a:schemeClr val="tx1"/>
+          </a:fontRef>
+        </p:style>
+      </p:cxnSp>
+      <p:cxnSp>
+        <p:nvCxnSpPr>
+          <p:cNvPr id="24" name="Straight Arrow Connector 23">
+            <a:extLst>
+              <a:ext uri="{FF2B5EF4-FFF2-40B4-BE49-F238E27FC236}">
+                <a16:creationId xmlns:a16="http://schemas.microsoft.com/office/drawing/2014/main" id="{8FD6BB9A-CCA4-40B1-BD36-A61C45CD4176}"/>
+              </a:ext>
+            </a:extLst>
+          </p:cNvPr>
+          <p:cNvCxnSpPr>
+            <a:cxnSpLocks/>
+            <a:stCxn id="22" idx="1"/>
+            <a:endCxn id="28" idx="1"/>
+          </p:cNvCxnSpPr>
+          <p:nvPr/>
+        </p:nvCxnSpPr>
+        <p:spPr>
+          <a:xfrm flipV="1">
+            <a:off x="4856480" y="5024477"/>
+            <a:ext cx="2773680" cy="1090013"/>
+          </a:xfrm>
+          <a:prstGeom prst="straightConnector1">
+            <a:avLst/>
+          </a:prstGeom>
+          <a:ln>
+            <a:solidFill>
+              <a:schemeClr val="accent1">
+                <a:lumMod val="50000"/>
+              </a:schemeClr>
+            </a:solidFill>
+            <a:tailEnd type="triangle"/>
+          </a:ln>
+        </p:spPr>
+        <p:style>
+          <a:lnRef idx="1">
+            <a:schemeClr val="accent1"/>
+          </a:lnRef>
+          <a:fillRef idx="0">
+            <a:schemeClr val="accent1"/>
+          </a:fillRef>
+          <a:effectRef idx="0">
+            <a:schemeClr val="accent1"/>
+          </a:effectRef>
+          <a:fontRef idx="minor">
+            <a:schemeClr val="tx1"/>
+          </a:fontRef>
+        </p:style>
+      </p:cxnSp>
+      <p:sp>
+        <p:nvSpPr>
+          <p:cNvPr id="28" name="TextBox 27">
+            <a:extLst>
+              <a:ext uri="{FF2B5EF4-FFF2-40B4-BE49-F238E27FC236}">
+                <a16:creationId xmlns:a16="http://schemas.microsoft.com/office/drawing/2014/main" id="{96E5D4CE-C865-48D8-99E2-7BA9E003BEEC}"/>
+              </a:ext>
+            </a:extLst>
+          </p:cNvPr>
+          <p:cNvSpPr txBox="1"/>
+          <p:nvPr/>
+        </p:nvSpPr>
+        <p:spPr>
+          <a:xfrm>
+            <a:off x="7630160" y="4885977"/>
+            <a:ext cx="1526123" cy="276999"/>
+          </a:xfrm>
+          <a:prstGeom prst="rect">
+            <a:avLst/>
+          </a:prstGeom>
+          <a:noFill/>
+        </p:spPr>
+        <p:txBody>
+          <a:bodyPr wrap="none" rtlCol="0">
+            <a:spAutoFit/>
+          </a:bodyPr>
+          <a:lstStyle/>
+          <a:p>
+            <a:r>
+              <a:rPr lang="de-DE" sz="1200" dirty="0">
+                <a:solidFill>
+                  <a:schemeClr val="bg1"/>
+                </a:solidFill>
+              </a:rPr>
+              <a:t>Fast immer unwichtig</a:t>
+            </a:r>
+            <a:endParaRPr lang="en-US" sz="1200" dirty="0">
+              <a:solidFill>
+                <a:schemeClr val="bg1"/>
+              </a:solidFill>
+            </a:endParaRPr>
+          </a:p>
+        </p:txBody>
+      </p:sp>
+      <p:sp>
+        <p:nvSpPr>
+          <p:cNvPr id="41" name="Right Brace 40">
+            <a:extLst>
+              <a:ext uri="{FF2B5EF4-FFF2-40B4-BE49-F238E27FC236}">
+                <a16:creationId xmlns:a16="http://schemas.microsoft.com/office/drawing/2014/main" id="{A872333B-D0F4-4905-9E32-C4D950A5BD4D}"/>
+              </a:ext>
+            </a:extLst>
+          </p:cNvPr>
+          <p:cNvSpPr/>
+          <p:nvPr/>
+        </p:nvSpPr>
+        <p:spPr>
+          <a:xfrm>
+            <a:off x="5451902" y="5368080"/>
+            <a:ext cx="162560" cy="303493"/>
+          </a:xfrm>
+          <a:prstGeom prst="rightBrace">
+            <a:avLst/>
+          </a:prstGeom>
+          <a:ln>
+            <a:solidFill>
+              <a:schemeClr val="accent1">
+                <a:lumMod val="50000"/>
+              </a:schemeClr>
+            </a:solidFill>
+          </a:ln>
+        </p:spPr>
+        <p:style>
+          <a:lnRef idx="1">
+            <a:schemeClr val="accent1"/>
+          </a:lnRef>
+          <a:fillRef idx="0">
+            <a:schemeClr val="accent1"/>
+          </a:fillRef>
+          <a:effectRef idx="0">
+            <a:schemeClr val="accent1"/>
+          </a:effectRef>
+          <a:fontRef idx="minor">
+            <a:schemeClr val="tx1"/>
+          </a:fontRef>
+        </p:style>
+        <p:txBody>
+          <a:bodyPr rtlCol="0" anchor="ctr"/>
+          <a:lstStyle/>
+          <a:p>
+            <a:pPr algn="ctr"/>
+            <a:endParaRPr lang="en-US"/>
+          </a:p>
+        </p:txBody>
+      </p:sp>
+      <p:cxnSp>
+        <p:nvCxnSpPr>
+          <p:cNvPr id="42" name="Straight Arrow Connector 41">
+            <a:extLst>
+              <a:ext uri="{FF2B5EF4-FFF2-40B4-BE49-F238E27FC236}">
+                <a16:creationId xmlns:a16="http://schemas.microsoft.com/office/drawing/2014/main" id="{ED815D5D-7CA4-4DA3-ABB0-6124C4561D75}"/>
+              </a:ext>
+            </a:extLst>
+          </p:cNvPr>
+          <p:cNvCxnSpPr>
+            <a:cxnSpLocks/>
+            <a:stCxn id="41" idx="1"/>
+          </p:cNvCxnSpPr>
+          <p:nvPr/>
+        </p:nvCxnSpPr>
+        <p:spPr>
+          <a:xfrm>
+            <a:off x="5614462" y="5519827"/>
+            <a:ext cx="2015698" cy="0"/>
+          </a:xfrm>
+          <a:prstGeom prst="straightConnector1">
+            <a:avLst/>
+          </a:prstGeom>
+          <a:ln>
+            <a:solidFill>
+              <a:schemeClr val="accent1">
+                <a:lumMod val="50000"/>
+              </a:schemeClr>
+            </a:solidFill>
+            <a:tailEnd type="triangle"/>
+          </a:ln>
+        </p:spPr>
+        <p:style>
+          <a:lnRef idx="1">
+            <a:schemeClr val="accent1"/>
+          </a:lnRef>
+          <a:fillRef idx="0">
+            <a:schemeClr val="accent1"/>
+          </a:fillRef>
+          <a:effectRef idx="0">
+            <a:schemeClr val="accent1"/>
+          </a:effectRef>
+          <a:fontRef idx="minor">
+            <a:schemeClr val="tx1"/>
+          </a:fontRef>
+        </p:style>
+      </p:cxnSp>
+      <p:sp>
+        <p:nvSpPr>
+          <p:cNvPr id="44" name="TextBox 43">
+            <a:extLst>
+              <a:ext uri="{FF2B5EF4-FFF2-40B4-BE49-F238E27FC236}">
+                <a16:creationId xmlns:a16="http://schemas.microsoft.com/office/drawing/2014/main" id="{08F0B6D0-9E4A-4744-81FC-76A6C22683B6}"/>
+              </a:ext>
+            </a:extLst>
+          </p:cNvPr>
+          <p:cNvSpPr txBox="1"/>
+          <p:nvPr/>
+        </p:nvSpPr>
+        <p:spPr>
+          <a:xfrm>
+            <a:off x="7630159" y="5376336"/>
+            <a:ext cx="1927835" cy="276999"/>
+          </a:xfrm>
+          <a:prstGeom prst="rect">
+            <a:avLst/>
+          </a:prstGeom>
+          <a:noFill/>
+        </p:spPr>
+        <p:txBody>
+          <a:bodyPr wrap="none" rtlCol="0">
+            <a:spAutoFit/>
+          </a:bodyPr>
+          <a:lstStyle/>
+          <a:p>
+            <a:r>
+              <a:rPr lang="de-DE" sz="1200" dirty="0">
+                <a:solidFill>
+                  <a:schemeClr val="bg1"/>
+                </a:solidFill>
+              </a:rPr>
+              <a:t>Bei Internetquellen relevant</a:t>
+            </a:r>
+            <a:endParaRPr lang="en-US" sz="1200" dirty="0">
+              <a:solidFill>
+                <a:schemeClr val="bg1"/>
+              </a:solidFill>
+            </a:endParaRPr>
           </a:p>
         </p:txBody>
       </p:sp>
     </p:spTree>
     <p:extLst>
       <p:ext uri="{BB962C8B-B14F-4D97-AF65-F5344CB8AC3E}">
-        <p14:creationId xmlns:p14="http://schemas.microsoft.com/office/powerpoint/2010/main" val="186224805"/>
+        <p14:creationId xmlns:p14="http://schemas.microsoft.com/office/powerpoint/2010/main" val="743695532"/>
       </p:ext>
     </p:extLst>
   </p:cSld>
   <p:clrMapOvr>
     <a:masterClrMapping/>
   </p:clrMapOvr>
+  <p:timing>
+    <p:tnLst>
+      <p:par>
+        <p:cTn id="1" dur="indefinite" restart="never" nodeType="tmRoot">
+          <p:childTnLst>
+            <p:seq concurrent="1" nextAc="seek">
+              <p:cTn id="2" dur="indefinite" nodeType="mainSeq">
+                <p:childTnLst>
+                  <p:par>
+                    <p:cTn id="3" fill="hold">
+                      <p:stCondLst>
+                        <p:cond delay="indefinite"/>
+                      </p:stCondLst>
+                      <p:childTnLst>
+                        <p:par>
+                          <p:cTn id="4" fill="hold">
+                            <p:stCondLst>
+                              <p:cond delay="0"/>
+                            </p:stCondLst>
+                            <p:childTnLst>
+                              <p:par>
+                                <p:cTn id="5" presetID="1" presetClass="entr" presetSubtype="0" fill="hold" grpId="0" nodeType="clickEffect">
+                                  <p:stCondLst>
+                                    <p:cond delay="0"/>
+                                  </p:stCondLst>
+                                  <p:childTnLst>
+                                    <p:set>
+                                      <p:cBhvr>
+                                        <p:cTn id="6" dur="1" fill="hold">
+                                          <p:stCondLst>
+                                            <p:cond delay="0"/>
+                                          </p:stCondLst>
+                                        </p:cTn>
+                                        <p:tgtEl>
+                                          <p:spTgt spid="8"/>
+                                        </p:tgtEl>
+                                        <p:attrNameLst>
+                                          <p:attrName>style.visibility</p:attrName>
+                                        </p:attrNameLst>
+                                      </p:cBhvr>
+                                      <p:to>
+                                        <p:strVal val="visible"/>
+                                      </p:to>
+                                    </p:set>
+                                  </p:childTnLst>
+                                </p:cTn>
+                              </p:par>
+                              <p:par>
+                                <p:cTn id="7" presetID="1" presetClass="entr" presetSubtype="0" fill="hold" nodeType="withEffect">
+                                  <p:stCondLst>
+                                    <p:cond delay="0"/>
+                                  </p:stCondLst>
+                                  <p:childTnLst>
+                                    <p:set>
+                                      <p:cBhvr>
+                                        <p:cTn id="8" dur="1" fill="hold">
+                                          <p:stCondLst>
+                                            <p:cond delay="0"/>
+                                          </p:stCondLst>
+                                        </p:cTn>
+                                        <p:tgtEl>
+                                          <p:spTgt spid="9"/>
+                                        </p:tgtEl>
+                                        <p:attrNameLst>
+                                          <p:attrName>style.visibility</p:attrName>
+                                        </p:attrNameLst>
+                                      </p:cBhvr>
+                                      <p:to>
+                                        <p:strVal val="visible"/>
+                                      </p:to>
+                                    </p:set>
+                                  </p:childTnLst>
+                                </p:cTn>
+                              </p:par>
+                            </p:childTnLst>
+                          </p:cTn>
+                        </p:par>
+                      </p:childTnLst>
+                    </p:cTn>
+                  </p:par>
+                  <p:par>
+                    <p:cTn id="9" fill="hold">
+                      <p:stCondLst>
+                        <p:cond delay="indefinite"/>
+                      </p:stCondLst>
+                      <p:childTnLst>
+                        <p:par>
+                          <p:cTn id="10" fill="hold">
+                            <p:stCondLst>
+                              <p:cond delay="0"/>
+                            </p:stCondLst>
+                            <p:childTnLst>
+                              <p:par>
+                                <p:cTn id="11" presetID="1" presetClass="entr" presetSubtype="0" fill="hold" grpId="0" nodeType="clickEffect">
+                                  <p:stCondLst>
+                                    <p:cond delay="0"/>
+                                  </p:stCondLst>
+                                  <p:childTnLst>
+                                    <p:set>
+                                      <p:cBhvr>
+                                        <p:cTn id="12" dur="1" fill="hold">
+                                          <p:stCondLst>
+                                            <p:cond delay="0"/>
+                                          </p:stCondLst>
+                                        </p:cTn>
+                                        <p:tgtEl>
+                                          <p:spTgt spid="12"/>
+                                        </p:tgtEl>
+                                        <p:attrNameLst>
+                                          <p:attrName>style.visibility</p:attrName>
+                                        </p:attrNameLst>
+                                      </p:cBhvr>
+                                      <p:to>
+                                        <p:strVal val="visible"/>
+                                      </p:to>
+                                    </p:set>
+                                  </p:childTnLst>
+                                </p:cTn>
+                              </p:par>
+                              <p:par>
+                                <p:cTn id="13" presetID="1" presetClass="entr" presetSubtype="0" fill="hold" nodeType="withEffect">
+                                  <p:stCondLst>
+                                    <p:cond delay="0"/>
+                                  </p:stCondLst>
+                                  <p:childTnLst>
+                                    <p:set>
+                                      <p:cBhvr>
+                                        <p:cTn id="14" dur="1" fill="hold">
+                                          <p:stCondLst>
+                                            <p:cond delay="0"/>
+                                          </p:stCondLst>
+                                        </p:cTn>
+                                        <p:tgtEl>
+                                          <p:spTgt spid="13"/>
+                                        </p:tgtEl>
+                                        <p:attrNameLst>
+                                          <p:attrName>style.visibility</p:attrName>
+                                        </p:attrNameLst>
+                                      </p:cBhvr>
+                                      <p:to>
+                                        <p:strVal val="visible"/>
+                                      </p:to>
+                                    </p:set>
+                                  </p:childTnLst>
+                                </p:cTn>
+                              </p:par>
+                            </p:childTnLst>
+                          </p:cTn>
+                        </p:par>
+                      </p:childTnLst>
+                    </p:cTn>
+                  </p:par>
+                  <p:par>
+                    <p:cTn id="15" fill="hold">
+                      <p:stCondLst>
+                        <p:cond delay="indefinite"/>
+                      </p:stCondLst>
+                      <p:childTnLst>
+                        <p:par>
+                          <p:cTn id="16" fill="hold">
+                            <p:stCondLst>
+                              <p:cond delay="0"/>
+                            </p:stCondLst>
+                            <p:childTnLst>
+                              <p:par>
+                                <p:cTn id="17" presetID="1" presetClass="entr" presetSubtype="0" fill="hold" nodeType="clickEffect">
+                                  <p:stCondLst>
+                                    <p:cond delay="0"/>
+                                  </p:stCondLst>
+                                  <p:childTnLst>
+                                    <p:set>
+                                      <p:cBhvr>
+                                        <p:cTn id="18" dur="1" fill="hold">
+                                          <p:stCondLst>
+                                            <p:cond delay="0"/>
+                                          </p:stCondLst>
+                                        </p:cTn>
+                                        <p:tgtEl>
+                                          <p:spTgt spid="18"/>
+                                        </p:tgtEl>
+                                        <p:attrNameLst>
+                                          <p:attrName>style.visibility</p:attrName>
+                                        </p:attrNameLst>
+                                      </p:cBhvr>
+                                      <p:to>
+                                        <p:strVal val="visible"/>
+                                      </p:to>
+                                    </p:set>
+                                  </p:childTnLst>
+                                </p:cTn>
+                              </p:par>
+                              <p:par>
+                                <p:cTn id="19" presetID="1" presetClass="entr" presetSubtype="0" fill="hold" nodeType="withEffect">
+                                  <p:stCondLst>
+                                    <p:cond delay="0"/>
+                                  </p:stCondLst>
+                                  <p:childTnLst>
+                                    <p:set>
+                                      <p:cBhvr>
+                                        <p:cTn id="20" dur="1" fill="hold">
+                                          <p:stCondLst>
+                                            <p:cond delay="0"/>
+                                          </p:stCondLst>
+                                        </p:cTn>
+                                        <p:tgtEl>
+                                          <p:spTgt spid="21"/>
+                                        </p:tgtEl>
+                                        <p:attrNameLst>
+                                          <p:attrName>style.visibility</p:attrName>
+                                        </p:attrNameLst>
+                                      </p:cBhvr>
+                                      <p:to>
+                                        <p:strVal val="visible"/>
+                                      </p:to>
+                                    </p:set>
+                                  </p:childTnLst>
+                                </p:cTn>
+                              </p:par>
+                              <p:par>
+                                <p:cTn id="21" presetID="1" presetClass="entr" presetSubtype="0" fill="hold" nodeType="withEffect">
+                                  <p:stCondLst>
+                                    <p:cond delay="0"/>
+                                  </p:stCondLst>
+                                  <p:childTnLst>
+                                    <p:set>
+                                      <p:cBhvr>
+                                        <p:cTn id="22" dur="1" fill="hold">
+                                          <p:stCondLst>
+                                            <p:cond delay="0"/>
+                                          </p:stCondLst>
+                                        </p:cTn>
+                                        <p:tgtEl>
+                                          <p:spTgt spid="23"/>
+                                        </p:tgtEl>
+                                        <p:attrNameLst>
+                                          <p:attrName>style.visibility</p:attrName>
+                                        </p:attrNameLst>
+                                      </p:cBhvr>
+                                      <p:to>
+                                        <p:strVal val="visible"/>
+                                      </p:to>
+                                    </p:set>
+                                  </p:childTnLst>
+                                </p:cTn>
+                              </p:par>
+                              <p:par>
+                                <p:cTn id="23" presetID="1" presetClass="entr" presetSubtype="0" fill="hold" nodeType="withEffect">
+                                  <p:stCondLst>
+                                    <p:cond delay="0"/>
+                                  </p:stCondLst>
+                                  <p:childTnLst>
+                                    <p:set>
+                                      <p:cBhvr>
+                                        <p:cTn id="24" dur="1" fill="hold">
+                                          <p:stCondLst>
+                                            <p:cond delay="0"/>
+                                          </p:stCondLst>
+                                        </p:cTn>
+                                        <p:tgtEl>
+                                          <p:spTgt spid="24"/>
+                                        </p:tgtEl>
+                                        <p:attrNameLst>
+                                          <p:attrName>style.visibility</p:attrName>
+                                        </p:attrNameLst>
+                                      </p:cBhvr>
+                                      <p:to>
+                                        <p:strVal val="visible"/>
+                                      </p:to>
+                                    </p:set>
+                                  </p:childTnLst>
+                                </p:cTn>
+                              </p:par>
+                              <p:par>
+                                <p:cTn id="25" presetID="1" presetClass="entr" presetSubtype="0" fill="hold" grpId="0" nodeType="withEffect">
+                                  <p:stCondLst>
+                                    <p:cond delay="0"/>
+                                  </p:stCondLst>
+                                  <p:childTnLst>
+                                    <p:set>
+                                      <p:cBhvr>
+                                        <p:cTn id="26" dur="1" fill="hold">
+                                          <p:stCondLst>
+                                            <p:cond delay="0"/>
+                                          </p:stCondLst>
+                                        </p:cTn>
+                                        <p:tgtEl>
+                                          <p:spTgt spid="28"/>
+                                        </p:tgtEl>
+                                        <p:attrNameLst>
+                                          <p:attrName>style.visibility</p:attrName>
+                                        </p:attrNameLst>
+                                      </p:cBhvr>
+                                      <p:to>
+                                        <p:strVal val="visible"/>
+                                      </p:to>
+                                    </p:set>
+                                  </p:childTnLst>
+                                </p:cTn>
+                              </p:par>
+                              <p:par>
+                                <p:cTn id="27" presetID="1" presetClass="entr" presetSubtype="0" fill="hold" grpId="0" nodeType="withEffect">
+                                  <p:stCondLst>
+                                    <p:cond delay="0"/>
+                                  </p:stCondLst>
+                                  <p:childTnLst>
+                                    <p:set>
+                                      <p:cBhvr>
+                                        <p:cTn id="28" dur="1" fill="hold">
+                                          <p:stCondLst>
+                                            <p:cond delay="0"/>
+                                          </p:stCondLst>
+                                        </p:cTn>
+                                        <p:tgtEl>
+                                          <p:spTgt spid="17"/>
+                                        </p:tgtEl>
+                                        <p:attrNameLst>
+                                          <p:attrName>style.visibility</p:attrName>
+                                        </p:attrNameLst>
+                                      </p:cBhvr>
+                                      <p:to>
+                                        <p:strVal val="visible"/>
+                                      </p:to>
+                                    </p:set>
+                                  </p:childTnLst>
+                                </p:cTn>
+                              </p:par>
+                              <p:par>
+                                <p:cTn id="29" presetID="1" presetClass="entr" presetSubtype="0" fill="hold" grpId="0" nodeType="withEffect">
+                                  <p:stCondLst>
+                                    <p:cond delay="0"/>
+                                  </p:stCondLst>
+                                  <p:childTnLst>
+                                    <p:set>
+                                      <p:cBhvr>
+                                        <p:cTn id="30" dur="1" fill="hold">
+                                          <p:stCondLst>
+                                            <p:cond delay="0"/>
+                                          </p:stCondLst>
+                                        </p:cTn>
+                                        <p:tgtEl>
+                                          <p:spTgt spid="22"/>
+                                        </p:tgtEl>
+                                        <p:attrNameLst>
+                                          <p:attrName>style.visibility</p:attrName>
+                                        </p:attrNameLst>
+                                      </p:cBhvr>
+                                      <p:to>
+                                        <p:strVal val="visible"/>
+                                      </p:to>
+                                    </p:set>
+                                  </p:childTnLst>
+                                </p:cTn>
+                              </p:par>
+                            </p:childTnLst>
+                          </p:cTn>
+                        </p:par>
+                      </p:childTnLst>
+                    </p:cTn>
+                  </p:par>
+                  <p:par>
+                    <p:cTn id="31" fill="hold">
+                      <p:stCondLst>
+                        <p:cond delay="indefinite"/>
+                      </p:stCondLst>
+                      <p:childTnLst>
+                        <p:par>
+                          <p:cTn id="32" fill="hold">
+                            <p:stCondLst>
+                              <p:cond delay="0"/>
+                            </p:stCondLst>
+                            <p:childTnLst>
+                              <p:par>
+                                <p:cTn id="33" presetID="1" presetClass="entr" presetSubtype="0" fill="hold" nodeType="clickEffect">
+                                  <p:stCondLst>
+                                    <p:cond delay="0"/>
+                                  </p:stCondLst>
+                                  <p:childTnLst>
+                                    <p:set>
+                                      <p:cBhvr>
+                                        <p:cTn id="34" dur="1" fill="hold">
+                                          <p:stCondLst>
+                                            <p:cond delay="0"/>
+                                          </p:stCondLst>
+                                        </p:cTn>
+                                        <p:tgtEl>
+                                          <p:spTgt spid="42"/>
+                                        </p:tgtEl>
+                                        <p:attrNameLst>
+                                          <p:attrName>style.visibility</p:attrName>
+                                        </p:attrNameLst>
+                                      </p:cBhvr>
+                                      <p:to>
+                                        <p:strVal val="visible"/>
+                                      </p:to>
+                                    </p:set>
+                                  </p:childTnLst>
+                                </p:cTn>
+                              </p:par>
+                              <p:par>
+                                <p:cTn id="35" presetID="1" presetClass="entr" presetSubtype="0" fill="hold" grpId="0" nodeType="withEffect">
+                                  <p:stCondLst>
+                                    <p:cond delay="0"/>
+                                  </p:stCondLst>
+                                  <p:childTnLst>
+                                    <p:set>
+                                      <p:cBhvr>
+                                        <p:cTn id="36" dur="1" fill="hold">
+                                          <p:stCondLst>
+                                            <p:cond delay="0"/>
+                                          </p:stCondLst>
+                                        </p:cTn>
+                                        <p:tgtEl>
+                                          <p:spTgt spid="44"/>
+                                        </p:tgtEl>
+                                        <p:attrNameLst>
+                                          <p:attrName>style.visibility</p:attrName>
+                                        </p:attrNameLst>
+                                      </p:cBhvr>
+                                      <p:to>
+                                        <p:strVal val="visible"/>
+                                      </p:to>
+                                    </p:set>
+                                  </p:childTnLst>
+                                </p:cTn>
+                              </p:par>
+                              <p:par>
+                                <p:cTn id="37" presetID="1" presetClass="entr" presetSubtype="0" fill="hold" grpId="0" nodeType="withEffect">
+                                  <p:stCondLst>
+                                    <p:cond delay="0"/>
+                                  </p:stCondLst>
+                                  <p:childTnLst>
+                                    <p:set>
+                                      <p:cBhvr>
+                                        <p:cTn id="38" dur="1" fill="hold">
+                                          <p:stCondLst>
+                                            <p:cond delay="0"/>
+                                          </p:stCondLst>
+                                        </p:cTn>
+                                        <p:tgtEl>
+                                          <p:spTgt spid="41"/>
+                                        </p:tgtEl>
+                                        <p:attrNameLst>
+                                          <p:attrName>style.visibility</p:attrName>
+                                        </p:attrNameLst>
+                                      </p:cBhvr>
+                                      <p:to>
+                                        <p:strVal val="visible"/>
+                                      </p:to>
+                                    </p:set>
+                                  </p:childTnLst>
+                                </p:cTn>
+                              </p:par>
+                            </p:childTnLst>
+                          </p:cTn>
+                        </p:par>
+                      </p:childTnLst>
+                    </p:cTn>
+                  </p:par>
+                </p:childTnLst>
+              </p:cTn>
+              <p:prevCondLst>
+                <p:cond evt="onPrev" delay="0">
+                  <p:tgtEl>
+                    <p:sldTgt/>
+                  </p:tgtEl>
+                </p:cond>
+              </p:prevCondLst>
+              <p:nextCondLst>
+                <p:cond evt="onNext" delay="0">
+                  <p:tgtEl>
+                    <p:sldTgt/>
+                  </p:tgtEl>
+                </p:cond>
+              </p:nextCondLst>
+            </p:seq>
+          </p:childTnLst>
+        </p:cTn>
+      </p:par>
+    </p:tnLst>
+    <p:bldLst>
+      <p:bldP spid="8" grpId="0"/>
+      <p:bldP spid="12" grpId="0"/>
+      <p:bldP spid="17" grpId="0" animBg="1"/>
+      <p:bldP spid="22" grpId="0" animBg="1"/>
+      <p:bldP spid="28" grpId="0"/>
+      <p:bldP spid="41" grpId="0" animBg="1"/>
+      <p:bldP spid="44" grpId="0"/>
+    </p:bldLst>
+  </p:timing>
 </p:sld>
 </file>
 
@@ -5298,10 +10846,10 @@
       </p:grpSpPr>
       <p:sp>
         <p:nvSpPr>
-          <p:cNvPr id="8" name="Title 7">
-            <a:extLst>
-              <a:ext uri="{FF2B5EF4-FFF2-40B4-BE49-F238E27FC236}">
-                <a16:creationId xmlns:a16="http://schemas.microsoft.com/office/drawing/2014/main" id="{6EB77A88-9878-4B97-BE05-8FDB6396C31B}"/>
+          <p:cNvPr id="4" name="Title 3">
+            <a:extLst>
+              <a:ext uri="{FF2B5EF4-FFF2-40B4-BE49-F238E27FC236}">
+                <a16:creationId xmlns:a16="http://schemas.microsoft.com/office/drawing/2014/main" id="{57E5ECCC-5D0A-4FCE-B891-CFBC4BCDDEC5}"/>
               </a:ext>
             </a:extLst>
           </p:cNvPr>
@@ -5319,7 +10867,7 @@
           <a:p>
             <a:r>
               <a:rPr lang="de-DE" dirty="0"/>
-              <a:t>Happy Paper Hunting!</a:t>
+              <a:t>Zotero</a:t>
             </a:r>
             <a:endParaRPr lang="en-US" dirty="0"/>
           </a:p>
@@ -5327,10 +10875,1175 @@
       </p:sp>
       <p:sp>
         <p:nvSpPr>
-          <p:cNvPr id="9" name="Content Placeholder 8">
-            <a:extLst>
-              <a:ext uri="{FF2B5EF4-FFF2-40B4-BE49-F238E27FC236}">
-                <a16:creationId xmlns:a16="http://schemas.microsoft.com/office/drawing/2014/main" id="{E2092CAA-D4C2-430E-9A61-76E5790C643D}"/>
+          <p:cNvPr id="6" name="Text Placeholder 5">
+            <a:extLst>
+              <a:ext uri="{FF2B5EF4-FFF2-40B4-BE49-F238E27FC236}">
+                <a16:creationId xmlns:a16="http://schemas.microsoft.com/office/drawing/2014/main" id="{74DBC6AC-941A-4673-A7BA-5C02E05B77F0}"/>
+              </a:ext>
+            </a:extLst>
+          </p:cNvPr>
+          <p:cNvSpPr>
+            <a:spLocks noGrp="1"/>
+          </p:cNvSpPr>
+          <p:nvPr>
+            <p:ph type="body" sz="quarter" idx="13"/>
+          </p:nvPr>
+        </p:nvSpPr>
+        <p:spPr/>
+        <p:txBody>
+          <a:bodyPr/>
+          <a:lstStyle/>
+          <a:p>
+            <a:r>
+              <a:rPr lang="de-DE" dirty="0"/>
+              <a:t>Quellen hinzufügen</a:t>
+            </a:r>
+            <a:endParaRPr lang="en-US" dirty="0"/>
+          </a:p>
+        </p:txBody>
+      </p:sp>
+      <p:pic>
+        <p:nvPicPr>
+          <p:cNvPr id="8" name="Picture 7">
+            <a:extLst>
+              <a:ext uri="{FF2B5EF4-FFF2-40B4-BE49-F238E27FC236}">
+                <a16:creationId xmlns:a16="http://schemas.microsoft.com/office/drawing/2014/main" id="{41810B47-D0B5-4F17-9783-A67FDDEBD9B1}"/>
+              </a:ext>
+            </a:extLst>
+          </p:cNvPr>
+          <p:cNvPicPr>
+            <a:picLocks noChangeAspect="1"/>
+          </p:cNvPicPr>
+          <p:nvPr/>
+        </p:nvPicPr>
+        <p:blipFill>
+          <a:blip r:embed="rId2"/>
+          <a:stretch>
+            <a:fillRect/>
+          </a:stretch>
+        </p:blipFill>
+        <p:spPr>
+          <a:xfrm>
+            <a:off x="2780195" y="2010569"/>
+            <a:ext cx="6376237" cy="1247796"/>
+          </a:xfrm>
+          <a:prstGeom prst="rect">
+            <a:avLst/>
+          </a:prstGeom>
+        </p:spPr>
+      </p:pic>
+      <p:sp>
+        <p:nvSpPr>
+          <p:cNvPr id="9" name="TextBox 8">
+            <a:extLst>
+              <a:ext uri="{FF2B5EF4-FFF2-40B4-BE49-F238E27FC236}">
+                <a16:creationId xmlns:a16="http://schemas.microsoft.com/office/drawing/2014/main" id="{CE478C0F-C5D4-4CA3-9858-872DD89C967E}"/>
+              </a:ext>
+            </a:extLst>
+          </p:cNvPr>
+          <p:cNvSpPr txBox="1"/>
+          <p:nvPr/>
+        </p:nvSpPr>
+        <p:spPr>
+          <a:xfrm>
+            <a:off x="247346" y="3154458"/>
+            <a:ext cx="1868781" cy="584775"/>
+          </a:xfrm>
+          <a:prstGeom prst="rect">
+            <a:avLst/>
+          </a:prstGeom>
+          <a:noFill/>
+        </p:spPr>
+        <p:txBody>
+          <a:bodyPr wrap="none" rtlCol="0">
+            <a:spAutoFit/>
+          </a:bodyPr>
+          <a:lstStyle/>
+          <a:p>
+            <a:r>
+              <a:rPr lang="de-DE" sz="1600" dirty="0">
+                <a:solidFill>
+                  <a:schemeClr val="bg1"/>
+                </a:solidFill>
+              </a:rPr>
+              <a:t>Neue Sammlung</a:t>
+            </a:r>
+          </a:p>
+          <a:p>
+            <a:r>
+              <a:rPr lang="de-DE" sz="1600" dirty="0">
+                <a:solidFill>
+                  <a:schemeClr val="bg1"/>
+                </a:solidFill>
+              </a:rPr>
+              <a:t>(Quasi Unterordner)</a:t>
+            </a:r>
+            <a:endParaRPr lang="en-US" sz="1600" dirty="0">
+              <a:solidFill>
+                <a:schemeClr val="bg1"/>
+              </a:solidFill>
+            </a:endParaRPr>
+          </a:p>
+        </p:txBody>
+      </p:sp>
+      <p:cxnSp>
+        <p:nvCxnSpPr>
+          <p:cNvPr id="10" name="Straight Arrow Connector 9">
+            <a:extLst>
+              <a:ext uri="{FF2B5EF4-FFF2-40B4-BE49-F238E27FC236}">
+                <a16:creationId xmlns:a16="http://schemas.microsoft.com/office/drawing/2014/main" id="{E6BEA178-ECF4-45D4-8B87-217210D9387C}"/>
+              </a:ext>
+            </a:extLst>
+          </p:cNvPr>
+          <p:cNvCxnSpPr>
+            <a:cxnSpLocks/>
+            <a:stCxn id="9" idx="3"/>
+          </p:cNvCxnSpPr>
+          <p:nvPr/>
+        </p:nvCxnSpPr>
+        <p:spPr>
+          <a:xfrm flipV="1">
+            <a:off x="2116127" y="3072384"/>
+            <a:ext cx="733882" cy="374462"/>
+          </a:xfrm>
+          <a:prstGeom prst="straightConnector1">
+            <a:avLst/>
+          </a:prstGeom>
+          <a:ln>
+            <a:solidFill>
+              <a:schemeClr val="accent1">
+                <a:lumMod val="50000"/>
+              </a:schemeClr>
+            </a:solidFill>
+            <a:tailEnd type="triangle"/>
+          </a:ln>
+        </p:spPr>
+        <p:style>
+          <a:lnRef idx="1">
+            <a:schemeClr val="accent1"/>
+          </a:lnRef>
+          <a:fillRef idx="0">
+            <a:schemeClr val="accent1"/>
+          </a:fillRef>
+          <a:effectRef idx="0">
+            <a:schemeClr val="accent1"/>
+          </a:effectRef>
+          <a:fontRef idx="minor">
+            <a:schemeClr val="tx1"/>
+          </a:fontRef>
+        </p:style>
+      </p:cxnSp>
+      <p:sp>
+        <p:nvSpPr>
+          <p:cNvPr id="11" name="TextBox 10">
+            <a:extLst>
+              <a:ext uri="{FF2B5EF4-FFF2-40B4-BE49-F238E27FC236}">
+                <a16:creationId xmlns:a16="http://schemas.microsoft.com/office/drawing/2014/main" id="{82E2BD78-3EB3-4856-9DCA-BFEB5FD4B5CB}"/>
+              </a:ext>
+            </a:extLst>
+          </p:cNvPr>
+          <p:cNvSpPr txBox="1"/>
+          <p:nvPr/>
+        </p:nvSpPr>
+        <p:spPr>
+          <a:xfrm>
+            <a:off x="1883280" y="4231786"/>
+            <a:ext cx="1850443" cy="584775"/>
+          </a:xfrm>
+          <a:prstGeom prst="rect">
+            <a:avLst/>
+          </a:prstGeom>
+          <a:noFill/>
+        </p:spPr>
+        <p:txBody>
+          <a:bodyPr wrap="none" rtlCol="0">
+            <a:spAutoFit/>
+          </a:bodyPr>
+          <a:lstStyle/>
+          <a:p>
+            <a:r>
+              <a:rPr lang="de-DE" sz="1600" dirty="0">
+                <a:solidFill>
+                  <a:schemeClr val="bg1"/>
+                </a:solidFill>
+              </a:rPr>
+              <a:t>Neue Bibliothek</a:t>
+            </a:r>
+          </a:p>
+          <a:p>
+            <a:r>
+              <a:rPr lang="de-DE" sz="1600" dirty="0">
+                <a:solidFill>
+                  <a:schemeClr val="bg1"/>
+                </a:solidFill>
+              </a:rPr>
+              <a:t>(Quasi Überordner) </a:t>
+            </a:r>
+            <a:endParaRPr lang="en-US" sz="1600" dirty="0">
+              <a:solidFill>
+                <a:schemeClr val="bg1"/>
+              </a:solidFill>
+            </a:endParaRPr>
+          </a:p>
+        </p:txBody>
+      </p:sp>
+      <p:cxnSp>
+        <p:nvCxnSpPr>
+          <p:cNvPr id="12" name="Straight Arrow Connector 11">
+            <a:extLst>
+              <a:ext uri="{FF2B5EF4-FFF2-40B4-BE49-F238E27FC236}">
+                <a16:creationId xmlns:a16="http://schemas.microsoft.com/office/drawing/2014/main" id="{CF85372E-637E-44AF-BB78-1A19565183A7}"/>
+              </a:ext>
+            </a:extLst>
+          </p:cNvPr>
+          <p:cNvCxnSpPr>
+            <a:cxnSpLocks/>
+            <a:stCxn id="11" idx="0"/>
+          </p:cNvCxnSpPr>
+          <p:nvPr/>
+        </p:nvCxnSpPr>
+        <p:spPr>
+          <a:xfrm flipV="1">
+            <a:off x="2808502" y="3154458"/>
+            <a:ext cx="619960" cy="1077328"/>
+          </a:xfrm>
+          <a:prstGeom prst="straightConnector1">
+            <a:avLst/>
+          </a:prstGeom>
+          <a:ln>
+            <a:solidFill>
+              <a:schemeClr val="accent1">
+                <a:lumMod val="50000"/>
+              </a:schemeClr>
+            </a:solidFill>
+            <a:tailEnd type="triangle"/>
+          </a:ln>
+        </p:spPr>
+        <p:style>
+          <a:lnRef idx="1">
+            <a:schemeClr val="accent1"/>
+          </a:lnRef>
+          <a:fillRef idx="0">
+            <a:schemeClr val="accent1"/>
+          </a:fillRef>
+          <a:effectRef idx="0">
+            <a:schemeClr val="accent1"/>
+          </a:effectRef>
+          <a:fontRef idx="minor">
+            <a:schemeClr val="tx1"/>
+          </a:fontRef>
+        </p:style>
+      </p:cxnSp>
+      <p:sp>
+        <p:nvSpPr>
+          <p:cNvPr id="14" name="TextBox 13">
+            <a:extLst>
+              <a:ext uri="{FF2B5EF4-FFF2-40B4-BE49-F238E27FC236}">
+                <a16:creationId xmlns:a16="http://schemas.microsoft.com/office/drawing/2014/main" id="{2435E4E2-756F-45A4-9D2B-317EFB60D83B}"/>
+              </a:ext>
+            </a:extLst>
+          </p:cNvPr>
+          <p:cNvSpPr txBox="1"/>
+          <p:nvPr/>
+        </p:nvSpPr>
+        <p:spPr>
+          <a:xfrm>
+            <a:off x="4195348" y="3642414"/>
+            <a:ext cx="1908921" cy="584775"/>
+          </a:xfrm>
+          <a:prstGeom prst="rect">
+            <a:avLst/>
+          </a:prstGeom>
+          <a:noFill/>
+        </p:spPr>
+        <p:txBody>
+          <a:bodyPr wrap="none" rtlCol="0">
+            <a:spAutoFit/>
+          </a:bodyPr>
+          <a:lstStyle/>
+          <a:p>
+            <a:r>
+              <a:rPr lang="de-DE" sz="1600" dirty="0">
+                <a:solidFill>
+                  <a:schemeClr val="bg1"/>
+                </a:solidFill>
+              </a:rPr>
+              <a:t>Neues Item erstellen</a:t>
+            </a:r>
+          </a:p>
+          <a:p>
+            <a:r>
+              <a:rPr lang="de-DE" sz="1600" dirty="0">
+                <a:solidFill>
+                  <a:schemeClr val="bg1"/>
+                </a:solidFill>
+              </a:rPr>
+              <a:t>(händisch)</a:t>
+            </a:r>
+            <a:endParaRPr lang="en-US" sz="1600" dirty="0">
+              <a:solidFill>
+                <a:schemeClr val="bg1"/>
+              </a:solidFill>
+            </a:endParaRPr>
+          </a:p>
+        </p:txBody>
+      </p:sp>
+      <p:cxnSp>
+        <p:nvCxnSpPr>
+          <p:cNvPr id="15" name="Straight Arrow Connector 14">
+            <a:extLst>
+              <a:ext uri="{FF2B5EF4-FFF2-40B4-BE49-F238E27FC236}">
+                <a16:creationId xmlns:a16="http://schemas.microsoft.com/office/drawing/2014/main" id="{0F5E241F-65ED-4DFA-9A22-11B688E83EF4}"/>
+              </a:ext>
+            </a:extLst>
+          </p:cNvPr>
+          <p:cNvCxnSpPr>
+            <a:cxnSpLocks/>
+            <a:stCxn id="14" idx="0"/>
+          </p:cNvCxnSpPr>
+          <p:nvPr/>
+        </p:nvCxnSpPr>
+        <p:spPr>
+          <a:xfrm flipV="1">
+            <a:off x="5149809" y="3108628"/>
+            <a:ext cx="726031" cy="533786"/>
+          </a:xfrm>
+          <a:prstGeom prst="straightConnector1">
+            <a:avLst/>
+          </a:prstGeom>
+          <a:ln>
+            <a:solidFill>
+              <a:schemeClr val="accent1">
+                <a:lumMod val="50000"/>
+              </a:schemeClr>
+            </a:solidFill>
+            <a:tailEnd type="triangle"/>
+          </a:ln>
+        </p:spPr>
+        <p:style>
+          <a:lnRef idx="1">
+            <a:schemeClr val="accent1"/>
+          </a:lnRef>
+          <a:fillRef idx="0">
+            <a:schemeClr val="accent1"/>
+          </a:fillRef>
+          <a:effectRef idx="0">
+            <a:schemeClr val="accent1"/>
+          </a:effectRef>
+          <a:fontRef idx="minor">
+            <a:schemeClr val="tx1"/>
+          </a:fontRef>
+        </p:style>
+      </p:cxnSp>
+      <p:sp>
+        <p:nvSpPr>
+          <p:cNvPr id="17" name="TextBox 16">
+            <a:extLst>
+              <a:ext uri="{FF2B5EF4-FFF2-40B4-BE49-F238E27FC236}">
+                <a16:creationId xmlns:a16="http://schemas.microsoft.com/office/drawing/2014/main" id="{B4A02E96-32F5-404C-A507-B769D2D762BD}"/>
+              </a:ext>
+            </a:extLst>
+          </p:cNvPr>
+          <p:cNvSpPr txBox="1"/>
+          <p:nvPr/>
+        </p:nvSpPr>
+        <p:spPr>
+          <a:xfrm>
+            <a:off x="5288582" y="4958947"/>
+            <a:ext cx="2241896" cy="830997"/>
+          </a:xfrm>
+          <a:prstGeom prst="rect">
+            <a:avLst/>
+          </a:prstGeom>
+          <a:noFill/>
+        </p:spPr>
+        <p:txBody>
+          <a:bodyPr wrap="none" rtlCol="0">
+            <a:spAutoFit/>
+          </a:bodyPr>
+          <a:lstStyle/>
+          <a:p>
+            <a:r>
+              <a:rPr lang="de-DE" sz="1600" dirty="0">
+                <a:solidFill>
+                  <a:schemeClr val="bg1"/>
+                </a:solidFill>
+              </a:rPr>
+              <a:t>Neues Item erstellen</a:t>
+            </a:r>
+          </a:p>
+          <a:p>
+            <a:r>
+              <a:rPr lang="de-DE" sz="1600" dirty="0">
+                <a:solidFill>
+                  <a:schemeClr val="bg1"/>
+                </a:solidFill>
+              </a:rPr>
+              <a:t>(von „Identifier“ wie doi </a:t>
+            </a:r>
+          </a:p>
+          <a:p>
+            <a:r>
+              <a:rPr lang="de-DE" sz="1600" dirty="0">
+                <a:solidFill>
+                  <a:schemeClr val="bg1"/>
+                </a:solidFill>
+              </a:rPr>
+              <a:t>Oder ISBN)</a:t>
+            </a:r>
+            <a:endParaRPr lang="en-US" sz="1600" dirty="0">
+              <a:solidFill>
+                <a:schemeClr val="bg1"/>
+              </a:solidFill>
+            </a:endParaRPr>
+          </a:p>
+        </p:txBody>
+      </p:sp>
+      <p:cxnSp>
+        <p:nvCxnSpPr>
+          <p:cNvPr id="18" name="Straight Arrow Connector 17">
+            <a:extLst>
+              <a:ext uri="{FF2B5EF4-FFF2-40B4-BE49-F238E27FC236}">
+                <a16:creationId xmlns:a16="http://schemas.microsoft.com/office/drawing/2014/main" id="{6A42B0EF-399D-4D20-9946-D20BE16AE9F2}"/>
+              </a:ext>
+            </a:extLst>
+          </p:cNvPr>
+          <p:cNvCxnSpPr>
+            <a:cxnSpLocks/>
+            <a:stCxn id="17" idx="0"/>
+          </p:cNvCxnSpPr>
+          <p:nvPr/>
+        </p:nvCxnSpPr>
+        <p:spPr>
+          <a:xfrm flipV="1">
+            <a:off x="6409530" y="3163767"/>
+            <a:ext cx="152159" cy="1795180"/>
+          </a:xfrm>
+          <a:prstGeom prst="straightConnector1">
+            <a:avLst/>
+          </a:prstGeom>
+          <a:ln>
+            <a:solidFill>
+              <a:schemeClr val="accent1">
+                <a:lumMod val="50000"/>
+              </a:schemeClr>
+            </a:solidFill>
+            <a:tailEnd type="triangle"/>
+          </a:ln>
+        </p:spPr>
+        <p:style>
+          <a:lnRef idx="1">
+            <a:schemeClr val="accent1"/>
+          </a:lnRef>
+          <a:fillRef idx="0">
+            <a:schemeClr val="accent1"/>
+          </a:fillRef>
+          <a:effectRef idx="0">
+            <a:schemeClr val="accent1"/>
+          </a:effectRef>
+          <a:fontRef idx="minor">
+            <a:schemeClr val="tx1"/>
+          </a:fontRef>
+        </p:style>
+      </p:cxnSp>
+      <p:sp>
+        <p:nvSpPr>
+          <p:cNvPr id="21" name="TextBox 20">
+            <a:extLst>
+              <a:ext uri="{FF2B5EF4-FFF2-40B4-BE49-F238E27FC236}">
+                <a16:creationId xmlns:a16="http://schemas.microsoft.com/office/drawing/2014/main" id="{95C8F8BB-D906-48FE-8152-39F7A4D9CAD4}"/>
+              </a:ext>
+            </a:extLst>
+          </p:cNvPr>
+          <p:cNvSpPr txBox="1"/>
+          <p:nvPr/>
+        </p:nvSpPr>
+        <p:spPr>
+          <a:xfrm>
+            <a:off x="6764985" y="3694233"/>
+            <a:ext cx="1116011" cy="338554"/>
+          </a:xfrm>
+          <a:prstGeom prst="rect">
+            <a:avLst/>
+          </a:prstGeom>
+          <a:noFill/>
+        </p:spPr>
+        <p:txBody>
+          <a:bodyPr wrap="none" rtlCol="0">
+            <a:spAutoFit/>
+          </a:bodyPr>
+          <a:lstStyle/>
+          <a:p>
+            <a:r>
+              <a:rPr lang="de-DE" sz="1600" dirty="0">
+                <a:solidFill>
+                  <a:schemeClr val="bg1"/>
+                </a:solidFill>
+              </a:rPr>
+              <a:t>Neue Notiz</a:t>
+            </a:r>
+            <a:endParaRPr lang="en-US" sz="1600" dirty="0">
+              <a:solidFill>
+                <a:schemeClr val="bg1"/>
+              </a:solidFill>
+            </a:endParaRPr>
+          </a:p>
+        </p:txBody>
+      </p:sp>
+      <p:cxnSp>
+        <p:nvCxnSpPr>
+          <p:cNvPr id="22" name="Straight Arrow Connector 21">
+            <a:extLst>
+              <a:ext uri="{FF2B5EF4-FFF2-40B4-BE49-F238E27FC236}">
+                <a16:creationId xmlns:a16="http://schemas.microsoft.com/office/drawing/2014/main" id="{02AFFC41-573F-4822-B444-E41029D28854}"/>
+              </a:ext>
+            </a:extLst>
+          </p:cNvPr>
+          <p:cNvCxnSpPr>
+            <a:cxnSpLocks/>
+            <a:stCxn id="21" idx="0"/>
+          </p:cNvCxnSpPr>
+          <p:nvPr/>
+        </p:nvCxnSpPr>
+        <p:spPr>
+          <a:xfrm flipH="1" flipV="1">
+            <a:off x="7141692" y="3163767"/>
+            <a:ext cx="181299" cy="530466"/>
+          </a:xfrm>
+          <a:prstGeom prst="straightConnector1">
+            <a:avLst/>
+          </a:prstGeom>
+          <a:ln>
+            <a:solidFill>
+              <a:schemeClr val="accent1">
+                <a:lumMod val="50000"/>
+              </a:schemeClr>
+            </a:solidFill>
+            <a:tailEnd type="triangle"/>
+          </a:ln>
+        </p:spPr>
+        <p:style>
+          <a:lnRef idx="1">
+            <a:schemeClr val="accent1"/>
+          </a:lnRef>
+          <a:fillRef idx="0">
+            <a:schemeClr val="accent1"/>
+          </a:fillRef>
+          <a:effectRef idx="0">
+            <a:schemeClr val="accent1"/>
+          </a:effectRef>
+          <a:fontRef idx="minor">
+            <a:schemeClr val="tx1"/>
+          </a:fontRef>
+        </p:style>
+      </p:cxnSp>
+      <p:sp>
+        <p:nvSpPr>
+          <p:cNvPr id="24" name="TextBox 23">
+            <a:extLst>
+              <a:ext uri="{FF2B5EF4-FFF2-40B4-BE49-F238E27FC236}">
+                <a16:creationId xmlns:a16="http://schemas.microsoft.com/office/drawing/2014/main" id="{37F0E304-90D6-46CD-951A-F781F6005A78}"/>
+              </a:ext>
+            </a:extLst>
+          </p:cNvPr>
+          <p:cNvSpPr txBox="1"/>
+          <p:nvPr/>
+        </p:nvSpPr>
+        <p:spPr>
+          <a:xfrm>
+            <a:off x="8412927" y="3745948"/>
+            <a:ext cx="1487010" cy="584775"/>
+          </a:xfrm>
+          <a:prstGeom prst="rect">
+            <a:avLst/>
+          </a:prstGeom>
+          <a:noFill/>
+        </p:spPr>
+        <p:txBody>
+          <a:bodyPr wrap="none" rtlCol="0">
+            <a:spAutoFit/>
+          </a:bodyPr>
+          <a:lstStyle/>
+          <a:p>
+            <a:r>
+              <a:rPr lang="de-DE" sz="1600" dirty="0">
+                <a:solidFill>
+                  <a:schemeClr val="bg1"/>
+                </a:solidFill>
+              </a:rPr>
+              <a:t>Link oder Datei </a:t>
+            </a:r>
+          </a:p>
+          <a:p>
+            <a:r>
+              <a:rPr lang="de-DE" sz="1600" dirty="0">
+                <a:solidFill>
+                  <a:schemeClr val="bg1"/>
+                </a:solidFill>
+              </a:rPr>
+              <a:t>hinzufügen</a:t>
+            </a:r>
+            <a:endParaRPr lang="en-US" sz="1600" dirty="0">
+              <a:solidFill>
+                <a:schemeClr val="bg1"/>
+              </a:solidFill>
+            </a:endParaRPr>
+          </a:p>
+        </p:txBody>
+      </p:sp>
+      <p:cxnSp>
+        <p:nvCxnSpPr>
+          <p:cNvPr id="25" name="Straight Arrow Connector 24">
+            <a:extLst>
+              <a:ext uri="{FF2B5EF4-FFF2-40B4-BE49-F238E27FC236}">
+                <a16:creationId xmlns:a16="http://schemas.microsoft.com/office/drawing/2014/main" id="{8E53CF8A-AE49-4DFB-A187-5B85A670D8D6}"/>
+              </a:ext>
+            </a:extLst>
+          </p:cNvPr>
+          <p:cNvCxnSpPr>
+            <a:cxnSpLocks/>
+            <a:stCxn id="24" idx="0"/>
+          </p:cNvCxnSpPr>
+          <p:nvPr/>
+        </p:nvCxnSpPr>
+        <p:spPr>
+          <a:xfrm flipH="1" flipV="1">
+            <a:off x="7856681" y="3091518"/>
+            <a:ext cx="1299751" cy="654430"/>
+          </a:xfrm>
+          <a:prstGeom prst="straightConnector1">
+            <a:avLst/>
+          </a:prstGeom>
+          <a:ln>
+            <a:solidFill>
+              <a:schemeClr val="accent1">
+                <a:lumMod val="50000"/>
+              </a:schemeClr>
+            </a:solidFill>
+            <a:tailEnd type="triangle"/>
+          </a:ln>
+        </p:spPr>
+        <p:style>
+          <a:lnRef idx="1">
+            <a:schemeClr val="accent1"/>
+          </a:lnRef>
+          <a:fillRef idx="0">
+            <a:schemeClr val="accent1"/>
+          </a:fillRef>
+          <a:effectRef idx="0">
+            <a:schemeClr val="accent1"/>
+          </a:effectRef>
+          <a:fontRef idx="minor">
+            <a:schemeClr val="tx1"/>
+          </a:fontRef>
+        </p:style>
+      </p:cxnSp>
+    </p:spTree>
+    <p:extLst>
+      <p:ext uri="{BB962C8B-B14F-4D97-AF65-F5344CB8AC3E}">
+        <p14:creationId xmlns:p14="http://schemas.microsoft.com/office/powerpoint/2010/main" val="3385626318"/>
+      </p:ext>
+    </p:extLst>
+  </p:cSld>
+  <p:clrMapOvr>
+    <a:masterClrMapping/>
+  </p:clrMapOvr>
+  <p:timing>
+    <p:tnLst>
+      <p:par>
+        <p:cTn id="1" dur="indefinite" restart="never" nodeType="tmRoot">
+          <p:childTnLst>
+            <p:seq concurrent="1" nextAc="seek">
+              <p:cTn id="2" dur="indefinite" nodeType="mainSeq">
+                <p:childTnLst>
+                  <p:par>
+                    <p:cTn id="3" fill="hold">
+                      <p:stCondLst>
+                        <p:cond delay="indefinite"/>
+                      </p:stCondLst>
+                      <p:childTnLst>
+                        <p:par>
+                          <p:cTn id="4" fill="hold">
+                            <p:stCondLst>
+                              <p:cond delay="0"/>
+                            </p:stCondLst>
+                            <p:childTnLst>
+                              <p:par>
+                                <p:cTn id="5" presetID="1" presetClass="entr" presetSubtype="0" fill="hold" nodeType="clickEffect">
+                                  <p:stCondLst>
+                                    <p:cond delay="0"/>
+                                  </p:stCondLst>
+                                  <p:childTnLst>
+                                    <p:set>
+                                      <p:cBhvr>
+                                        <p:cTn id="6" dur="1" fill="hold">
+                                          <p:stCondLst>
+                                            <p:cond delay="0"/>
+                                          </p:stCondLst>
+                                        </p:cTn>
+                                        <p:tgtEl>
+                                          <p:spTgt spid="10"/>
+                                        </p:tgtEl>
+                                        <p:attrNameLst>
+                                          <p:attrName>style.visibility</p:attrName>
+                                        </p:attrNameLst>
+                                      </p:cBhvr>
+                                      <p:to>
+                                        <p:strVal val="visible"/>
+                                      </p:to>
+                                    </p:set>
+                                  </p:childTnLst>
+                                </p:cTn>
+                              </p:par>
+                              <p:par>
+                                <p:cTn id="7" presetID="1" presetClass="entr" presetSubtype="0" fill="hold" grpId="0" nodeType="withEffect">
+                                  <p:stCondLst>
+                                    <p:cond delay="0"/>
+                                  </p:stCondLst>
+                                  <p:childTnLst>
+                                    <p:set>
+                                      <p:cBhvr>
+                                        <p:cTn id="8" dur="1" fill="hold">
+                                          <p:stCondLst>
+                                            <p:cond delay="0"/>
+                                          </p:stCondLst>
+                                        </p:cTn>
+                                        <p:tgtEl>
+                                          <p:spTgt spid="9"/>
+                                        </p:tgtEl>
+                                        <p:attrNameLst>
+                                          <p:attrName>style.visibility</p:attrName>
+                                        </p:attrNameLst>
+                                      </p:cBhvr>
+                                      <p:to>
+                                        <p:strVal val="visible"/>
+                                      </p:to>
+                                    </p:set>
+                                  </p:childTnLst>
+                                </p:cTn>
+                              </p:par>
+                            </p:childTnLst>
+                          </p:cTn>
+                        </p:par>
+                      </p:childTnLst>
+                    </p:cTn>
+                  </p:par>
+                  <p:par>
+                    <p:cTn id="9" fill="hold">
+                      <p:stCondLst>
+                        <p:cond delay="indefinite"/>
+                      </p:stCondLst>
+                      <p:childTnLst>
+                        <p:par>
+                          <p:cTn id="10" fill="hold">
+                            <p:stCondLst>
+                              <p:cond delay="0"/>
+                            </p:stCondLst>
+                            <p:childTnLst>
+                              <p:par>
+                                <p:cTn id="11" presetID="1" presetClass="entr" presetSubtype="0" fill="hold" nodeType="clickEffect">
+                                  <p:stCondLst>
+                                    <p:cond delay="0"/>
+                                  </p:stCondLst>
+                                  <p:childTnLst>
+                                    <p:set>
+                                      <p:cBhvr>
+                                        <p:cTn id="12" dur="1" fill="hold">
+                                          <p:stCondLst>
+                                            <p:cond delay="0"/>
+                                          </p:stCondLst>
+                                        </p:cTn>
+                                        <p:tgtEl>
+                                          <p:spTgt spid="12"/>
+                                        </p:tgtEl>
+                                        <p:attrNameLst>
+                                          <p:attrName>style.visibility</p:attrName>
+                                        </p:attrNameLst>
+                                      </p:cBhvr>
+                                      <p:to>
+                                        <p:strVal val="visible"/>
+                                      </p:to>
+                                    </p:set>
+                                  </p:childTnLst>
+                                </p:cTn>
+                              </p:par>
+                              <p:par>
+                                <p:cTn id="13" presetID="1" presetClass="entr" presetSubtype="0" fill="hold" grpId="0" nodeType="withEffect">
+                                  <p:stCondLst>
+                                    <p:cond delay="0"/>
+                                  </p:stCondLst>
+                                  <p:childTnLst>
+                                    <p:set>
+                                      <p:cBhvr>
+                                        <p:cTn id="14" dur="1" fill="hold">
+                                          <p:stCondLst>
+                                            <p:cond delay="0"/>
+                                          </p:stCondLst>
+                                        </p:cTn>
+                                        <p:tgtEl>
+                                          <p:spTgt spid="11"/>
+                                        </p:tgtEl>
+                                        <p:attrNameLst>
+                                          <p:attrName>style.visibility</p:attrName>
+                                        </p:attrNameLst>
+                                      </p:cBhvr>
+                                      <p:to>
+                                        <p:strVal val="visible"/>
+                                      </p:to>
+                                    </p:set>
+                                  </p:childTnLst>
+                                </p:cTn>
+                              </p:par>
+                            </p:childTnLst>
+                          </p:cTn>
+                        </p:par>
+                      </p:childTnLst>
+                    </p:cTn>
+                  </p:par>
+                  <p:par>
+                    <p:cTn id="15" fill="hold">
+                      <p:stCondLst>
+                        <p:cond delay="indefinite"/>
+                      </p:stCondLst>
+                      <p:childTnLst>
+                        <p:par>
+                          <p:cTn id="16" fill="hold">
+                            <p:stCondLst>
+                              <p:cond delay="0"/>
+                            </p:stCondLst>
+                            <p:childTnLst>
+                              <p:par>
+                                <p:cTn id="17" presetID="1" presetClass="entr" presetSubtype="0" fill="hold" nodeType="clickEffect">
+                                  <p:stCondLst>
+                                    <p:cond delay="0"/>
+                                  </p:stCondLst>
+                                  <p:childTnLst>
+                                    <p:set>
+                                      <p:cBhvr>
+                                        <p:cTn id="18" dur="1" fill="hold">
+                                          <p:stCondLst>
+                                            <p:cond delay="0"/>
+                                          </p:stCondLst>
+                                        </p:cTn>
+                                        <p:tgtEl>
+                                          <p:spTgt spid="15"/>
+                                        </p:tgtEl>
+                                        <p:attrNameLst>
+                                          <p:attrName>style.visibility</p:attrName>
+                                        </p:attrNameLst>
+                                      </p:cBhvr>
+                                      <p:to>
+                                        <p:strVal val="visible"/>
+                                      </p:to>
+                                    </p:set>
+                                  </p:childTnLst>
+                                </p:cTn>
+                              </p:par>
+                              <p:par>
+                                <p:cTn id="19" presetID="1" presetClass="entr" presetSubtype="0" fill="hold" grpId="0" nodeType="withEffect">
+                                  <p:stCondLst>
+                                    <p:cond delay="0"/>
+                                  </p:stCondLst>
+                                  <p:childTnLst>
+                                    <p:set>
+                                      <p:cBhvr>
+                                        <p:cTn id="20" dur="1" fill="hold">
+                                          <p:stCondLst>
+                                            <p:cond delay="0"/>
+                                          </p:stCondLst>
+                                        </p:cTn>
+                                        <p:tgtEl>
+                                          <p:spTgt spid="14"/>
+                                        </p:tgtEl>
+                                        <p:attrNameLst>
+                                          <p:attrName>style.visibility</p:attrName>
+                                        </p:attrNameLst>
+                                      </p:cBhvr>
+                                      <p:to>
+                                        <p:strVal val="visible"/>
+                                      </p:to>
+                                    </p:set>
+                                  </p:childTnLst>
+                                </p:cTn>
+                              </p:par>
+                            </p:childTnLst>
+                          </p:cTn>
+                        </p:par>
+                      </p:childTnLst>
+                    </p:cTn>
+                  </p:par>
+                  <p:par>
+                    <p:cTn id="21" fill="hold">
+                      <p:stCondLst>
+                        <p:cond delay="indefinite"/>
+                      </p:stCondLst>
+                      <p:childTnLst>
+                        <p:par>
+                          <p:cTn id="22" fill="hold">
+                            <p:stCondLst>
+                              <p:cond delay="0"/>
+                            </p:stCondLst>
+                            <p:childTnLst>
+                              <p:par>
+                                <p:cTn id="23" presetID="1" presetClass="entr" presetSubtype="0" fill="hold" nodeType="clickEffect">
+                                  <p:stCondLst>
+                                    <p:cond delay="0"/>
+                                  </p:stCondLst>
+                                  <p:childTnLst>
+                                    <p:set>
+                                      <p:cBhvr>
+                                        <p:cTn id="24" dur="1" fill="hold">
+                                          <p:stCondLst>
+                                            <p:cond delay="0"/>
+                                          </p:stCondLst>
+                                        </p:cTn>
+                                        <p:tgtEl>
+                                          <p:spTgt spid="18"/>
+                                        </p:tgtEl>
+                                        <p:attrNameLst>
+                                          <p:attrName>style.visibility</p:attrName>
+                                        </p:attrNameLst>
+                                      </p:cBhvr>
+                                      <p:to>
+                                        <p:strVal val="visible"/>
+                                      </p:to>
+                                    </p:set>
+                                  </p:childTnLst>
+                                </p:cTn>
+                              </p:par>
+                              <p:par>
+                                <p:cTn id="25" presetID="1" presetClass="entr" presetSubtype="0" fill="hold" grpId="0" nodeType="withEffect">
+                                  <p:stCondLst>
+                                    <p:cond delay="0"/>
+                                  </p:stCondLst>
+                                  <p:childTnLst>
+                                    <p:set>
+                                      <p:cBhvr>
+                                        <p:cTn id="26" dur="1" fill="hold">
+                                          <p:stCondLst>
+                                            <p:cond delay="0"/>
+                                          </p:stCondLst>
+                                        </p:cTn>
+                                        <p:tgtEl>
+                                          <p:spTgt spid="17"/>
+                                        </p:tgtEl>
+                                        <p:attrNameLst>
+                                          <p:attrName>style.visibility</p:attrName>
+                                        </p:attrNameLst>
+                                      </p:cBhvr>
+                                      <p:to>
+                                        <p:strVal val="visible"/>
+                                      </p:to>
+                                    </p:set>
+                                  </p:childTnLst>
+                                </p:cTn>
+                              </p:par>
+                            </p:childTnLst>
+                          </p:cTn>
+                        </p:par>
+                      </p:childTnLst>
+                    </p:cTn>
+                  </p:par>
+                  <p:par>
+                    <p:cTn id="27" fill="hold">
+                      <p:stCondLst>
+                        <p:cond delay="indefinite"/>
+                      </p:stCondLst>
+                      <p:childTnLst>
+                        <p:par>
+                          <p:cTn id="28" fill="hold">
+                            <p:stCondLst>
+                              <p:cond delay="0"/>
+                            </p:stCondLst>
+                            <p:childTnLst>
+                              <p:par>
+                                <p:cTn id="29" presetID="1" presetClass="entr" presetSubtype="0" fill="hold" nodeType="clickEffect">
+                                  <p:stCondLst>
+                                    <p:cond delay="0"/>
+                                  </p:stCondLst>
+                                  <p:childTnLst>
+                                    <p:set>
+                                      <p:cBhvr>
+                                        <p:cTn id="30" dur="1" fill="hold">
+                                          <p:stCondLst>
+                                            <p:cond delay="0"/>
+                                          </p:stCondLst>
+                                        </p:cTn>
+                                        <p:tgtEl>
+                                          <p:spTgt spid="22"/>
+                                        </p:tgtEl>
+                                        <p:attrNameLst>
+                                          <p:attrName>style.visibility</p:attrName>
+                                        </p:attrNameLst>
+                                      </p:cBhvr>
+                                      <p:to>
+                                        <p:strVal val="visible"/>
+                                      </p:to>
+                                    </p:set>
+                                  </p:childTnLst>
+                                </p:cTn>
+                              </p:par>
+                              <p:par>
+                                <p:cTn id="31" presetID="1" presetClass="entr" presetSubtype="0" fill="hold" grpId="0" nodeType="withEffect">
+                                  <p:stCondLst>
+                                    <p:cond delay="0"/>
+                                  </p:stCondLst>
+                                  <p:childTnLst>
+                                    <p:set>
+                                      <p:cBhvr>
+                                        <p:cTn id="32" dur="1" fill="hold">
+                                          <p:stCondLst>
+                                            <p:cond delay="0"/>
+                                          </p:stCondLst>
+                                        </p:cTn>
+                                        <p:tgtEl>
+                                          <p:spTgt spid="21"/>
+                                        </p:tgtEl>
+                                        <p:attrNameLst>
+                                          <p:attrName>style.visibility</p:attrName>
+                                        </p:attrNameLst>
+                                      </p:cBhvr>
+                                      <p:to>
+                                        <p:strVal val="visible"/>
+                                      </p:to>
+                                    </p:set>
+                                  </p:childTnLst>
+                                </p:cTn>
+                              </p:par>
+                            </p:childTnLst>
+                          </p:cTn>
+                        </p:par>
+                      </p:childTnLst>
+                    </p:cTn>
+                  </p:par>
+                  <p:par>
+                    <p:cTn id="33" fill="hold">
+                      <p:stCondLst>
+                        <p:cond delay="indefinite"/>
+                      </p:stCondLst>
+                      <p:childTnLst>
+                        <p:par>
+                          <p:cTn id="34" fill="hold">
+                            <p:stCondLst>
+                              <p:cond delay="0"/>
+                            </p:stCondLst>
+                            <p:childTnLst>
+                              <p:par>
+                                <p:cTn id="35" presetID="1" presetClass="entr" presetSubtype="0" fill="hold" nodeType="clickEffect">
+                                  <p:stCondLst>
+                                    <p:cond delay="0"/>
+                                  </p:stCondLst>
+                                  <p:childTnLst>
+                                    <p:set>
+                                      <p:cBhvr>
+                                        <p:cTn id="36" dur="1" fill="hold">
+                                          <p:stCondLst>
+                                            <p:cond delay="0"/>
+                                          </p:stCondLst>
+                                        </p:cTn>
+                                        <p:tgtEl>
+                                          <p:spTgt spid="25"/>
+                                        </p:tgtEl>
+                                        <p:attrNameLst>
+                                          <p:attrName>style.visibility</p:attrName>
+                                        </p:attrNameLst>
+                                      </p:cBhvr>
+                                      <p:to>
+                                        <p:strVal val="visible"/>
+                                      </p:to>
+                                    </p:set>
+                                  </p:childTnLst>
+                                </p:cTn>
+                              </p:par>
+                              <p:par>
+                                <p:cTn id="37" presetID="1" presetClass="entr" presetSubtype="0" fill="hold" grpId="0" nodeType="withEffect">
+                                  <p:stCondLst>
+                                    <p:cond delay="0"/>
+                                  </p:stCondLst>
+                                  <p:childTnLst>
+                                    <p:set>
+                                      <p:cBhvr>
+                                        <p:cTn id="38" dur="1" fill="hold">
+                                          <p:stCondLst>
+                                            <p:cond delay="0"/>
+                                          </p:stCondLst>
+                                        </p:cTn>
+                                        <p:tgtEl>
+                                          <p:spTgt spid="24"/>
+                                        </p:tgtEl>
+                                        <p:attrNameLst>
+                                          <p:attrName>style.visibility</p:attrName>
+                                        </p:attrNameLst>
+                                      </p:cBhvr>
+                                      <p:to>
+                                        <p:strVal val="visible"/>
+                                      </p:to>
+                                    </p:set>
+                                  </p:childTnLst>
+                                </p:cTn>
+                              </p:par>
+                            </p:childTnLst>
+                          </p:cTn>
+                        </p:par>
+                      </p:childTnLst>
+                    </p:cTn>
+                  </p:par>
+                </p:childTnLst>
+              </p:cTn>
+              <p:prevCondLst>
+                <p:cond evt="onPrev" delay="0">
+                  <p:tgtEl>
+                    <p:sldTgt/>
+                  </p:tgtEl>
+                </p:cond>
+              </p:prevCondLst>
+              <p:nextCondLst>
+                <p:cond evt="onNext" delay="0">
+                  <p:tgtEl>
+                    <p:sldTgt/>
+                  </p:tgtEl>
+                </p:cond>
+              </p:nextCondLst>
+            </p:seq>
+          </p:childTnLst>
+        </p:cTn>
+      </p:par>
+    </p:tnLst>
+    <p:bldLst>
+      <p:bldP spid="9" grpId="0"/>
+      <p:bldP spid="11" grpId="0"/>
+      <p:bldP spid="14" grpId="0"/>
+      <p:bldP spid="17" grpId="0"/>
+      <p:bldP spid="21" grpId="0"/>
+      <p:bldP spid="24" grpId="0"/>
+    </p:bldLst>
+  </p:timing>
+</p:sld>
+</file>
+
+<file path=ppt/slides/slide7.xml><?xml version="1.0" encoding="utf-8"?>
+<p:sld xmlns:a="http://schemas.openxmlformats.org/drawingml/2006/main" xmlns:r="http://schemas.openxmlformats.org/officeDocument/2006/relationships" xmlns:p="http://schemas.openxmlformats.org/presentationml/2006/main">
+  <p:cSld>
+    <p:spTree>
+      <p:nvGrpSpPr>
+        <p:cNvPr id="1" name=""/>
+        <p:cNvGrpSpPr/>
+        <p:nvPr/>
+      </p:nvGrpSpPr>
+      <p:grpSpPr>
+        <a:xfrm>
+          <a:off x="0" y="0"/>
+          <a:ext cx="0" cy="0"/>
+          <a:chOff x="0" y="0"/>
+          <a:chExt cx="0" cy="0"/>
+        </a:xfrm>
+      </p:grpSpPr>
+      <p:sp>
+        <p:nvSpPr>
+          <p:cNvPr id="2" name="Content Placeholder 1">
+            <a:extLst>
+              <a:ext uri="{FF2B5EF4-FFF2-40B4-BE49-F238E27FC236}">
+                <a16:creationId xmlns:a16="http://schemas.microsoft.com/office/drawing/2014/main" id="{2685ABAC-E6AA-428F-9B02-33B0DBDAD79C}"/>
               </a:ext>
             </a:extLst>
           </p:cNvPr>
@@ -5346,6 +12059,609 @@
           <a:bodyPr/>
           <a:lstStyle/>
           <a:p>
+            <a:r>
+              <a:rPr lang="de-DE" dirty="0">
+                <a:hlinkClick r:id="rId2"/>
+              </a:rPr>
+              <a:t>https://www.zotero.org/download/connectors</a:t>
+            </a:r>
+            <a:r>
+              <a:rPr lang="de-DE" dirty="0"/>
+              <a:t> </a:t>
+            </a:r>
+          </a:p>
+          <a:p>
+            <a:r>
+              <a:rPr lang="de-DE" dirty="0"/>
+              <a:t>Verfügbar für die meisten gängigen Browser </a:t>
+            </a:r>
+          </a:p>
+          <a:p>
+            <a:r>
+              <a:rPr lang="de-DE" dirty="0"/>
+              <a:t>Dein Browser wird (meist) automatisch erkannt, damit die richtige Extension installiert wird</a:t>
+            </a:r>
+          </a:p>
+        </p:txBody>
+      </p:sp>
+      <p:sp>
+        <p:nvSpPr>
+          <p:cNvPr id="3" name="Title 2">
+            <a:extLst>
+              <a:ext uri="{FF2B5EF4-FFF2-40B4-BE49-F238E27FC236}">
+                <a16:creationId xmlns:a16="http://schemas.microsoft.com/office/drawing/2014/main" id="{5C2BAD83-4320-4F68-AA31-E8387E36FF99}"/>
+              </a:ext>
+            </a:extLst>
+          </p:cNvPr>
+          <p:cNvSpPr>
+            <a:spLocks noGrp="1"/>
+          </p:cNvSpPr>
+          <p:nvPr>
+            <p:ph type="title"/>
+          </p:nvPr>
+        </p:nvSpPr>
+        <p:spPr/>
+        <p:txBody>
+          <a:bodyPr/>
+          <a:lstStyle/>
+          <a:p>
+            <a:r>
+              <a:rPr lang="de-DE" dirty="0"/>
+              <a:t>Zotero – </a:t>
+            </a:r>
+            <a:endParaRPr lang="en-US" dirty="0"/>
+          </a:p>
+        </p:txBody>
+      </p:sp>
+      <p:sp>
+        <p:nvSpPr>
+          <p:cNvPr id="4" name="Text Placeholder 3">
+            <a:extLst>
+              <a:ext uri="{FF2B5EF4-FFF2-40B4-BE49-F238E27FC236}">
+                <a16:creationId xmlns:a16="http://schemas.microsoft.com/office/drawing/2014/main" id="{1DE7268B-5DF0-474A-B9BA-B3D8202F5ABE}"/>
+              </a:ext>
+            </a:extLst>
+          </p:cNvPr>
+          <p:cNvSpPr>
+            <a:spLocks noGrp="1"/>
+          </p:cNvSpPr>
+          <p:nvPr>
+            <p:ph type="body" sz="quarter" idx="13"/>
+          </p:nvPr>
+        </p:nvSpPr>
+        <p:spPr/>
+        <p:txBody>
+          <a:bodyPr/>
+          <a:lstStyle/>
+          <a:p>
+            <a:r>
+              <a:rPr lang="de-DE" dirty="0"/>
+              <a:t> </a:t>
+            </a:r>
+            <a:endParaRPr lang="en-US" dirty="0"/>
+          </a:p>
+        </p:txBody>
+      </p:sp>
+      <p:pic>
+        <p:nvPicPr>
+          <p:cNvPr id="6" name="Picture 5">
+            <a:extLst>
+              <a:ext uri="{FF2B5EF4-FFF2-40B4-BE49-F238E27FC236}">
+                <a16:creationId xmlns:a16="http://schemas.microsoft.com/office/drawing/2014/main" id="{43F4C2E3-297B-4712-8E72-A09836422EB7}"/>
+              </a:ext>
+            </a:extLst>
+          </p:cNvPr>
+          <p:cNvPicPr>
+            <a:picLocks noChangeAspect="1"/>
+          </p:cNvPicPr>
+          <p:nvPr/>
+        </p:nvPicPr>
+        <p:blipFill>
+          <a:blip r:embed="rId3"/>
+          <a:stretch>
+            <a:fillRect/>
+          </a:stretch>
+        </p:blipFill>
+        <p:spPr>
+          <a:xfrm>
+            <a:off x="3381458" y="706710"/>
+            <a:ext cx="2712955" cy="525826"/>
+          </a:xfrm>
+          <a:prstGeom prst="rect">
+            <a:avLst/>
+          </a:prstGeom>
+        </p:spPr>
+      </p:pic>
+    </p:spTree>
+    <p:extLst>
+      <p:ext uri="{BB962C8B-B14F-4D97-AF65-F5344CB8AC3E}">
+        <p14:creationId xmlns:p14="http://schemas.microsoft.com/office/powerpoint/2010/main" val="1034067786"/>
+      </p:ext>
+    </p:extLst>
+  </p:cSld>
+  <p:clrMapOvr>
+    <a:masterClrMapping/>
+  </p:clrMapOvr>
+</p:sld>
+</file>
+
+<file path=ppt/slides/slide8.xml><?xml version="1.0" encoding="utf-8"?>
+<p:sld xmlns:a="http://schemas.openxmlformats.org/drawingml/2006/main" xmlns:r="http://schemas.openxmlformats.org/officeDocument/2006/relationships" xmlns:p="http://schemas.openxmlformats.org/presentationml/2006/main">
+  <p:cSld>
+    <p:spTree>
+      <p:nvGrpSpPr>
+        <p:cNvPr id="1" name=""/>
+        <p:cNvGrpSpPr/>
+        <p:nvPr/>
+      </p:nvGrpSpPr>
+      <p:grpSpPr>
+        <a:xfrm>
+          <a:off x="0" y="0"/>
+          <a:ext cx="0" cy="0"/>
+          <a:chOff x="0" y="0"/>
+          <a:chExt cx="0" cy="0"/>
+        </a:xfrm>
+      </p:grpSpPr>
+      <p:sp>
+        <p:nvSpPr>
+          <p:cNvPr id="2" name="Content Placeholder 1">
+            <a:extLst>
+              <a:ext uri="{FF2B5EF4-FFF2-40B4-BE49-F238E27FC236}">
+                <a16:creationId xmlns:a16="http://schemas.microsoft.com/office/drawing/2014/main" id="{2685ABAC-E6AA-428F-9B02-33B0DBDAD79C}"/>
+              </a:ext>
+            </a:extLst>
+          </p:cNvPr>
+          <p:cNvSpPr>
+            <a:spLocks noGrp="1"/>
+          </p:cNvSpPr>
+          <p:nvPr>
+            <p:ph idx="1"/>
+          </p:nvPr>
+        </p:nvSpPr>
+        <p:spPr/>
+        <p:txBody>
+          <a:bodyPr/>
+          <a:lstStyle/>
+          <a:p>
+            <a:r>
+              <a:rPr lang="de-DE" dirty="0"/>
+              <a:t>Das ist, was wir meist nutzen (wollen)</a:t>
+            </a:r>
+          </a:p>
+          <a:p>
+            <a:r>
+              <a:rPr lang="de-DE" dirty="0"/>
+              <a:t>Workflow:</a:t>
+            </a:r>
+          </a:p>
+          <a:p>
+            <a:pPr lvl="1"/>
+            <a:r>
+              <a:rPr lang="de-DE" dirty="0"/>
+              <a:t>Quelle online suchen &amp; finden</a:t>
+            </a:r>
+          </a:p>
+          <a:p>
+            <a:pPr lvl="1"/>
+            <a:r>
+              <a:rPr lang="de-DE" dirty="0"/>
+              <a:t>Direkt auf der Browserseite „Save to Zotero“ nutzen</a:t>
+            </a:r>
+          </a:p>
+          <a:p>
+            <a:pPr lvl="1"/>
+            <a:r>
+              <a:rPr lang="de-DE" dirty="0"/>
+              <a:t>Auswählen, in welcher Bibliothek &amp; Sammlung die Quelle gespeichert werden soll</a:t>
+            </a:r>
+            <a:endParaRPr lang="en-US" dirty="0"/>
+          </a:p>
+          <a:p>
+            <a:pPr lvl="1"/>
+            <a:r>
+              <a:rPr lang="en-US" dirty="0"/>
+              <a:t>Quelle in Zotero </a:t>
+            </a:r>
+            <a:r>
+              <a:rPr lang="en-US" dirty="0" err="1"/>
+              <a:t>kontrollieren</a:t>
+            </a:r>
+            <a:endParaRPr lang="en-US" dirty="0"/>
+          </a:p>
+          <a:p>
+            <a:pPr lvl="1"/>
+            <a:r>
+              <a:rPr lang="en-US" dirty="0" err="1"/>
+              <a:t>Freuen</a:t>
+            </a:r>
+            <a:r>
+              <a:rPr lang="en-US" dirty="0"/>
+              <a:t>, </a:t>
+            </a:r>
+            <a:r>
+              <a:rPr lang="en-US" dirty="0" err="1"/>
+              <a:t>wie</a:t>
+            </a:r>
+            <a:r>
+              <a:rPr lang="en-US" dirty="0"/>
+              <a:t> </a:t>
+            </a:r>
+            <a:r>
+              <a:rPr lang="en-US" dirty="0" err="1"/>
+              <a:t>einfach</a:t>
+            </a:r>
+            <a:r>
+              <a:rPr lang="en-US" dirty="0"/>
+              <a:t> es sein </a:t>
+            </a:r>
+            <a:r>
+              <a:rPr lang="en-US" dirty="0" err="1"/>
+              <a:t>kann</a:t>
+            </a:r>
+            <a:r>
+              <a:rPr lang="en-US" dirty="0"/>
+              <a:t> </a:t>
+            </a:r>
+            <a:r>
+              <a:rPr lang="en-US" dirty="0">
+                <a:sym typeface="Wingdings" panose="05000000000000000000" pitchFamily="2" charset="2"/>
+              </a:rPr>
+              <a:t></a:t>
+            </a:r>
+            <a:endParaRPr lang="de-DE" dirty="0"/>
+          </a:p>
+        </p:txBody>
+      </p:sp>
+      <p:sp>
+        <p:nvSpPr>
+          <p:cNvPr id="4" name="Text Placeholder 3">
+            <a:extLst>
+              <a:ext uri="{FF2B5EF4-FFF2-40B4-BE49-F238E27FC236}">
+                <a16:creationId xmlns:a16="http://schemas.microsoft.com/office/drawing/2014/main" id="{1DE7268B-5DF0-474A-B9BA-B3D8202F5ABE}"/>
+              </a:ext>
+            </a:extLst>
+          </p:cNvPr>
+          <p:cNvSpPr>
+            <a:spLocks noGrp="1"/>
+          </p:cNvSpPr>
+          <p:nvPr>
+            <p:ph type="body" sz="quarter" idx="13"/>
+          </p:nvPr>
+        </p:nvSpPr>
+        <p:spPr/>
+        <p:txBody>
+          <a:bodyPr/>
+          <a:lstStyle/>
+          <a:p>
+            <a:r>
+              <a:rPr lang="de-DE" dirty="0"/>
+              <a:t>Quellen hinzufügen</a:t>
+            </a:r>
+            <a:endParaRPr lang="en-US" dirty="0"/>
+          </a:p>
+          <a:p>
+            <a:endParaRPr lang="en-US" dirty="0"/>
+          </a:p>
+        </p:txBody>
+      </p:sp>
+      <p:pic>
+        <p:nvPicPr>
+          <p:cNvPr id="8" name="Picture 7">
+            <a:extLst>
+              <a:ext uri="{FF2B5EF4-FFF2-40B4-BE49-F238E27FC236}">
+                <a16:creationId xmlns:a16="http://schemas.microsoft.com/office/drawing/2014/main" id="{2241704F-7F1C-4A5C-969B-212ACDA4BD6E}"/>
+              </a:ext>
+            </a:extLst>
+          </p:cNvPr>
+          <p:cNvPicPr>
+            <a:picLocks noChangeAspect="1"/>
+          </p:cNvPicPr>
+          <p:nvPr/>
+        </p:nvPicPr>
+        <p:blipFill>
+          <a:blip r:embed="rId2"/>
+          <a:stretch>
+            <a:fillRect/>
+          </a:stretch>
+        </p:blipFill>
+        <p:spPr>
+          <a:xfrm>
+            <a:off x="3381458" y="706710"/>
+            <a:ext cx="2712955" cy="525826"/>
+          </a:xfrm>
+          <a:prstGeom prst="rect">
+            <a:avLst/>
+          </a:prstGeom>
+        </p:spPr>
+      </p:pic>
+      <p:sp>
+        <p:nvSpPr>
+          <p:cNvPr id="11" name="Title 2">
+            <a:extLst>
+              <a:ext uri="{FF2B5EF4-FFF2-40B4-BE49-F238E27FC236}">
+                <a16:creationId xmlns:a16="http://schemas.microsoft.com/office/drawing/2014/main" id="{2AAF274C-4614-4327-B7FE-4CBF0C8E071E}"/>
+              </a:ext>
+            </a:extLst>
+          </p:cNvPr>
+          <p:cNvSpPr>
+            <a:spLocks noGrp="1"/>
+          </p:cNvSpPr>
+          <p:nvPr>
+            <p:ph type="title"/>
+          </p:nvPr>
+        </p:nvSpPr>
+        <p:spPr>
+          <a:xfrm>
+            <a:off x="1202919" y="284176"/>
+            <a:ext cx="9784080" cy="1508760"/>
+          </a:xfrm>
+        </p:spPr>
+        <p:txBody>
+          <a:bodyPr/>
+          <a:lstStyle/>
+          <a:p>
+            <a:r>
+              <a:rPr lang="de-DE" dirty="0"/>
+              <a:t>Zotero – </a:t>
+            </a:r>
+            <a:endParaRPr lang="en-US" dirty="0"/>
+          </a:p>
+        </p:txBody>
+      </p:sp>
+    </p:spTree>
+    <p:extLst>
+      <p:ext uri="{BB962C8B-B14F-4D97-AF65-F5344CB8AC3E}">
+        <p14:creationId xmlns:p14="http://schemas.microsoft.com/office/powerpoint/2010/main" val="1906781738"/>
+      </p:ext>
+    </p:extLst>
+  </p:cSld>
+  <p:clrMapOvr>
+    <a:masterClrMapping/>
+  </p:clrMapOvr>
+</p:sld>
+</file>
+
+<file path=ppt/slides/slide9.xml><?xml version="1.0" encoding="utf-8"?>
+<p:sld xmlns:a="http://schemas.openxmlformats.org/drawingml/2006/main" xmlns:r="http://schemas.openxmlformats.org/officeDocument/2006/relationships" xmlns:p="http://schemas.openxmlformats.org/presentationml/2006/main">
+  <p:cSld>
+    <p:spTree>
+      <p:nvGrpSpPr>
+        <p:cNvPr id="1" name=""/>
+        <p:cNvGrpSpPr/>
+        <p:nvPr/>
+      </p:nvGrpSpPr>
+      <p:grpSpPr>
+        <a:xfrm>
+          <a:off x="0" y="0"/>
+          <a:ext cx="0" cy="0"/>
+          <a:chOff x="0" y="0"/>
+          <a:chExt cx="0" cy="0"/>
+        </a:xfrm>
+      </p:grpSpPr>
+      <p:sp>
+        <p:nvSpPr>
+          <p:cNvPr id="2" name="Content Placeholder 1">
+            <a:extLst>
+              <a:ext uri="{FF2B5EF4-FFF2-40B4-BE49-F238E27FC236}">
+                <a16:creationId xmlns:a16="http://schemas.microsoft.com/office/drawing/2014/main" id="{2685ABAC-E6AA-428F-9B02-33B0DBDAD79C}"/>
+              </a:ext>
+            </a:extLst>
+          </p:cNvPr>
+          <p:cNvSpPr>
+            <a:spLocks noGrp="1"/>
+          </p:cNvSpPr>
+          <p:nvPr>
+            <p:ph idx="1"/>
+          </p:nvPr>
+        </p:nvSpPr>
+        <p:spPr/>
+        <p:txBody>
+          <a:bodyPr/>
+          <a:lstStyle/>
+          <a:p>
+            <a:r>
+              <a:rPr lang="de-DE" dirty="0"/>
+              <a:t>Wir möchten dieses Paper zu unserer Bibliothek (ohne Sammlung) hinzufügen: </a:t>
+            </a:r>
+            <a:r>
+              <a:rPr lang="de-DE" dirty="0">
+                <a:hlinkClick r:id="rId2"/>
+              </a:rPr>
+              <a:t>https://www.ncbi.nlm.nih.gov/pmc/articles/PMC1311997/</a:t>
+            </a:r>
+            <a:r>
+              <a:rPr lang="de-DE" dirty="0"/>
+              <a:t> (zum Abtippen: </a:t>
+            </a:r>
+            <a:r>
+              <a:rPr lang="de-DE" dirty="0">
+                <a:hlinkClick r:id="rId3"/>
+              </a:rPr>
+              <a:t>https://shorturl.at/gkqY0</a:t>
+            </a:r>
+            <a:r>
+              <a:rPr lang="de-DE" dirty="0"/>
+              <a:t>)</a:t>
+            </a:r>
+          </a:p>
+          <a:p>
+            <a:r>
+              <a:rPr lang="de-DE" dirty="0"/>
+              <a:t>Von dieser Seite klicken wir auf die Browser Extension von Zotero…</a:t>
+            </a:r>
+          </a:p>
+          <a:p>
+            <a:pPr lvl="1"/>
+            <a:r>
+              <a:rPr lang="de-DE" dirty="0"/>
+              <a:t>Das Symbol verändert sich je nach Art der Quelle, die auf der Website erkannt wird </a:t>
+            </a:r>
+            <a:r>
+              <a:rPr lang="de-DE" dirty="0">
+                <a:sym typeface="Wingdings" panose="05000000000000000000" pitchFamily="2" charset="2"/>
+              </a:rPr>
+              <a:t> Bei Textquellen wird meist ein Datei-Symbol angezeigt</a:t>
+            </a:r>
+          </a:p>
+          <a:p>
+            <a:r>
+              <a:rPr lang="de-DE" dirty="0">
+                <a:sym typeface="Wingdings" panose="05000000000000000000" pitchFamily="2" charset="2"/>
+              </a:rPr>
+              <a:t>… wählen aus, wo die Quelle gespeichert werden soll…</a:t>
+            </a:r>
+          </a:p>
+          <a:p>
+            <a:r>
+              <a:rPr lang="de-DE" dirty="0">
+                <a:sym typeface="Wingdings" panose="05000000000000000000" pitchFamily="2" charset="2"/>
+              </a:rPr>
+              <a:t>…und kontrollieren in Zotero, ob alles richtig erkannt wurde.</a:t>
+            </a:r>
+          </a:p>
+          <a:p>
+            <a:pPr lvl="1"/>
+            <a:r>
+              <a:rPr lang="de-DE" dirty="0">
+                <a:sym typeface="Wingdings" panose="05000000000000000000" pitchFamily="2" charset="2"/>
+              </a:rPr>
+              <a:t>Im besten Fall haben wir automatisch eine PDF im Programm (als Kopie)</a:t>
+            </a:r>
+          </a:p>
+          <a:p>
+            <a:pPr lvl="1"/>
+            <a:r>
+              <a:rPr lang="de-DE" dirty="0">
+                <a:sym typeface="Wingdings" panose="05000000000000000000" pitchFamily="2" charset="2"/>
+              </a:rPr>
+              <a:t>Zotero sollte automatisch die neue Quelle ausgewählt haben zum Anzeigen</a:t>
+            </a:r>
+          </a:p>
+          <a:p>
+            <a:pPr lvl="1"/>
+            <a:r>
+              <a:rPr lang="de-DE" dirty="0">
+                <a:sym typeface="Wingdings" panose="05000000000000000000" pitchFamily="2" charset="2"/>
+              </a:rPr>
+              <a:t>Per Doppelklick auf die Quelle kommen wir auf die PDF zum Lesen</a:t>
+            </a:r>
+          </a:p>
+          <a:p>
+            <a:pPr lvl="1"/>
+            <a:endParaRPr lang="de-DE" dirty="0"/>
+          </a:p>
+          <a:p>
+            <a:endParaRPr lang="de-DE" dirty="0"/>
+          </a:p>
+        </p:txBody>
+      </p:sp>
+      <p:sp>
+        <p:nvSpPr>
+          <p:cNvPr id="4" name="Text Placeholder 3">
+            <a:extLst>
+              <a:ext uri="{FF2B5EF4-FFF2-40B4-BE49-F238E27FC236}">
+                <a16:creationId xmlns:a16="http://schemas.microsoft.com/office/drawing/2014/main" id="{1DE7268B-5DF0-474A-B9BA-B3D8202F5ABE}"/>
+              </a:ext>
+            </a:extLst>
+          </p:cNvPr>
+          <p:cNvSpPr>
+            <a:spLocks noGrp="1"/>
+          </p:cNvSpPr>
+          <p:nvPr>
+            <p:ph type="body" sz="quarter" idx="13"/>
+          </p:nvPr>
+        </p:nvSpPr>
+        <p:spPr/>
+        <p:txBody>
+          <a:bodyPr/>
+          <a:lstStyle/>
+          <a:p>
+            <a:r>
+              <a:rPr lang="de-DE" dirty="0"/>
+              <a:t>Beispiel zum Mitmachen</a:t>
+            </a:r>
+            <a:endParaRPr lang="en-US" dirty="0"/>
+          </a:p>
+        </p:txBody>
+      </p:sp>
+      <p:pic>
+        <p:nvPicPr>
+          <p:cNvPr id="6" name="Picture 5">
+            <a:extLst>
+              <a:ext uri="{FF2B5EF4-FFF2-40B4-BE49-F238E27FC236}">
+                <a16:creationId xmlns:a16="http://schemas.microsoft.com/office/drawing/2014/main" id="{35430B01-C3BF-467B-80B2-D237E2F29957}"/>
+              </a:ext>
+            </a:extLst>
+          </p:cNvPr>
+          <p:cNvPicPr>
+            <a:picLocks noChangeAspect="1"/>
+          </p:cNvPicPr>
+          <p:nvPr/>
+        </p:nvPicPr>
+        <p:blipFill>
+          <a:blip r:embed="rId4"/>
+          <a:stretch>
+            <a:fillRect/>
+          </a:stretch>
+        </p:blipFill>
+        <p:spPr>
+          <a:xfrm>
+            <a:off x="10648940" y="3429000"/>
+            <a:ext cx="466957" cy="548641"/>
+          </a:xfrm>
+          <a:prstGeom prst="ellipse">
+            <a:avLst/>
+          </a:prstGeom>
+          <a:ln w="63500" cap="rnd">
+            <a:solidFill>
+              <a:srgbClr val="333333"/>
+            </a:solidFill>
+          </a:ln>
+          <a:effectLst/>
+          <a:scene3d>
+            <a:camera prst="orthographicFront"/>
+            <a:lightRig rig="contrasting" dir="t">
+              <a:rot lat="0" lon="0" rev="3000000"/>
+            </a:lightRig>
+          </a:scene3d>
+          <a:sp3d contourW="7620">
+            <a:bevelT w="95250" h="31750"/>
+            <a:contourClr>
+              <a:srgbClr val="333333"/>
+            </a:contourClr>
+          </a:sp3d>
+        </p:spPr>
+      </p:pic>
+      <p:sp>
+        <p:nvSpPr>
+          <p:cNvPr id="9" name="Title 2">
+            <a:extLst>
+              <a:ext uri="{FF2B5EF4-FFF2-40B4-BE49-F238E27FC236}">
+                <a16:creationId xmlns:a16="http://schemas.microsoft.com/office/drawing/2014/main" id="{65BA7EA9-B83F-4923-AAAA-4C5A90F6CF77}"/>
+              </a:ext>
+            </a:extLst>
+          </p:cNvPr>
+          <p:cNvSpPr>
+            <a:spLocks noGrp="1"/>
+          </p:cNvSpPr>
+          <p:nvPr>
+            <p:ph type="title"/>
+          </p:nvPr>
+        </p:nvSpPr>
+        <p:spPr>
+          <a:xfrm>
+            <a:off x="1202919" y="284176"/>
+            <a:ext cx="9784080" cy="1508760"/>
+          </a:xfrm>
+        </p:spPr>
+        <p:txBody>
+          <a:bodyPr/>
+          <a:lstStyle/>
+          <a:p>
+            <a:r>
+              <a:rPr lang="de-DE" dirty="0"/>
+              <a:t>Zotero – </a:t>
+            </a:r>
             <a:endParaRPr lang="en-US" dirty="0"/>
           </a:p>
         </p:txBody>
@@ -5355,7 +12671,37 @@
           <p:cNvPr id="10" name="Picture 9">
             <a:extLst>
               <a:ext uri="{FF2B5EF4-FFF2-40B4-BE49-F238E27FC236}">
-                <a16:creationId xmlns:a16="http://schemas.microsoft.com/office/drawing/2014/main" id="{6FEC43DE-DB71-41B2-AB03-1A55773779DB}"/>
+                <a16:creationId xmlns:a16="http://schemas.microsoft.com/office/drawing/2014/main" id="{040EA193-42F9-4636-AEEE-94F3A00BDB5B}"/>
+              </a:ext>
+            </a:extLst>
+          </p:cNvPr>
+          <p:cNvPicPr>
+            <a:picLocks noChangeAspect="1"/>
+          </p:cNvPicPr>
+          <p:nvPr/>
+        </p:nvPicPr>
+        <p:blipFill>
+          <a:blip r:embed="rId5"/>
+          <a:stretch>
+            <a:fillRect/>
+          </a:stretch>
+        </p:blipFill>
+        <p:spPr>
+          <a:xfrm>
+            <a:off x="3381458" y="706710"/>
+            <a:ext cx="2712955" cy="525826"/>
+          </a:xfrm>
+          <a:prstGeom prst="rect">
+            <a:avLst/>
+          </a:prstGeom>
+        </p:spPr>
+      </p:pic>
+      <p:pic>
+        <p:nvPicPr>
+          <p:cNvPr id="12" name="Picture 11">
+            <a:extLst>
+              <a:ext uri="{FF2B5EF4-FFF2-40B4-BE49-F238E27FC236}">
+                <a16:creationId xmlns:a16="http://schemas.microsoft.com/office/drawing/2014/main" id="{D2BFF2B1-C645-4B03-A0E5-F1F22A49DF99}"/>
               </a:ext>
             </a:extLst>
           </p:cNvPr>
@@ -5365,72 +12711,22 @@
           <p:nvPr/>
         </p:nvPicPr>
         <p:blipFill rotWithShape="1">
-          <a:blip r:embed="rId2"/>
-          <a:srcRect l="15012" b="13201"/>
+          <a:blip r:embed="rId6">
+            <a:duotone>
+              <a:schemeClr val="accent5">
+                <a:shade val="45000"/>
+                <a:satMod val="135000"/>
+              </a:schemeClr>
+              <a:prstClr val="white"/>
+            </a:duotone>
+          </a:blip>
+          <a:srcRect l="18806" r="20689" b="12958"/>
           <a:stretch/>
         </p:blipFill>
         <p:spPr>
           <a:xfrm>
-            <a:off x="1444438" y="2949463"/>
-            <a:ext cx="3414433" cy="3487201"/>
-          </a:xfrm>
-          <a:prstGeom prst="rect">
-            <a:avLst/>
-          </a:prstGeom>
-        </p:spPr>
-      </p:pic>
-      <p:pic>
-        <p:nvPicPr>
-          <p:cNvPr id="11" name="Picture 10">
-            <a:extLst>
-              <a:ext uri="{FF2B5EF4-FFF2-40B4-BE49-F238E27FC236}">
-                <a16:creationId xmlns:a16="http://schemas.microsoft.com/office/drawing/2014/main" id="{8C81CBDE-A5DE-40BB-9691-C87433FDCE1B}"/>
-              </a:ext>
-            </a:extLst>
-          </p:cNvPr>
-          <p:cNvPicPr>
-            <a:picLocks noChangeAspect="1"/>
-          </p:cNvPicPr>
-          <p:nvPr/>
-        </p:nvPicPr>
-        <p:blipFill rotWithShape="1">
-          <a:blip r:embed="rId3"/>
-          <a:srcRect l="13445" b="20269"/>
-          <a:stretch/>
-        </p:blipFill>
-        <p:spPr>
-          <a:xfrm>
-            <a:off x="5890373" y="1313328"/>
-            <a:ext cx="3119081" cy="2873189"/>
-          </a:xfrm>
-          <a:prstGeom prst="rect">
-            <a:avLst/>
-          </a:prstGeom>
-        </p:spPr>
-      </p:pic>
-      <p:pic>
-        <p:nvPicPr>
-          <p:cNvPr id="12" name="Picture 11">
-            <a:extLst>
-              <a:ext uri="{FF2B5EF4-FFF2-40B4-BE49-F238E27FC236}">
-                <a16:creationId xmlns:a16="http://schemas.microsoft.com/office/drawing/2014/main" id="{512F6FF4-DE10-45B5-ABFB-23D53376CDDF}"/>
-              </a:ext>
-            </a:extLst>
-          </p:cNvPr>
-          <p:cNvPicPr>
-            <a:picLocks noChangeAspect="1"/>
-          </p:cNvPicPr>
-          <p:nvPr/>
-        </p:nvPicPr>
-        <p:blipFill rotWithShape="1">
-          <a:blip r:embed="rId4"/>
-          <a:srcRect r="17572"/>
-          <a:stretch/>
-        </p:blipFill>
-        <p:spPr>
-          <a:xfrm>
-            <a:off x="4948516" y="4693063"/>
-            <a:ext cx="6391837" cy="1938618"/>
+            <a:off x="0" y="2011680"/>
+            <a:ext cx="1146843" cy="1649861"/>
           </a:xfrm>
           <a:prstGeom prst="rect">
             <a:avLst/>
@@ -5440,7 +12736,7 @@
     </p:spTree>
     <p:extLst>
       <p:ext uri="{BB962C8B-B14F-4D97-AF65-F5344CB8AC3E}">
-        <p14:creationId xmlns:p14="http://schemas.microsoft.com/office/powerpoint/2010/main" val="3741013524"/>
+        <p14:creationId xmlns:p14="http://schemas.microsoft.com/office/powerpoint/2010/main" val="171907980"/>
       </p:ext>
     </p:extLst>
   </p:cSld>
@@ -5744,4 +13040,299 @@
     </a:ext>
   </a:extLst>
 </a:theme>
+</file>
+
+<file path=ppt/theme/theme2.xml><?xml version="1.0" encoding="utf-8"?>
+<a:theme xmlns:a="http://schemas.openxmlformats.org/drawingml/2006/main" name="Office Theme">
+  <a:themeElements>
+    <a:clrScheme name="Office">
+      <a:dk1>
+        <a:sysClr val="windowText" lastClr="000000"/>
+      </a:dk1>
+      <a:lt1>
+        <a:sysClr val="window" lastClr="FFFFFF"/>
+      </a:lt1>
+      <a:dk2>
+        <a:srgbClr val="44546A"/>
+      </a:dk2>
+      <a:lt2>
+        <a:srgbClr val="E7E6E6"/>
+      </a:lt2>
+      <a:accent1>
+        <a:srgbClr val="4472C4"/>
+      </a:accent1>
+      <a:accent2>
+        <a:srgbClr val="ED7D31"/>
+      </a:accent2>
+      <a:accent3>
+        <a:srgbClr val="A5A5A5"/>
+      </a:accent3>
+      <a:accent4>
+        <a:srgbClr val="FFC000"/>
+      </a:accent4>
+      <a:accent5>
+        <a:srgbClr val="5B9BD5"/>
+      </a:accent5>
+      <a:accent6>
+        <a:srgbClr val="70AD47"/>
+      </a:accent6>
+      <a:hlink>
+        <a:srgbClr val="0563C1"/>
+      </a:hlink>
+      <a:folHlink>
+        <a:srgbClr val="954F72"/>
+      </a:folHlink>
+    </a:clrScheme>
+    <a:fontScheme name="Office">
+      <a:majorFont>
+        <a:latin typeface="Calibri Light" panose="020F0302020204030204"/>
+        <a:ea typeface=""/>
+        <a:cs typeface=""/>
+        <a:font script="Jpan" typeface="游ゴシック Light"/>
+        <a:font script="Hang" typeface="맑은 고딕"/>
+        <a:font script="Hans" typeface="等线 Light"/>
+        <a:font script="Hant" typeface="新細明體"/>
+        <a:font script="Arab" typeface="Times New Roman"/>
+        <a:font script="Hebr" typeface="Times New Roman"/>
+        <a:font script="Thai" typeface="Angsana New"/>
+        <a:font script="Ethi" typeface="Nyala"/>
+        <a:font script="Beng" typeface="Vrinda"/>
+        <a:font script="Gujr" typeface="Shruti"/>
+        <a:font script="Khmr" typeface="MoolBoran"/>
+        <a:font script="Knda" typeface="Tunga"/>
+        <a:font script="Guru" typeface="Raavi"/>
+        <a:font script="Cans" typeface="Euphemia"/>
+        <a:font script="Cher" typeface="Plantagenet Cherokee"/>
+        <a:font script="Yiii" typeface="Microsoft Yi Baiti"/>
+        <a:font script="Tibt" typeface="Microsoft Himalaya"/>
+        <a:font script="Thaa" typeface="MV Boli"/>
+        <a:font script="Deva" typeface="Mangal"/>
+        <a:font script="Telu" typeface="Gautami"/>
+        <a:font script="Taml" typeface="Latha"/>
+        <a:font script="Syrc" typeface="Estrangelo Edessa"/>
+        <a:font script="Orya" typeface="Kalinga"/>
+        <a:font script="Mlym" typeface="Kartika"/>
+        <a:font script="Laoo" typeface="DokChampa"/>
+        <a:font script="Sinh" typeface="Iskoola Pota"/>
+        <a:font script="Mong" typeface="Mongolian Baiti"/>
+        <a:font script="Viet" typeface="Times New Roman"/>
+        <a:font script="Uigh" typeface="Microsoft Uighur"/>
+        <a:font script="Geor" typeface="Sylfaen"/>
+        <a:font script="Armn" typeface="Arial"/>
+        <a:font script="Bugi" typeface="Leelawadee UI"/>
+        <a:font script="Bopo" typeface="Microsoft JhengHei"/>
+        <a:font script="Java" typeface="Javanese Text"/>
+        <a:font script="Lisu" typeface="Segoe UI"/>
+        <a:font script="Mymr" typeface="Myanmar Text"/>
+        <a:font script="Nkoo" typeface="Ebrima"/>
+        <a:font script="Olck" typeface="Nirmala UI"/>
+        <a:font script="Osma" typeface="Ebrima"/>
+        <a:font script="Phag" typeface="Phagspa"/>
+        <a:font script="Syrn" typeface="Estrangelo Edessa"/>
+        <a:font script="Syrj" typeface="Estrangelo Edessa"/>
+        <a:font script="Syre" typeface="Estrangelo Edessa"/>
+        <a:font script="Sora" typeface="Nirmala UI"/>
+        <a:font script="Tale" typeface="Microsoft Tai Le"/>
+        <a:font script="Talu" typeface="Microsoft New Tai Lue"/>
+        <a:font script="Tfng" typeface="Ebrima"/>
+      </a:majorFont>
+      <a:minorFont>
+        <a:latin typeface="Calibri" panose="020F0502020204030204"/>
+        <a:ea typeface=""/>
+        <a:cs typeface=""/>
+        <a:font script="Jpan" typeface="游ゴシック"/>
+        <a:font script="Hang" typeface="맑은 고딕"/>
+        <a:font script="Hans" typeface="等线"/>
+        <a:font script="Hant" typeface="新細明體"/>
+        <a:font script="Arab" typeface="Arial"/>
+        <a:font script="Hebr" typeface="Arial"/>
+        <a:font script="Thai" typeface="Cordia New"/>
+        <a:font script="Ethi" typeface="Nyala"/>
+        <a:font script="Beng" typeface="Vrinda"/>
+        <a:font script="Gujr" typeface="Shruti"/>
+        <a:font script="Khmr" typeface="DaunPenh"/>
+        <a:font script="Knda" typeface="Tunga"/>
+        <a:font script="Guru" typeface="Raavi"/>
+        <a:font script="Cans" typeface="Euphemia"/>
+        <a:font script="Cher" typeface="Plantagenet Cherokee"/>
+        <a:font script="Yiii" typeface="Microsoft Yi Baiti"/>
+        <a:font script="Tibt" typeface="Microsoft Himalaya"/>
+        <a:font script="Thaa" typeface="MV Boli"/>
+        <a:font script="Deva" typeface="Mangal"/>
+        <a:font script="Telu" typeface="Gautami"/>
+        <a:font script="Taml" typeface="Latha"/>
+        <a:font script="Syrc" typeface="Estrangelo Edessa"/>
+        <a:font script="Orya" typeface="Kalinga"/>
+        <a:font script="Mlym" typeface="Kartika"/>
+        <a:font script="Laoo" typeface="DokChampa"/>
+        <a:font script="Sinh" typeface="Iskoola Pota"/>
+        <a:font script="Mong" typeface="Mongolian Baiti"/>
+        <a:font script="Viet" typeface="Arial"/>
+        <a:font script="Uigh" typeface="Microsoft Uighur"/>
+        <a:font script="Geor" typeface="Sylfaen"/>
+        <a:font script="Armn" typeface="Arial"/>
+        <a:font script="Bugi" typeface="Leelawadee UI"/>
+        <a:font script="Bopo" typeface="Microsoft JhengHei"/>
+        <a:font script="Java" typeface="Javanese Text"/>
+        <a:font script="Lisu" typeface="Segoe UI"/>
+        <a:font script="Mymr" typeface="Myanmar Text"/>
+        <a:font script="Nkoo" typeface="Ebrima"/>
+        <a:font script="Olck" typeface="Nirmala UI"/>
+        <a:font script="Osma" typeface="Ebrima"/>
+        <a:font script="Phag" typeface="Phagspa"/>
+        <a:font script="Syrn" typeface="Estrangelo Edessa"/>
+        <a:font script="Syrj" typeface="Estrangelo Edessa"/>
+        <a:font script="Syre" typeface="Estrangelo Edessa"/>
+        <a:font script="Sora" typeface="Nirmala UI"/>
+        <a:font script="Tale" typeface="Microsoft Tai Le"/>
+        <a:font script="Talu" typeface="Microsoft New Tai Lue"/>
+        <a:font script="Tfng" typeface="Ebrima"/>
+      </a:minorFont>
+    </a:fontScheme>
+    <a:fmtScheme name="Office">
+      <a:fillStyleLst>
+        <a:solidFill>
+          <a:schemeClr val="phClr"/>
+        </a:solidFill>
+        <a:gradFill rotWithShape="1">
+          <a:gsLst>
+            <a:gs pos="0">
+              <a:schemeClr val="phClr">
+                <a:lumMod val="110000"/>
+                <a:satMod val="105000"/>
+                <a:tint val="67000"/>
+              </a:schemeClr>
+            </a:gs>
+            <a:gs pos="50000">
+              <a:schemeClr val="phClr">
+                <a:lumMod val="105000"/>
+                <a:satMod val="103000"/>
+                <a:tint val="73000"/>
+              </a:schemeClr>
+            </a:gs>
+            <a:gs pos="100000">
+              <a:schemeClr val="phClr">
+                <a:lumMod val="105000"/>
+                <a:satMod val="109000"/>
+                <a:tint val="81000"/>
+              </a:schemeClr>
+            </a:gs>
+          </a:gsLst>
+          <a:lin ang="5400000" scaled="0"/>
+        </a:gradFill>
+        <a:gradFill rotWithShape="1">
+          <a:gsLst>
+            <a:gs pos="0">
+              <a:schemeClr val="phClr">
+                <a:satMod val="103000"/>
+                <a:lumMod val="102000"/>
+                <a:tint val="94000"/>
+              </a:schemeClr>
+            </a:gs>
+            <a:gs pos="50000">
+              <a:schemeClr val="phClr">
+                <a:satMod val="110000"/>
+                <a:lumMod val="100000"/>
+                <a:shade val="100000"/>
+              </a:schemeClr>
+            </a:gs>
+            <a:gs pos="100000">
+              <a:schemeClr val="phClr">
+                <a:lumMod val="99000"/>
+                <a:satMod val="120000"/>
+                <a:shade val="78000"/>
+              </a:schemeClr>
+            </a:gs>
+          </a:gsLst>
+          <a:lin ang="5400000" scaled="0"/>
+        </a:gradFill>
+      </a:fillStyleLst>
+      <a:lnStyleLst>
+        <a:ln w="6350" cap="flat" cmpd="sng" algn="ctr">
+          <a:solidFill>
+            <a:schemeClr val="phClr"/>
+          </a:solidFill>
+          <a:prstDash val="solid"/>
+          <a:miter lim="800000"/>
+        </a:ln>
+        <a:ln w="12700" cap="flat" cmpd="sng" algn="ctr">
+          <a:solidFill>
+            <a:schemeClr val="phClr"/>
+          </a:solidFill>
+          <a:prstDash val="solid"/>
+          <a:miter lim="800000"/>
+        </a:ln>
+        <a:ln w="19050" cap="flat" cmpd="sng" algn="ctr">
+          <a:solidFill>
+            <a:schemeClr val="phClr"/>
+          </a:solidFill>
+          <a:prstDash val="solid"/>
+          <a:miter lim="800000"/>
+        </a:ln>
+      </a:lnStyleLst>
+      <a:effectStyleLst>
+        <a:effectStyle>
+          <a:effectLst/>
+        </a:effectStyle>
+        <a:effectStyle>
+          <a:effectLst/>
+        </a:effectStyle>
+        <a:effectStyle>
+          <a:effectLst>
+            <a:outerShdw blurRad="57150" dist="19050" dir="5400000" algn="ctr" rotWithShape="0">
+              <a:srgbClr val="000000">
+                <a:alpha val="63000"/>
+              </a:srgbClr>
+            </a:outerShdw>
+          </a:effectLst>
+        </a:effectStyle>
+      </a:effectStyleLst>
+      <a:bgFillStyleLst>
+        <a:solidFill>
+          <a:schemeClr val="phClr"/>
+        </a:solidFill>
+        <a:solidFill>
+          <a:schemeClr val="phClr">
+            <a:tint val="95000"/>
+            <a:satMod val="170000"/>
+          </a:schemeClr>
+        </a:solidFill>
+        <a:gradFill rotWithShape="1">
+          <a:gsLst>
+            <a:gs pos="0">
+              <a:schemeClr val="phClr">
+                <a:tint val="93000"/>
+                <a:satMod val="150000"/>
+                <a:shade val="98000"/>
+                <a:lumMod val="102000"/>
+              </a:schemeClr>
+            </a:gs>
+            <a:gs pos="50000">
+              <a:schemeClr val="phClr">
+                <a:tint val="98000"/>
+                <a:satMod val="130000"/>
+                <a:shade val="90000"/>
+                <a:lumMod val="103000"/>
+              </a:schemeClr>
+            </a:gs>
+            <a:gs pos="100000">
+              <a:schemeClr val="phClr">
+                <a:shade val="63000"/>
+                <a:satMod val="120000"/>
+              </a:schemeClr>
+            </a:gs>
+          </a:gsLst>
+          <a:lin ang="5400000" scaled="0"/>
+        </a:gradFill>
+      </a:bgFillStyleLst>
+    </a:fmtScheme>
+  </a:themeElements>
+  <a:objectDefaults/>
+  <a:extraClrSchemeLst/>
+  <a:extLst>
+    <a:ext uri="{05A4C25C-085E-4340-85A3-A5531E510DB2}">
+      <thm15:themeFamily xmlns:thm15="http://schemas.microsoft.com/office/thememl/2012/main" name="Office Theme" id="{62F939B6-93AF-4DB8-9C6B-D6C7DFDC589F}" vid="{4A3C46E8-61CC-4603-A589-7422A47A8E4A}"/>
+    </a:ext>
+  </a:extLst>
+</a:theme>
 </file>